--- a/Week 7 -- spatiotemporal models/Lab/Lab 7 -- spatial-Gompertz model.pptx
+++ b/Week 7 -- spatiotemporal models/Lab/Lab 7 -- spatial-Gompertz model.pptx
@@ -5,7 +5,7 @@
     <p:sldMasterId id="2147483672" r:id="rId1"/>
   </p:sldMasterIdLst>
   <p:notesMasterIdLst>
-    <p:notesMasterId r:id="rId12"/>
+    <p:notesMasterId r:id="rId15"/>
   </p:notesMasterIdLst>
   <p:sldIdLst>
     <p:sldId id="266" r:id="rId2"/>
@@ -13,11 +13,14 @@
     <p:sldId id="282" r:id="rId4"/>
     <p:sldId id="281" r:id="rId5"/>
     <p:sldId id="280" r:id="rId6"/>
-    <p:sldId id="278" r:id="rId7"/>
-    <p:sldId id="275" r:id="rId8"/>
-    <p:sldId id="276" r:id="rId9"/>
-    <p:sldId id="283" r:id="rId10"/>
-    <p:sldId id="279" r:id="rId11"/>
+    <p:sldId id="285" r:id="rId7"/>
+    <p:sldId id="278" r:id="rId8"/>
+    <p:sldId id="275" r:id="rId9"/>
+    <p:sldId id="276" r:id="rId10"/>
+    <p:sldId id="286" r:id="rId11"/>
+    <p:sldId id="284" r:id="rId12"/>
+    <p:sldId id="283" r:id="rId13"/>
+    <p:sldId id="279" r:id="rId14"/>
   </p:sldIdLst>
   <p:sldSz cx="9144000" cy="6858000" type="screen4x3"/>
   <p:notesSz cx="6858000" cy="9144000"/>
@@ -209,7 +212,7 @@
           <a:p>
             <a:fld id="{1522831B-4FE3-4D45-950B-0D2C6BB2DD76}" type="datetimeFigureOut">
               <a:rPr lang="en-US" smtClean="0"/>
-              <a:t>5/11/2016</a:t>
+              <a:t>5/12/2016</a:t>
             </a:fld>
             <a:endParaRPr lang="en-US"/>
           </a:p>
@@ -3567,6 +3570,6363 @@
           </a:p>
         </p:txBody>
       </p:sp>
+      <mc:AlternateContent xmlns:mc="http://schemas.openxmlformats.org/markup-compatibility/2006">
+        <mc:Choice xmlns:a14="http://schemas.microsoft.com/office/drawing/2010/main" Requires="a14">
+          <p:sp>
+            <p:nvSpPr>
+              <p:cNvPr id="3" name="Content Placeholder 2"/>
+              <p:cNvSpPr>
+                <a:spLocks noGrp="1"/>
+              </p:cNvSpPr>
+              <p:nvPr>
+                <p:ph idx="1"/>
+              </p:nvPr>
+            </p:nvSpPr>
+            <p:spPr/>
+            <p:txBody>
+              <a:bodyPr/>
+              <a:lstStyle/>
+              <a:p>
+                <a:pPr marL="0" indent="0">
+                  <a:buNone/>
+                </a:pPr>
+                <a:r>
+                  <a:rPr lang="en-US" dirty="0" smtClean="0"/>
+                  <a:t>REVIEW: Four </a:t>
+                </a:r>
+                <a:r>
+                  <a:rPr lang="en-US" dirty="0" smtClean="0"/>
+                  <a:t>ways to code </a:t>
+                </a:r>
+              </a:p>
+              <a:p>
+                <a:pPr marL="400050" lvl="1" indent="0">
+                  <a:buNone/>
+                </a:pPr>
+                <a:r>
+                  <a:rPr lang="en-US" dirty="0" smtClean="0"/>
+                  <a:t>1. 	</a:t>
+                </a:r>
+                <a:r>
+                  <a:rPr lang="en-US" b="1" dirty="0" smtClean="0"/>
+                  <a:t>Stochastic process</a:t>
+                </a:r>
+              </a:p>
+              <a:p>
+                <a:pPr marL="400050" lvl="2" indent="0">
+                  <a:buNone/>
+                </a:pPr>
+                <a14:m>
+                  <m:oMathPara xmlns:m="http://schemas.openxmlformats.org/officeDocument/2006/math">
+                    <m:oMathParaPr>
+                      <m:jc m:val="centerGroup"/>
+                    </m:oMathParaPr>
+                    <m:oMath xmlns:m="http://schemas.openxmlformats.org/officeDocument/2006/math">
+                      <m:sSub>
+                        <m:sSubPr>
+                          <m:ctrlPr>
+                            <a:rPr lang="en-US" sz="2400" b="1" i="1">
+                              <a:latin typeface="Cambria Math" panose="02040503050406030204" pitchFamily="18" charset="0"/>
+                              <a:ea typeface="Cambria Math" panose="02040503050406030204" pitchFamily="18" charset="0"/>
+                            </a:rPr>
+                          </m:ctrlPr>
+                        </m:sSubPr>
+                        <m:e>
+                          <m:r>
+                            <a:rPr lang="en-US" sz="2400" b="1" i="1">
+                              <a:latin typeface="Cambria Math" panose="02040503050406030204" pitchFamily="18" charset="0"/>
+                              <a:ea typeface="Cambria Math" panose="02040503050406030204" pitchFamily="18" charset="0"/>
+                            </a:rPr>
+                            <m:t>𝜺</m:t>
+                          </m:r>
+                        </m:e>
+                        <m:sub>
+                          <m:r>
+                            <a:rPr lang="en-US" sz="2400" b="1" i="1">
+                              <a:latin typeface="Cambria Math" panose="02040503050406030204" pitchFamily="18" charset="0"/>
+                              <a:ea typeface="Cambria Math" panose="02040503050406030204" pitchFamily="18" charset="0"/>
+                            </a:rPr>
+                            <m:t>𝒔</m:t>
+                          </m:r>
+                          <m:r>
+                            <a:rPr lang="en-US" sz="2400" b="1" i="1">
+                              <a:latin typeface="Cambria Math" panose="02040503050406030204" pitchFamily="18" charset="0"/>
+                              <a:ea typeface="Cambria Math" panose="02040503050406030204" pitchFamily="18" charset="0"/>
+                            </a:rPr>
+                            <m:t>+</m:t>
+                          </m:r>
+                          <m:r>
+                            <a:rPr lang="en-US" sz="2400" b="1" i="1">
+                              <a:latin typeface="Cambria Math" panose="02040503050406030204" pitchFamily="18" charset="0"/>
+                              <a:ea typeface="Cambria Math" panose="02040503050406030204" pitchFamily="18" charset="0"/>
+                            </a:rPr>
+                            <m:t>𝟏</m:t>
+                          </m:r>
+                        </m:sub>
+                      </m:sSub>
+                      <m:r>
+                        <a:rPr lang="en-US" sz="2400" b="1" i="1">
+                          <a:latin typeface="Cambria Math" panose="02040503050406030204" pitchFamily="18" charset="0"/>
+                          <a:ea typeface="Cambria Math" panose="02040503050406030204" pitchFamily="18" charset="0"/>
+                        </a:rPr>
+                        <m:t>~</m:t>
+                      </m:r>
+                      <m:r>
+                        <a:rPr lang="en-US" sz="2400" b="1" i="1">
+                          <a:latin typeface="Cambria Math" panose="02040503050406030204" pitchFamily="18" charset="0"/>
+                          <a:ea typeface="Cambria Math" panose="02040503050406030204" pitchFamily="18" charset="0"/>
+                        </a:rPr>
+                        <m:t>𝑵𝒐𝒓𝒎𝒂𝒍</m:t>
+                      </m:r>
+                      <m:r>
+                        <a:rPr lang="en-US" sz="2400" b="1" i="1">
+                          <a:latin typeface="Cambria Math" panose="02040503050406030204" pitchFamily="18" charset="0"/>
+                          <a:ea typeface="Cambria Math" panose="02040503050406030204" pitchFamily="18" charset="0"/>
+                        </a:rPr>
+                        <m:t>(</m:t>
+                      </m:r>
+                      <m:r>
+                        <a:rPr lang="en-US" sz="2400" b="1" i="1">
+                          <a:latin typeface="Cambria Math" panose="02040503050406030204" pitchFamily="18" charset="0"/>
+                          <a:ea typeface="Cambria Math" panose="02040503050406030204" pitchFamily="18" charset="0"/>
+                        </a:rPr>
+                        <m:t>𝝆</m:t>
+                      </m:r>
+                      <m:sSub>
+                        <m:sSubPr>
+                          <m:ctrlPr>
+                            <a:rPr lang="en-US" sz="2400" b="1" i="1">
+                              <a:latin typeface="Cambria Math" panose="02040503050406030204" pitchFamily="18" charset="0"/>
+                              <a:ea typeface="Cambria Math" panose="02040503050406030204" pitchFamily="18" charset="0"/>
+                            </a:rPr>
+                          </m:ctrlPr>
+                        </m:sSubPr>
+                        <m:e>
+                          <m:r>
+                            <a:rPr lang="en-US" sz="2400" b="1" i="1">
+                              <a:latin typeface="Cambria Math" panose="02040503050406030204" pitchFamily="18" charset="0"/>
+                              <a:ea typeface="Cambria Math" panose="02040503050406030204" pitchFamily="18" charset="0"/>
+                            </a:rPr>
+                            <m:t>𝜺</m:t>
+                          </m:r>
+                        </m:e>
+                        <m:sub>
+                          <m:r>
+                            <a:rPr lang="en-US" sz="2400" b="1" i="1">
+                              <a:latin typeface="Cambria Math" panose="02040503050406030204" pitchFamily="18" charset="0"/>
+                              <a:ea typeface="Cambria Math" panose="02040503050406030204" pitchFamily="18" charset="0"/>
+                            </a:rPr>
+                            <m:t>𝒔</m:t>
+                          </m:r>
+                        </m:sub>
+                      </m:sSub>
+                      <m:r>
+                        <a:rPr lang="en-US" sz="2400" b="1" i="1">
+                          <a:latin typeface="Cambria Math" panose="02040503050406030204" pitchFamily="18" charset="0"/>
+                          <a:ea typeface="Cambria Math" panose="02040503050406030204" pitchFamily="18" charset="0"/>
+                        </a:rPr>
+                        <m:t>,</m:t>
+                      </m:r>
+                      <m:sSubSup>
+                        <m:sSubSupPr>
+                          <m:ctrlPr>
+                            <a:rPr lang="en-US" sz="2400" b="1" i="1">
+                              <a:latin typeface="Cambria Math" panose="02040503050406030204" pitchFamily="18" charset="0"/>
+                              <a:ea typeface="Cambria Math" panose="02040503050406030204" pitchFamily="18" charset="0"/>
+                            </a:rPr>
+                          </m:ctrlPr>
+                        </m:sSubSupPr>
+                        <m:e>
+                          <m:r>
+                            <a:rPr lang="en-US" sz="2400" b="1" i="1">
+                              <a:latin typeface="Cambria Math" panose="02040503050406030204" pitchFamily="18" charset="0"/>
+                              <a:ea typeface="Cambria Math" panose="02040503050406030204" pitchFamily="18" charset="0"/>
+                            </a:rPr>
+                            <m:t>𝝈</m:t>
+                          </m:r>
+                        </m:e>
+                        <m:sub>
+                          <m:r>
+                            <a:rPr lang="en-US" sz="2400" b="1" i="1">
+                              <a:latin typeface="Cambria Math" panose="02040503050406030204" pitchFamily="18" charset="0"/>
+                              <a:ea typeface="Cambria Math" panose="02040503050406030204" pitchFamily="18" charset="0"/>
+                            </a:rPr>
+                            <m:t>𝜺</m:t>
+                          </m:r>
+                        </m:sub>
+                        <m:sup>
+                          <m:r>
+                            <a:rPr lang="en-US" sz="2400" b="1" i="1">
+                              <a:latin typeface="Cambria Math" panose="02040503050406030204" pitchFamily="18" charset="0"/>
+                              <a:ea typeface="Cambria Math" panose="02040503050406030204" pitchFamily="18" charset="0"/>
+                            </a:rPr>
+                            <m:t>𝟐</m:t>
+                          </m:r>
+                        </m:sup>
+                      </m:sSubSup>
+                      <m:r>
+                        <a:rPr lang="en-US" sz="2400" b="1" i="1">
+                          <a:latin typeface="Cambria Math" panose="02040503050406030204" pitchFamily="18" charset="0"/>
+                          <a:ea typeface="Cambria Math" panose="02040503050406030204" pitchFamily="18" charset="0"/>
+                        </a:rPr>
+                        <m:t>)</m:t>
+                      </m:r>
+                    </m:oMath>
+                  </m:oMathPara>
+                </a14:m>
+                <a:endParaRPr lang="en-US" sz="2400" b="1" i="1" dirty="0"/>
+              </a:p>
+              <a:p>
+                <a:pPr marL="400050" lvl="1" indent="0">
+                  <a:buNone/>
+                </a:pPr>
+                <a:r>
+                  <a:rPr lang="en-US" dirty="0" smtClean="0"/>
+                  <a:t>2. 	</a:t>
+                </a:r>
+                <a:r>
+                  <a:rPr lang="en-US" dirty="0" smtClean="0">
+                    <a:solidFill>
+                      <a:schemeClr val="bg1">
+                        <a:lumMod val="75000"/>
+                      </a:schemeClr>
+                    </a:solidFill>
+                  </a:rPr>
+                  <a:t>Via precision matrix Q</a:t>
+                </a:r>
+              </a:p>
+              <a:p>
+                <a:pPr marL="400050" lvl="1" indent="0">
+                  <a:buNone/>
+                </a:pPr>
+                <a14:m>
+                  <m:oMathPara xmlns:m="http://schemas.openxmlformats.org/officeDocument/2006/math">
+                    <m:oMathParaPr>
+                      <m:jc m:val="centerGroup"/>
+                    </m:oMathParaPr>
+                    <m:oMath xmlns:m="http://schemas.openxmlformats.org/officeDocument/2006/math">
+                      <m:func>
+                        <m:funcPr>
+                          <m:ctrlPr>
+                            <a:rPr lang="en-US" i="1">
+                              <a:solidFill>
+                                <a:schemeClr val="bg1">
+                                  <a:lumMod val="75000"/>
+                                </a:schemeClr>
+                              </a:solidFill>
+                              <a:latin typeface="Cambria Math" panose="02040503050406030204" pitchFamily="18" charset="0"/>
+                            </a:rPr>
+                          </m:ctrlPr>
+                        </m:funcPr>
+                        <m:fName>
+                          <m:r>
+                            <m:rPr>
+                              <m:sty m:val="p"/>
+                            </m:rPr>
+                            <a:rPr lang="en-US">
+                              <a:solidFill>
+                                <a:schemeClr val="bg1">
+                                  <a:lumMod val="75000"/>
+                                </a:schemeClr>
+                              </a:solidFill>
+                              <a:latin typeface="Cambria Math" panose="02040503050406030204" pitchFamily="18" charset="0"/>
+                            </a:rPr>
+                            <m:t>Pr</m:t>
+                          </m:r>
+                        </m:fName>
+                        <m:e>
+                          <m:d>
+                            <m:dPr>
+                              <m:ctrlPr>
+                                <a:rPr lang="en-US" i="1">
+                                  <a:solidFill>
+                                    <a:schemeClr val="bg1">
+                                      <a:lumMod val="75000"/>
+                                    </a:schemeClr>
+                                  </a:solidFill>
+                                  <a:latin typeface="Cambria Math" panose="02040503050406030204" pitchFamily="18" charset="0"/>
+                                </a:rPr>
+                              </m:ctrlPr>
+                            </m:dPr>
+                            <m:e>
+                              <m:r>
+                                <a:rPr lang="en-US" b="1">
+                                  <a:solidFill>
+                                    <a:schemeClr val="bg1">
+                                      <a:lumMod val="75000"/>
+                                    </a:schemeClr>
+                                  </a:solidFill>
+                                  <a:latin typeface="Cambria Math" panose="02040503050406030204" pitchFamily="18" charset="0"/>
+                                  <a:ea typeface="Cambria Math" panose="02040503050406030204" pitchFamily="18" charset="0"/>
+                                </a:rPr>
+                                <m:t>𝛆</m:t>
+                              </m:r>
+                            </m:e>
+                            <m:e>
+                              <m:r>
+                                <a:rPr lang="el-GR" b="1">
+                                  <a:solidFill>
+                                    <a:schemeClr val="bg1">
+                                      <a:lumMod val="75000"/>
+                                    </a:schemeClr>
+                                  </a:solidFill>
+                                  <a:latin typeface="Cambria Math" panose="02040503050406030204" pitchFamily="18" charset="0"/>
+                                  <a:ea typeface="Cambria Math" panose="02040503050406030204" pitchFamily="18" charset="0"/>
+                                </a:rPr>
+                                <m:t>𝚺</m:t>
+                              </m:r>
+                            </m:e>
+                          </m:d>
+                        </m:e>
+                      </m:func>
+                      <m:r>
+                        <a:rPr lang="en-US" i="1">
+                          <a:solidFill>
+                            <a:schemeClr val="bg1">
+                              <a:lumMod val="75000"/>
+                            </a:schemeClr>
+                          </a:solidFill>
+                          <a:latin typeface="Cambria Math" panose="02040503050406030204" pitchFamily="18" charset="0"/>
+                        </a:rPr>
+                        <m:t>∝</m:t>
+                      </m:r>
+                      <m:rad>
+                        <m:radPr>
+                          <m:degHide m:val="on"/>
+                          <m:ctrlPr>
+                            <a:rPr lang="en-US" i="1">
+                              <a:solidFill>
+                                <a:schemeClr val="bg1">
+                                  <a:lumMod val="75000"/>
+                                </a:schemeClr>
+                              </a:solidFill>
+                              <a:latin typeface="Cambria Math" panose="02040503050406030204" pitchFamily="18" charset="0"/>
+                            </a:rPr>
+                          </m:ctrlPr>
+                        </m:radPr>
+                        <m:deg/>
+                        <m:e>
+                          <m:r>
+                            <m:rPr>
+                              <m:sty m:val="p"/>
+                            </m:rPr>
+                            <a:rPr lang="en-US">
+                              <a:solidFill>
+                                <a:schemeClr val="bg1">
+                                  <a:lumMod val="75000"/>
+                                </a:schemeClr>
+                              </a:solidFill>
+                              <a:latin typeface="Cambria Math" panose="02040503050406030204" pitchFamily="18" charset="0"/>
+                            </a:rPr>
+                            <m:t>det</m:t>
+                          </m:r>
+                          <m:r>
+                            <a:rPr lang="en-US" b="1">
+                              <a:solidFill>
+                                <a:schemeClr val="bg1">
+                                  <a:lumMod val="75000"/>
+                                </a:schemeClr>
+                              </a:solidFill>
+                              <a:latin typeface="Cambria Math" panose="02040503050406030204" pitchFamily="18" charset="0"/>
+                            </a:rPr>
+                            <m:t>(</m:t>
+                          </m:r>
+                          <m:r>
+                            <a:rPr lang="en-US" b="1" i="0" smtClean="0">
+                              <a:solidFill>
+                                <a:schemeClr val="bg1">
+                                  <a:lumMod val="75000"/>
+                                </a:schemeClr>
+                              </a:solidFill>
+                              <a:latin typeface="Cambria Math" panose="02040503050406030204" pitchFamily="18" charset="0"/>
+                              <a:ea typeface="Cambria Math" panose="02040503050406030204" pitchFamily="18" charset="0"/>
+                            </a:rPr>
+                            <m:t>𝐐</m:t>
+                          </m:r>
+                          <m:r>
+                            <a:rPr lang="en-US" b="1">
+                              <a:solidFill>
+                                <a:schemeClr val="bg1">
+                                  <a:lumMod val="75000"/>
+                                </a:schemeClr>
+                              </a:solidFill>
+                              <a:latin typeface="Cambria Math" panose="02040503050406030204" pitchFamily="18" charset="0"/>
+                              <a:ea typeface="Cambria Math" panose="02040503050406030204" pitchFamily="18" charset="0"/>
+                            </a:rPr>
+                            <m:t>)</m:t>
+                          </m:r>
+                        </m:e>
+                      </m:rad>
+                      <m:func>
+                        <m:funcPr>
+                          <m:ctrlPr>
+                            <a:rPr lang="en-US" i="1">
+                              <a:solidFill>
+                                <a:schemeClr val="bg1">
+                                  <a:lumMod val="75000"/>
+                                </a:schemeClr>
+                              </a:solidFill>
+                              <a:latin typeface="Cambria Math" panose="02040503050406030204" pitchFamily="18" charset="0"/>
+                            </a:rPr>
+                          </m:ctrlPr>
+                        </m:funcPr>
+                        <m:fName>
+                          <m:r>
+                            <m:rPr>
+                              <m:sty m:val="p"/>
+                            </m:rPr>
+                            <a:rPr lang="en-US">
+                              <a:solidFill>
+                                <a:schemeClr val="bg1">
+                                  <a:lumMod val="75000"/>
+                                </a:schemeClr>
+                              </a:solidFill>
+                              <a:latin typeface="Cambria Math" panose="02040503050406030204" pitchFamily="18" charset="0"/>
+                            </a:rPr>
+                            <m:t>exp</m:t>
+                          </m:r>
+                        </m:fName>
+                        <m:e>
+                          <m:d>
+                            <m:dPr>
+                              <m:ctrlPr>
+                                <a:rPr lang="en-US" i="1">
+                                  <a:solidFill>
+                                    <a:schemeClr val="bg1">
+                                      <a:lumMod val="75000"/>
+                                    </a:schemeClr>
+                                  </a:solidFill>
+                                  <a:latin typeface="Cambria Math" panose="02040503050406030204" pitchFamily="18" charset="0"/>
+                                </a:rPr>
+                              </m:ctrlPr>
+                            </m:dPr>
+                            <m:e>
+                              <m:r>
+                                <a:rPr lang="en-US" i="1">
+                                  <a:solidFill>
+                                    <a:schemeClr val="bg1">
+                                      <a:lumMod val="75000"/>
+                                    </a:schemeClr>
+                                  </a:solidFill>
+                                  <a:latin typeface="Cambria Math" panose="02040503050406030204" pitchFamily="18" charset="0"/>
+                                </a:rPr>
+                                <m:t>−0.5</m:t>
+                              </m:r>
+                              <m:sSup>
+                                <m:sSupPr>
+                                  <m:ctrlPr>
+                                    <a:rPr lang="en-US" b="1" i="1">
+                                      <a:solidFill>
+                                        <a:schemeClr val="bg1">
+                                          <a:lumMod val="75000"/>
+                                        </a:schemeClr>
+                                      </a:solidFill>
+                                      <a:latin typeface="Cambria Math" panose="02040503050406030204" pitchFamily="18" charset="0"/>
+                                      <a:ea typeface="Cambria Math" panose="02040503050406030204" pitchFamily="18" charset="0"/>
+                                    </a:rPr>
+                                  </m:ctrlPr>
+                                </m:sSupPr>
+                                <m:e>
+                                  <m:r>
+                                    <a:rPr lang="en-US" b="1">
+                                      <a:solidFill>
+                                        <a:schemeClr val="bg1">
+                                          <a:lumMod val="75000"/>
+                                        </a:schemeClr>
+                                      </a:solidFill>
+                                      <a:latin typeface="Cambria Math" panose="02040503050406030204" pitchFamily="18" charset="0"/>
+                                      <a:ea typeface="Cambria Math" panose="02040503050406030204" pitchFamily="18" charset="0"/>
+                                    </a:rPr>
+                                    <m:t>𝛆</m:t>
+                                  </m:r>
+                                </m:e>
+                                <m:sup>
+                                  <m:r>
+                                    <m:rPr>
+                                      <m:sty m:val="p"/>
+                                    </m:rPr>
+                                    <a:rPr lang="en-US">
+                                      <a:solidFill>
+                                        <a:schemeClr val="bg1">
+                                          <a:lumMod val="75000"/>
+                                        </a:schemeClr>
+                                      </a:solidFill>
+                                      <a:latin typeface="Cambria Math" panose="02040503050406030204" pitchFamily="18" charset="0"/>
+                                      <a:ea typeface="Cambria Math" panose="02040503050406030204" pitchFamily="18" charset="0"/>
+                                    </a:rPr>
+                                    <m:t>T</m:t>
+                                  </m:r>
+                                </m:sup>
+                              </m:sSup>
+                              <m:r>
+                                <a:rPr lang="en-US" b="1">
+                                  <a:solidFill>
+                                    <a:schemeClr val="bg1">
+                                      <a:lumMod val="75000"/>
+                                    </a:schemeClr>
+                                  </a:solidFill>
+                                  <a:latin typeface="Cambria Math" panose="02040503050406030204" pitchFamily="18" charset="0"/>
+                                  <a:ea typeface="Cambria Math" panose="02040503050406030204" pitchFamily="18" charset="0"/>
+                                </a:rPr>
+                                <m:t>𝐐</m:t>
+                              </m:r>
+                              <m:r>
+                                <a:rPr lang="en-US" b="1">
+                                  <a:solidFill>
+                                    <a:schemeClr val="bg1">
+                                      <a:lumMod val="75000"/>
+                                    </a:schemeClr>
+                                  </a:solidFill>
+                                  <a:latin typeface="Cambria Math" panose="02040503050406030204" pitchFamily="18" charset="0"/>
+                                  <a:ea typeface="Cambria Math" panose="02040503050406030204" pitchFamily="18" charset="0"/>
+                                </a:rPr>
+                                <m:t>𝛆</m:t>
+                              </m:r>
+                            </m:e>
+                          </m:d>
+                        </m:e>
+                      </m:func>
+                    </m:oMath>
+                  </m:oMathPara>
+                </a14:m>
+                <a:endParaRPr lang="en-US" dirty="0">
+                  <a:solidFill>
+                    <a:schemeClr val="bg1">
+                      <a:lumMod val="75000"/>
+                    </a:schemeClr>
+                  </a:solidFill>
+                </a:endParaRPr>
+              </a:p>
+              <a:p>
+                <a:pPr marL="400050" lvl="1" indent="0">
+                  <a:buNone/>
+                </a:pPr>
+                <a:r>
+                  <a:rPr lang="en-US" dirty="0" smtClean="0">
+                    <a:solidFill>
+                      <a:schemeClr val="bg1">
+                        <a:lumMod val="75000"/>
+                      </a:schemeClr>
+                    </a:solidFill>
+                  </a:rPr>
+                  <a:t>3.  	Via multivariate normal density function in TMB</a:t>
+                </a:r>
+              </a:p>
+              <a:p>
+                <a:pPr marL="400050" lvl="1" indent="0">
+                  <a:buNone/>
+                </a:pPr>
+                <a14:m>
+                  <m:oMathPara xmlns:m="http://schemas.openxmlformats.org/officeDocument/2006/math">
+                    <m:oMathParaPr>
+                      <m:jc m:val="centerGroup"/>
+                    </m:oMathParaPr>
+                    <m:oMath xmlns:m="http://schemas.openxmlformats.org/officeDocument/2006/math">
+                      <m:r>
+                        <a:rPr lang="en-US" b="1">
+                          <a:latin typeface="Cambria Math" panose="02040503050406030204" pitchFamily="18" charset="0"/>
+                          <a:ea typeface="Cambria Math" panose="02040503050406030204" pitchFamily="18" charset="0"/>
+                        </a:rPr>
+                        <m:t>𝛆</m:t>
+                      </m:r>
+                      <m:r>
+                        <a:rPr lang="en-US" i="1">
+                          <a:latin typeface="Cambria Math" panose="02040503050406030204" pitchFamily="18" charset="0"/>
+                          <a:ea typeface="Cambria Math" panose="02040503050406030204" pitchFamily="18" charset="0"/>
+                        </a:rPr>
+                        <m:t>~</m:t>
+                      </m:r>
+                      <m:r>
+                        <a:rPr lang="en-US" i="1">
+                          <a:latin typeface="Cambria Math" panose="02040503050406030204" pitchFamily="18" charset="0"/>
+                          <a:ea typeface="Cambria Math" panose="02040503050406030204" pitchFamily="18" charset="0"/>
+                        </a:rPr>
+                        <m:t>𝑀𝑉𝑁</m:t>
+                      </m:r>
+                      <m:r>
+                        <a:rPr lang="en-US" i="1">
+                          <a:latin typeface="Cambria Math" panose="02040503050406030204" pitchFamily="18" charset="0"/>
+                          <a:ea typeface="Cambria Math" panose="02040503050406030204" pitchFamily="18" charset="0"/>
+                        </a:rPr>
+                        <m:t>(0,</m:t>
+                      </m:r>
+                      <m:r>
+                        <a:rPr lang="el-GR" b="1">
+                          <a:latin typeface="Cambria Math" panose="02040503050406030204" pitchFamily="18" charset="0"/>
+                          <a:ea typeface="Cambria Math" panose="02040503050406030204" pitchFamily="18" charset="0"/>
+                        </a:rPr>
+                        <m:t>𝚺</m:t>
+                      </m:r>
+                      <m:r>
+                        <a:rPr lang="en-US" i="1">
+                          <a:latin typeface="Cambria Math" panose="02040503050406030204" pitchFamily="18" charset="0"/>
+                          <a:ea typeface="Cambria Math" panose="02040503050406030204" pitchFamily="18" charset="0"/>
+                        </a:rPr>
+                        <m:t>)</m:t>
+                      </m:r>
+                    </m:oMath>
+                  </m:oMathPara>
+                </a14:m>
+                <a:endParaRPr lang="en-US" dirty="0"/>
+              </a:p>
+              <a:p>
+                <a:pPr marL="400050" lvl="1" indent="0">
+                  <a:buNone/>
+                </a:pPr>
+                <a:r>
+                  <a:rPr lang="en-US" dirty="0" smtClean="0"/>
+                  <a:t>4. 	</a:t>
+                </a:r>
+                <a:r>
+                  <a:rPr lang="en-US" b="1" dirty="0" smtClean="0"/>
+                  <a:t>Via autoregressive function in TMB</a:t>
+                </a:r>
+                <a:endParaRPr lang="en-US" b="1" dirty="0"/>
+              </a:p>
+              <a:p>
+                <a:pPr marL="400050" lvl="1" indent="0">
+                  <a:buNone/>
+                </a:pPr>
+                <a14:m>
+                  <m:oMathPara xmlns:m="http://schemas.openxmlformats.org/officeDocument/2006/math">
+                    <m:oMathParaPr>
+                      <m:jc m:val="centerGroup"/>
+                    </m:oMathParaPr>
+                    <m:oMath xmlns:m="http://schemas.openxmlformats.org/officeDocument/2006/math">
+                      <m:r>
+                        <a:rPr lang="en-US" b="1">
+                          <a:latin typeface="Cambria Math" panose="02040503050406030204" pitchFamily="18" charset="0"/>
+                          <a:ea typeface="Cambria Math" panose="02040503050406030204" pitchFamily="18" charset="0"/>
+                        </a:rPr>
+                        <m:t>𝛆</m:t>
+                      </m:r>
+                      <m:r>
+                        <a:rPr lang="en-US" b="1" i="1">
+                          <a:latin typeface="Cambria Math" panose="02040503050406030204" pitchFamily="18" charset="0"/>
+                          <a:ea typeface="Cambria Math" panose="02040503050406030204" pitchFamily="18" charset="0"/>
+                        </a:rPr>
+                        <m:t>~</m:t>
+                      </m:r>
+                      <m:r>
+                        <a:rPr lang="en-US" b="1" i="1" smtClean="0">
+                          <a:latin typeface="Cambria Math" panose="02040503050406030204" pitchFamily="18" charset="0"/>
+                          <a:ea typeface="Cambria Math" panose="02040503050406030204" pitchFamily="18" charset="0"/>
+                        </a:rPr>
+                        <m:t>𝒇</m:t>
+                      </m:r>
+                      <m:r>
+                        <a:rPr lang="en-US" b="1" i="1">
+                          <a:latin typeface="Cambria Math" panose="02040503050406030204" pitchFamily="18" charset="0"/>
+                          <a:ea typeface="Cambria Math" panose="02040503050406030204" pitchFamily="18" charset="0"/>
+                        </a:rPr>
+                        <m:t>(</m:t>
+                      </m:r>
+                      <m:r>
+                        <a:rPr lang="en-US" b="1" i="1">
+                          <a:latin typeface="Cambria Math" panose="02040503050406030204" pitchFamily="18" charset="0"/>
+                          <a:ea typeface="Cambria Math" panose="02040503050406030204" pitchFamily="18" charset="0"/>
+                        </a:rPr>
+                        <m:t>𝝆</m:t>
+                      </m:r>
+                      <m:r>
+                        <a:rPr lang="en-US" b="1" i="1" smtClean="0">
+                          <a:latin typeface="Cambria Math" panose="02040503050406030204" pitchFamily="18" charset="0"/>
+                          <a:ea typeface="Cambria Math" panose="02040503050406030204" pitchFamily="18" charset="0"/>
+                        </a:rPr>
+                        <m:t>,</m:t>
+                      </m:r>
+                      <m:sSubSup>
+                        <m:sSubSupPr>
+                          <m:ctrlPr>
+                            <a:rPr lang="en-US" b="1" i="1">
+                              <a:latin typeface="Cambria Math" panose="02040503050406030204" pitchFamily="18" charset="0"/>
+                              <a:ea typeface="Cambria Math" panose="02040503050406030204" pitchFamily="18" charset="0"/>
+                            </a:rPr>
+                          </m:ctrlPr>
+                        </m:sSubSupPr>
+                        <m:e>
+                          <m:r>
+                            <a:rPr lang="en-US" b="1" i="1">
+                              <a:latin typeface="Cambria Math" panose="02040503050406030204" pitchFamily="18" charset="0"/>
+                              <a:ea typeface="Cambria Math" panose="02040503050406030204" pitchFamily="18" charset="0"/>
+                            </a:rPr>
+                            <m:t>𝝈</m:t>
+                          </m:r>
+                        </m:e>
+                        <m:sub>
+                          <m:r>
+                            <a:rPr lang="en-US" b="1" i="1">
+                              <a:latin typeface="Cambria Math" panose="02040503050406030204" pitchFamily="18" charset="0"/>
+                              <a:ea typeface="Cambria Math" panose="02040503050406030204" pitchFamily="18" charset="0"/>
+                            </a:rPr>
+                            <m:t>𝜺</m:t>
+                          </m:r>
+                        </m:sub>
+                        <m:sup>
+                          <m:r>
+                            <a:rPr lang="en-US" b="1" i="1">
+                              <a:latin typeface="Cambria Math" panose="02040503050406030204" pitchFamily="18" charset="0"/>
+                              <a:ea typeface="Cambria Math" panose="02040503050406030204" pitchFamily="18" charset="0"/>
+                            </a:rPr>
+                            <m:t>𝟐</m:t>
+                          </m:r>
+                        </m:sup>
+                      </m:sSubSup>
+                      <m:r>
+                        <a:rPr lang="en-US" b="1" i="1">
+                          <a:latin typeface="Cambria Math" panose="02040503050406030204" pitchFamily="18" charset="0"/>
+                          <a:ea typeface="Cambria Math" panose="02040503050406030204" pitchFamily="18" charset="0"/>
+                        </a:rPr>
+                        <m:t>)</m:t>
+                      </m:r>
+                    </m:oMath>
+                  </m:oMathPara>
+                </a14:m>
+                <a:endParaRPr lang="en-US" b="1" dirty="0"/>
+              </a:p>
+              <a:p>
+                <a:pPr marL="400050" lvl="1" indent="0">
+                  <a:buNone/>
+                </a:pPr>
+                <a:endParaRPr lang="en-GB" b="1" dirty="0"/>
+              </a:p>
+            </p:txBody>
+          </p:sp>
+        </mc:Choice>
+        <mc:Fallback>
+          <p:sp>
+            <p:nvSpPr>
+              <p:cNvPr id="3" name="Content Placeholder 2"/>
+              <p:cNvSpPr>
+                <a:spLocks noGrp="1" noRot="1" noChangeAspect="1" noMove="1" noResize="1" noEditPoints="1" noAdjustHandles="1" noChangeArrowheads="1" noChangeShapeType="1" noTextEdit="1"/>
+              </p:cNvSpPr>
+              <p:nvPr>
+                <p:ph idx="1"/>
+              </p:nvPr>
+            </p:nvSpPr>
+            <p:spPr>
+              <a:blipFill>
+                <a:blip r:embed="rId2"/>
+                <a:stretch>
+                  <a:fillRect l="-1424" t="-1026"/>
+                </a:stretch>
+              </a:blipFill>
+            </p:spPr>
+            <p:txBody>
+              <a:bodyPr/>
+              <a:lstStyle/>
+              <a:p>
+                <a:r>
+                  <a:rPr lang="en-GB">
+                    <a:noFill/>
+                  </a:rPr>
+                  <a:t> </a:t>
+                </a:r>
+              </a:p>
+            </p:txBody>
+          </p:sp>
+        </mc:Fallback>
+      </mc:AlternateContent>
+    </p:spTree>
+    <p:extLst>
+      <p:ext uri="{BB962C8B-B14F-4D97-AF65-F5344CB8AC3E}">
+        <p14:creationId xmlns:p14="http://schemas.microsoft.com/office/powerpoint/2010/main" val="1952987882"/>
+      </p:ext>
+    </p:extLst>
+  </p:cSld>
+  <p:clrMapOvr>
+    <a:masterClrMapping/>
+  </p:clrMapOvr>
+  <p:timing>
+    <p:tnLst>
+      <p:par>
+        <p:cTn id="1" dur="indefinite" restart="never" nodeType="tmRoot"/>
+      </p:par>
+    </p:tnLst>
+  </p:timing>
+</p:sld>
+</file>
+
+<file path=ppt/slides/slide11.xml><?xml version="1.0" encoding="utf-8"?>
+<p:sld xmlns:a="http://schemas.openxmlformats.org/drawingml/2006/main" xmlns:r="http://schemas.openxmlformats.org/officeDocument/2006/relationships" xmlns:p="http://schemas.openxmlformats.org/presentationml/2006/main">
+  <p:cSld>
+    <p:spTree>
+      <p:nvGrpSpPr>
+        <p:cNvPr id="1" name=""/>
+        <p:cNvGrpSpPr/>
+        <p:nvPr/>
+      </p:nvGrpSpPr>
+      <p:grpSpPr>
+        <a:xfrm>
+          <a:off x="0" y="0"/>
+          <a:ext cx="0" cy="0"/>
+          <a:chOff x="0" y="0"/>
+          <a:chExt cx="0" cy="0"/>
+        </a:xfrm>
+      </p:grpSpPr>
+      <p:sp>
+        <p:nvSpPr>
+          <p:cNvPr id="2" name="Title 1"/>
+          <p:cNvSpPr>
+            <a:spLocks noGrp="1"/>
+          </p:cNvSpPr>
+          <p:nvPr>
+            <p:ph type="title"/>
+          </p:nvPr>
+        </p:nvSpPr>
+        <p:spPr/>
+        <p:txBody>
+          <a:bodyPr/>
+          <a:lstStyle/>
+          <a:p>
+            <a:endParaRPr lang="en-GB"/>
+          </a:p>
+        </p:txBody>
+      </p:sp>
+      <p:sp>
+        <p:nvSpPr>
+          <p:cNvPr id="3" name="Content Placeholder 2"/>
+          <p:cNvSpPr>
+            <a:spLocks noGrp="1"/>
+          </p:cNvSpPr>
+          <p:nvPr>
+            <p:ph idx="1"/>
+          </p:nvPr>
+        </p:nvSpPr>
+        <p:spPr/>
+        <p:txBody>
+          <a:bodyPr/>
+          <a:lstStyle/>
+          <a:p>
+            <a:pPr marL="0" indent="0">
+              <a:buNone/>
+            </a:pPr>
+            <a:r>
+              <a:rPr lang="en-US" dirty="0" smtClean="0"/>
+              <a:t>Without spatial</a:t>
+            </a:r>
+          </a:p>
+          <a:p>
+            <a:pPr marL="0" indent="0">
+              <a:buNone/>
+            </a:pPr>
+            <a:endParaRPr lang="en-US" dirty="0" smtClean="0"/>
+          </a:p>
+          <a:p>
+            <a:pPr marL="0" indent="0">
+              <a:buNone/>
+            </a:pPr>
+            <a:endParaRPr lang="en-US" dirty="0"/>
+          </a:p>
+          <a:p>
+            <a:pPr marL="0" indent="0">
+              <a:buNone/>
+            </a:pPr>
+            <a:endParaRPr lang="en-US" dirty="0" smtClean="0"/>
+          </a:p>
+          <a:p>
+            <a:pPr marL="0" indent="0">
+              <a:buNone/>
+            </a:pPr>
+            <a:endParaRPr lang="en-US" dirty="0"/>
+          </a:p>
+          <a:p>
+            <a:pPr marL="0" indent="0">
+              <a:buNone/>
+            </a:pPr>
+            <a:r>
+              <a:rPr lang="en-US" dirty="0" smtClean="0"/>
+              <a:t>With spatial</a:t>
+            </a:r>
+          </a:p>
+        </p:txBody>
+      </p:sp>
+      <mc:AlternateContent xmlns:mc="http://schemas.openxmlformats.org/markup-compatibility/2006" xmlns:a14="http://schemas.microsoft.com/office/drawing/2010/main">
+        <mc:Choice Requires="a14">
+          <p:graphicFrame>
+            <p:nvGraphicFramePr>
+              <p:cNvPr id="5" name="Table 4"/>
+              <p:cNvGraphicFramePr>
+                <a:graphicFrameLocks noGrp="1"/>
+              </p:cNvGraphicFramePr>
+              <p:nvPr>
+                <p:extLst/>
+              </p:nvPr>
+            </p:nvGraphicFramePr>
+            <p:xfrm>
+              <a:off x="212142" y="1397000"/>
+              <a:ext cx="8500260" cy="2172907"/>
+            </p:xfrm>
+            <a:graphic>
+              <a:graphicData uri="http://schemas.openxmlformats.org/drawingml/2006/table">
+                <a:tbl>
+                  <a:tblPr firstRow="1" bandRow="1">
+                    <a:tableStyleId>{5C22544A-7EE6-4342-B048-85BDC9FD1C3A}</a:tableStyleId>
+                  </a:tblPr>
+                  <a:tblGrid>
+                    <a:gridCol w="782725">
+                      <a:extLst>
+                        <a:ext uri="{9D8B030D-6E8A-4147-A177-3AD203B41FA5}">
+                          <a16:colId xmlns:a16="http://schemas.microsoft.com/office/drawing/2014/main" val="1044793742"/>
+                        </a:ext>
+                      </a:extLst>
+                    </a:gridCol>
+                    <a:gridCol w="1455725">
+                      <a:extLst>
+                        <a:ext uri="{9D8B030D-6E8A-4147-A177-3AD203B41FA5}">
+                          <a16:colId xmlns:a16="http://schemas.microsoft.com/office/drawing/2014/main" val="1247232197"/>
+                        </a:ext>
+                      </a:extLst>
+                    </a:gridCol>
+                    <a:gridCol w="2033626">
+                      <a:extLst>
+                        <a:ext uri="{9D8B030D-6E8A-4147-A177-3AD203B41FA5}">
+                          <a16:colId xmlns:a16="http://schemas.microsoft.com/office/drawing/2014/main" val="2025888858"/>
+                        </a:ext>
+                      </a:extLst>
+                    </a:gridCol>
+                    <a:gridCol w="2099462">
+                      <a:extLst>
+                        <a:ext uri="{9D8B030D-6E8A-4147-A177-3AD203B41FA5}">
+                          <a16:colId xmlns:a16="http://schemas.microsoft.com/office/drawing/2014/main" val="2119540534"/>
+                        </a:ext>
+                      </a:extLst>
+                    </a:gridCol>
+                    <a:gridCol w="2128722">
+                      <a:extLst>
+                        <a:ext uri="{9D8B030D-6E8A-4147-A177-3AD203B41FA5}">
+                          <a16:colId xmlns:a16="http://schemas.microsoft.com/office/drawing/2014/main" val="2262901501"/>
+                        </a:ext>
+                      </a:extLst>
+                    </a:gridCol>
+                  </a:tblGrid>
+                  <a:tr h="370840">
+                    <a:tc>
+                      <a:txBody>
+                        <a:bodyPr/>
+                        <a:lstStyle/>
+                        <a:p>
+                          <a:endParaRPr lang="en-GB" b="1" dirty="0">
+                            <a:solidFill>
+                              <a:schemeClr val="tx1"/>
+                            </a:solidFill>
+                          </a:endParaRPr>
+                        </a:p>
+                      </a:txBody>
+                      <a:tcPr>
+                        <a:noFill/>
+                      </a:tcPr>
+                    </a:tc>
+                    <a:tc gridSpan="4">
+                      <a:txBody>
+                        <a:bodyPr/>
+                        <a:lstStyle/>
+                        <a:p>
+                          <a:pPr algn="ctr"/>
+                          <a:r>
+                            <a:rPr lang="en-US" b="1" dirty="0" smtClean="0">
+                              <a:solidFill>
+                                <a:schemeClr val="tx1"/>
+                              </a:solidFill>
+                            </a:rPr>
+                            <a:t>Temporal effect</a:t>
+                          </a:r>
+                          <a:endParaRPr lang="en-GB" b="1" dirty="0">
+                            <a:solidFill>
+                              <a:schemeClr val="tx1"/>
+                            </a:solidFill>
+                          </a:endParaRPr>
+                        </a:p>
+                      </a:txBody>
+                      <a:tcPr>
+                        <a:noFill/>
+                      </a:tcPr>
+                    </a:tc>
+                    <a:tc hMerge="1">
+                      <a:txBody>
+                        <a:bodyPr/>
+                        <a:lstStyle/>
+                        <a:p>
+                          <a:endParaRPr lang="en-GB"/>
+                        </a:p>
+                      </a:txBody>
+                      <a:tcPr>
+                        <a:noFill/>
+                      </a:tcPr>
+                    </a:tc>
+                    <a:tc hMerge="1">
+                      <a:txBody>
+                        <a:bodyPr/>
+                        <a:lstStyle/>
+                        <a:p>
+                          <a:endParaRPr lang="en-GB"/>
+                        </a:p>
+                      </a:txBody>
+                      <a:tcPr>
+                        <a:noFill/>
+                      </a:tcPr>
+                    </a:tc>
+                    <a:tc hMerge="1">
+                      <a:txBody>
+                        <a:bodyPr/>
+                        <a:lstStyle/>
+                        <a:p>
+                          <a:endParaRPr lang="en-GB"/>
+                        </a:p>
+                      </a:txBody>
+                      <a:tcPr>
+                        <a:noFill/>
+                      </a:tcPr>
+                    </a:tc>
+                    <a:extLst>
+                      <a:ext uri="{0D108BD9-81ED-4DB2-BD59-A6C34878D82A}">
+                        <a16:rowId xmlns:a16="http://schemas.microsoft.com/office/drawing/2014/main" val="4149236068"/>
+                      </a:ext>
+                    </a:extLst>
+                  </a:tr>
+                  <a:tr h="370840">
+                    <a:tc rowSpan="4">
+                      <a:txBody>
+                        <a:bodyPr/>
+                        <a:lstStyle/>
+                        <a:p>
+                          <a:pPr algn="ctr"/>
+                          <a:r>
+                            <a:rPr lang="en-US" b="1" dirty="0" err="1" smtClean="0">
+                              <a:solidFill>
+                                <a:schemeClr val="tx1"/>
+                              </a:solidFill>
+                            </a:rPr>
+                            <a:t>Spatio</a:t>
+                          </a:r>
+                          <a:r>
+                            <a:rPr lang="en-US" b="1" dirty="0" smtClean="0">
+                              <a:solidFill>
+                                <a:schemeClr val="tx1"/>
+                              </a:solidFill>
+                            </a:rPr>
+                            <a:t>-temporal</a:t>
+                          </a:r>
+                          <a:r>
+                            <a:rPr lang="en-US" b="1" baseline="0" dirty="0" smtClean="0">
+                              <a:solidFill>
+                                <a:schemeClr val="tx1"/>
+                              </a:solidFill>
+                            </a:rPr>
+                            <a:t> effect</a:t>
+                          </a:r>
+                          <a:endParaRPr lang="en-GB" b="1" dirty="0">
+                            <a:solidFill>
+                              <a:schemeClr val="tx1"/>
+                            </a:solidFill>
+                          </a:endParaRPr>
+                        </a:p>
+                      </a:txBody>
+                      <a:tcPr vert="vert270">
+                        <a:noFill/>
+                      </a:tcPr>
+                    </a:tc>
+                    <a:tc>
+                      <a:txBody>
+                        <a:bodyPr/>
+                        <a:lstStyle/>
+                        <a:p>
+                          <a:endParaRPr lang="en-GB" b="1" dirty="0">
+                            <a:solidFill>
+                              <a:schemeClr val="tx1"/>
+                            </a:solidFill>
+                          </a:endParaRPr>
+                        </a:p>
+                      </a:txBody>
+                      <a:tcPr>
+                        <a:noFill/>
+                      </a:tcPr>
+                    </a:tc>
+                    <a:tc>
+                      <a:txBody>
+                        <a:bodyPr/>
+                        <a:lstStyle/>
+                        <a:p>
+                          <a:r>
+                            <a:rPr lang="en-US" b="1" dirty="0" smtClean="0">
+                              <a:solidFill>
+                                <a:schemeClr val="tx1"/>
+                              </a:solidFill>
+                            </a:rPr>
+                            <a:t>None</a:t>
+                          </a:r>
+                          <a:endParaRPr lang="en-GB" b="1" dirty="0">
+                            <a:solidFill>
+                              <a:schemeClr val="tx1"/>
+                            </a:solidFill>
+                          </a:endParaRPr>
+                        </a:p>
+                      </a:txBody>
+                      <a:tcPr>
+                        <a:noFill/>
+                      </a:tcPr>
+                    </a:tc>
+                    <a:tc>
+                      <a:txBody>
+                        <a:bodyPr/>
+                        <a:lstStyle/>
+                        <a:p>
+                          <a:r>
+                            <a:rPr lang="en-US" b="1" dirty="0" smtClean="0">
+                              <a:solidFill>
+                                <a:schemeClr val="tx1"/>
+                              </a:solidFill>
+                            </a:rPr>
+                            <a:t>Independent</a:t>
+                          </a:r>
+                          <a:endParaRPr lang="en-GB" b="1" dirty="0">
+                            <a:solidFill>
+                              <a:schemeClr val="tx1"/>
+                            </a:solidFill>
+                          </a:endParaRPr>
+                        </a:p>
+                      </a:txBody>
+                      <a:tcPr>
+                        <a:noFill/>
+                      </a:tcPr>
+                    </a:tc>
+                    <a:tc>
+                      <a:txBody>
+                        <a:bodyPr/>
+                        <a:lstStyle/>
+                        <a:p>
+                          <a:r>
+                            <a:rPr lang="en-US" b="1" dirty="0" smtClean="0">
+                              <a:solidFill>
+                                <a:schemeClr val="tx1"/>
+                              </a:solidFill>
+                            </a:rPr>
+                            <a:t>Smoothed</a:t>
+                          </a:r>
+                          <a:endParaRPr lang="en-GB" b="1" dirty="0">
+                            <a:solidFill>
+                              <a:schemeClr val="tx1"/>
+                            </a:solidFill>
+                          </a:endParaRPr>
+                        </a:p>
+                      </a:txBody>
+                      <a:tcPr>
+                        <a:noFill/>
+                      </a:tcPr>
+                    </a:tc>
+                    <a:extLst>
+                      <a:ext uri="{0D108BD9-81ED-4DB2-BD59-A6C34878D82A}">
+                        <a16:rowId xmlns:a16="http://schemas.microsoft.com/office/drawing/2014/main" val="3786578407"/>
+                      </a:ext>
+                    </a:extLst>
+                  </a:tr>
+                  <a:tr h="370840">
+                    <a:tc vMerge="1">
+                      <a:txBody>
+                        <a:bodyPr/>
+                        <a:lstStyle/>
+                        <a:p>
+                          <a:endParaRPr lang="en-GB"/>
+                        </a:p>
+                      </a:txBody>
+                      <a:tcPr>
+                        <a:noFill/>
+                      </a:tcPr>
+                    </a:tc>
+                    <a:tc>
+                      <a:txBody>
+                        <a:bodyPr/>
+                        <a:lstStyle/>
+                        <a:p>
+                          <a:r>
+                            <a:rPr lang="en-US" b="1" dirty="0" smtClean="0">
+                              <a:solidFill>
+                                <a:schemeClr val="tx1"/>
+                              </a:solidFill>
+                            </a:rPr>
+                            <a:t>None</a:t>
+                          </a:r>
+                          <a:endParaRPr lang="en-GB" b="1" dirty="0">
+                            <a:solidFill>
+                              <a:schemeClr val="tx1"/>
+                            </a:solidFill>
+                          </a:endParaRPr>
+                        </a:p>
+                      </a:txBody>
+                      <a:tcPr>
+                        <a:noFill/>
+                      </a:tcPr>
+                    </a:tc>
+                    <a:tc>
+                      <a:txBody>
+                        <a:bodyPr/>
+                        <a:lstStyle/>
+                        <a:p>
+                          <a:pPr marL="0" marR="0" indent="0" algn="l" defTabSz="914400" rtl="0" eaLnBrk="1" fontAlgn="auto" latinLnBrk="0" hangingPunct="1">
+                            <a:lnSpc>
+                              <a:spcPct val="100000"/>
+                            </a:lnSpc>
+                            <a:spcBef>
+                              <a:spcPts val="0"/>
+                            </a:spcBef>
+                            <a:spcAft>
+                              <a:spcPts val="0"/>
+                            </a:spcAft>
+                            <a:buClrTx/>
+                            <a:buSzTx/>
+                            <a:buFontTx/>
+                            <a:buNone/>
+                            <a:tabLst/>
+                            <a:defRPr/>
+                          </a:pPr>
+                          <a14:m>
+                            <m:oMathPara xmlns:m="http://schemas.openxmlformats.org/officeDocument/2006/math">
+                              <m:oMathParaPr>
+                                <m:jc m:val="centerGroup"/>
+                              </m:oMathParaPr>
+                              <m:oMath xmlns:m="http://schemas.openxmlformats.org/officeDocument/2006/math">
+                                <m:r>
+                                  <m:rPr>
+                                    <m:sty m:val="p"/>
+                                  </m:rPr>
+                                  <a:rPr lang="en-US" sz="1100" i="1" smtClean="0">
+                                    <a:latin typeface="Cambria Math" panose="02040503050406030204" pitchFamily="18" charset="0"/>
+                                    <a:ea typeface="Cambria Math" panose="02040503050406030204" pitchFamily="18" charset="0"/>
+                                  </a:rPr>
+                                  <m:t>gam</m:t>
+                                </m:r>
+                                <m:d>
+                                  <m:dPr>
+                                    <m:ctrlPr>
+                                      <a:rPr lang="en-US" sz="1100" i="1">
+                                        <a:latin typeface="Cambria Math" panose="02040503050406030204" pitchFamily="18" charset="0"/>
+                                        <a:ea typeface="Cambria Math" panose="02040503050406030204" pitchFamily="18" charset="0"/>
+                                      </a:rPr>
+                                    </m:ctrlPr>
+                                  </m:dPr>
+                                  <m:e>
+                                    <m:r>
+                                      <a:rPr lang="en-US" sz="1100" i="1">
+                                        <a:latin typeface="Cambria Math" panose="02040503050406030204" pitchFamily="18" charset="0"/>
+                                        <a:ea typeface="Cambria Math" panose="02040503050406030204" pitchFamily="18" charset="0"/>
+                                      </a:rPr>
+                                      <m:t>𝑐</m:t>
+                                    </m:r>
+                                    <m:r>
+                                      <a:rPr lang="en-US" sz="1100" i="1">
+                                        <a:latin typeface="Cambria Math" panose="02040503050406030204" pitchFamily="18" charset="0"/>
+                                        <a:ea typeface="Cambria Math" panose="02040503050406030204" pitchFamily="18" charset="0"/>
+                                      </a:rPr>
+                                      <m:t> ~ 1</m:t>
+                                    </m:r>
+                                  </m:e>
+                                </m:d>
+                                <m:r>
+                                  <a:rPr lang="en-US" sz="1100" i="1">
+                                    <a:latin typeface="Cambria Math" panose="02040503050406030204" pitchFamily="18" charset="0"/>
+                                    <a:ea typeface="Cambria Math" panose="02040503050406030204" pitchFamily="18" charset="0"/>
+                                  </a:rPr>
+                                  <m:t> </m:t>
+                                </m:r>
+                              </m:oMath>
+                            </m:oMathPara>
+                          </a14:m>
+                          <a:endParaRPr lang="en-US" sz="1100" i="1" dirty="0">
+                            <a:latin typeface="Cambria Math" panose="02040503050406030204" pitchFamily="18" charset="0"/>
+                            <a:ea typeface="Cambria Math" panose="02040503050406030204" pitchFamily="18" charset="0"/>
+                          </a:endParaRPr>
+                        </a:p>
+                      </a:txBody>
+                      <a:tcPr>
+                        <a:noFill/>
+                      </a:tcPr>
+                    </a:tc>
+                    <a:tc>
+                      <a:txBody>
+                        <a:bodyPr/>
+                        <a:lstStyle/>
+                        <a:p>
+                          <a:pPr marL="0" marR="0" indent="0" algn="l" defTabSz="914400" rtl="0" eaLnBrk="1" fontAlgn="auto" latinLnBrk="0" hangingPunct="1">
+                            <a:lnSpc>
+                              <a:spcPct val="100000"/>
+                            </a:lnSpc>
+                            <a:spcBef>
+                              <a:spcPts val="0"/>
+                            </a:spcBef>
+                            <a:spcAft>
+                              <a:spcPts val="0"/>
+                            </a:spcAft>
+                            <a:buClrTx/>
+                            <a:buSzTx/>
+                            <a:buFontTx/>
+                            <a:buNone/>
+                            <a:tabLst/>
+                            <a:defRPr/>
+                          </a:pPr>
+                          <a14:m>
+                            <m:oMathPara xmlns:m="http://schemas.openxmlformats.org/officeDocument/2006/math">
+                              <m:oMathParaPr>
+                                <m:jc m:val="centerGroup"/>
+                              </m:oMathParaPr>
+                              <m:oMath xmlns:m="http://schemas.openxmlformats.org/officeDocument/2006/math">
+                                <m:r>
+                                  <m:rPr>
+                                    <m:sty m:val="p"/>
+                                  </m:rPr>
+                                  <a:rPr lang="en-US" sz="1100" i="1" smtClean="0">
+                                    <a:latin typeface="Cambria Math" panose="02040503050406030204" pitchFamily="18" charset="0"/>
+                                    <a:ea typeface="Cambria Math" panose="02040503050406030204" pitchFamily="18" charset="0"/>
+                                  </a:rPr>
+                                  <m:t>gam</m:t>
+                                </m:r>
+                                <m:d>
+                                  <m:dPr>
+                                    <m:ctrlPr>
+                                      <a:rPr lang="en-US" sz="1100" i="1">
+                                        <a:latin typeface="Cambria Math" panose="02040503050406030204" pitchFamily="18" charset="0"/>
+                                        <a:ea typeface="Cambria Math" panose="02040503050406030204" pitchFamily="18" charset="0"/>
+                                      </a:rPr>
+                                    </m:ctrlPr>
+                                  </m:dPr>
+                                  <m:e>
+                                    <m:r>
+                                      <a:rPr lang="en-US" sz="1100" i="1">
+                                        <a:latin typeface="Cambria Math" panose="02040503050406030204" pitchFamily="18" charset="0"/>
+                                        <a:ea typeface="Cambria Math" panose="02040503050406030204" pitchFamily="18" charset="0"/>
+                                      </a:rPr>
+                                      <m:t>𝑐</m:t>
+                                    </m:r>
+                                    <m:r>
+                                      <a:rPr lang="en-US" sz="1100" i="1">
+                                        <a:latin typeface="Cambria Math" panose="02040503050406030204" pitchFamily="18" charset="0"/>
+                                        <a:ea typeface="Cambria Math" panose="02040503050406030204" pitchFamily="18" charset="0"/>
+                                      </a:rPr>
+                                      <m:t> ~ 1+</m:t>
+                                    </m:r>
+                                    <m:r>
+                                      <a:rPr lang="en-US" sz="1100" b="0" i="1" smtClean="0">
+                                        <a:latin typeface="Cambria Math" panose="02040503050406030204" pitchFamily="18" charset="0"/>
+                                        <a:ea typeface="Cambria Math" panose="02040503050406030204" pitchFamily="18" charset="0"/>
+                                      </a:rPr>
+                                      <m:t>𝑓𝑎𝑐𝑡𝑜𝑟</m:t>
+                                    </m:r>
+                                    <m:d>
+                                      <m:dPr>
+                                        <m:ctrlPr>
+                                          <a:rPr lang="en-US" sz="1100" i="1">
+                                            <a:latin typeface="Cambria Math" panose="02040503050406030204" pitchFamily="18" charset="0"/>
+                                            <a:ea typeface="Cambria Math" panose="02040503050406030204" pitchFamily="18" charset="0"/>
+                                          </a:rPr>
+                                        </m:ctrlPr>
+                                      </m:dPr>
+                                      <m:e>
+                                        <m:r>
+                                          <a:rPr lang="en-US" sz="1100" b="0" i="1" smtClean="0">
+                                            <a:latin typeface="Cambria Math" panose="02040503050406030204" pitchFamily="18" charset="0"/>
+                                            <a:ea typeface="Cambria Math" panose="02040503050406030204" pitchFamily="18" charset="0"/>
+                                          </a:rPr>
+                                          <m:t>𝑡</m:t>
+                                        </m:r>
+                                      </m:e>
+                                    </m:d>
+                                  </m:e>
+                                </m:d>
+                                <m:r>
+                                  <a:rPr lang="en-US" sz="1100" b="0" i="1" smtClean="0">
+                                    <a:latin typeface="Cambria Math" panose="02040503050406030204" pitchFamily="18" charset="0"/>
+                                    <a:ea typeface="Cambria Math" panose="02040503050406030204" pitchFamily="18" charset="0"/>
+                                  </a:rPr>
+                                  <m:t> </m:t>
+                                </m:r>
+                              </m:oMath>
+                            </m:oMathPara>
+                          </a14:m>
+                          <a:endParaRPr lang="en-US" sz="1100" b="0" i="1" dirty="0" smtClean="0">
+                            <a:latin typeface="Cambria Math" panose="02040503050406030204" pitchFamily="18" charset="0"/>
+                            <a:ea typeface="Cambria Math" panose="02040503050406030204" pitchFamily="18" charset="0"/>
+                          </a:endParaRPr>
+                        </a:p>
+                      </a:txBody>
+                      <a:tcPr>
+                        <a:noFill/>
+                      </a:tcPr>
+                    </a:tc>
+                    <a:tc>
+                      <a:txBody>
+                        <a:bodyPr/>
+                        <a:lstStyle/>
+                        <a:p>
+                          <a:pPr/>
+                          <a14:m>
+                            <m:oMathPara xmlns:m="http://schemas.openxmlformats.org/officeDocument/2006/math">
+                              <m:oMathParaPr>
+                                <m:jc m:val="centerGroup"/>
+                              </m:oMathParaPr>
+                              <m:oMath xmlns:m="http://schemas.openxmlformats.org/officeDocument/2006/math">
+                                <m:r>
+                                  <m:rPr>
+                                    <m:sty m:val="p"/>
+                                  </m:rPr>
+                                  <a:rPr lang="en-US" sz="1100" i="1" smtClean="0">
+                                    <a:latin typeface="Cambria Math" panose="02040503050406030204" pitchFamily="18" charset="0"/>
+                                    <a:ea typeface="Cambria Math" panose="02040503050406030204" pitchFamily="18" charset="0"/>
+                                  </a:rPr>
+                                  <m:t>gam</m:t>
+                                </m:r>
+                                <m:d>
+                                  <m:dPr>
+                                    <m:ctrlPr>
+                                      <a:rPr lang="en-US" sz="1100" i="1">
+                                        <a:latin typeface="Cambria Math" panose="02040503050406030204" pitchFamily="18" charset="0"/>
+                                        <a:ea typeface="Cambria Math" panose="02040503050406030204" pitchFamily="18" charset="0"/>
+                                      </a:rPr>
+                                    </m:ctrlPr>
+                                  </m:dPr>
+                                  <m:e>
+                                    <m:r>
+                                      <a:rPr lang="en-US" sz="1100" i="1">
+                                        <a:latin typeface="Cambria Math" panose="02040503050406030204" pitchFamily="18" charset="0"/>
+                                        <a:ea typeface="Cambria Math" panose="02040503050406030204" pitchFamily="18" charset="0"/>
+                                      </a:rPr>
+                                      <m:t>𝑐</m:t>
+                                    </m:r>
+                                    <m:r>
+                                      <a:rPr lang="en-US" sz="1100" i="1">
+                                        <a:latin typeface="Cambria Math" panose="02040503050406030204" pitchFamily="18" charset="0"/>
+                                        <a:ea typeface="Cambria Math" panose="02040503050406030204" pitchFamily="18" charset="0"/>
+                                      </a:rPr>
+                                      <m:t> ~1+</m:t>
+                                    </m:r>
+                                    <m:r>
+                                      <a:rPr lang="en-US" sz="1100" b="0" i="1" smtClean="0">
+                                        <a:latin typeface="Cambria Math" panose="02040503050406030204" pitchFamily="18" charset="0"/>
+                                        <a:ea typeface="Cambria Math" panose="02040503050406030204" pitchFamily="18" charset="0"/>
+                                      </a:rPr>
+                                      <m:t>𝑠</m:t>
+                                    </m:r>
+                                    <m:d>
+                                      <m:dPr>
+                                        <m:ctrlPr>
+                                          <a:rPr lang="en-US" sz="1100" i="1">
+                                            <a:latin typeface="Cambria Math" panose="02040503050406030204" pitchFamily="18" charset="0"/>
+                                            <a:ea typeface="Cambria Math" panose="02040503050406030204" pitchFamily="18" charset="0"/>
+                                          </a:rPr>
+                                        </m:ctrlPr>
+                                      </m:dPr>
+                                      <m:e>
+                                        <m:r>
+                                          <a:rPr lang="en-US" sz="1100" b="0" i="1" smtClean="0">
+                                            <a:latin typeface="Cambria Math" panose="02040503050406030204" pitchFamily="18" charset="0"/>
+                                            <a:ea typeface="Cambria Math" panose="02040503050406030204" pitchFamily="18" charset="0"/>
+                                          </a:rPr>
+                                          <m:t>𝑡</m:t>
+                                        </m:r>
+                                      </m:e>
+                                    </m:d>
+                                  </m:e>
+                                </m:d>
+                              </m:oMath>
+                            </m:oMathPara>
+                          </a14:m>
+                          <a:endParaRPr lang="en-GB" sz="1100" b="1" dirty="0">
+                            <a:solidFill>
+                              <a:schemeClr val="tx1"/>
+                            </a:solidFill>
+                          </a:endParaRPr>
+                        </a:p>
+                      </a:txBody>
+                      <a:tcPr>
+                        <a:noFill/>
+                      </a:tcPr>
+                    </a:tc>
+                    <a:extLst>
+                      <a:ext uri="{0D108BD9-81ED-4DB2-BD59-A6C34878D82A}">
+                        <a16:rowId xmlns:a16="http://schemas.microsoft.com/office/drawing/2014/main" val="4250802862"/>
+                      </a:ext>
+                    </a:extLst>
+                  </a:tr>
+                  <a:tr h="370840">
+                    <a:tc vMerge="1">
+                      <a:txBody>
+                        <a:bodyPr/>
+                        <a:lstStyle/>
+                        <a:p>
+                          <a:endParaRPr lang="en-GB"/>
+                        </a:p>
+                      </a:txBody>
+                      <a:tcPr>
+                        <a:noFill/>
+                      </a:tcPr>
+                    </a:tc>
+                    <a:tc>
+                      <a:txBody>
+                        <a:bodyPr/>
+                        <a:lstStyle/>
+                        <a:p>
+                          <a:r>
+                            <a:rPr lang="en-US" b="1" dirty="0" smtClean="0">
+                              <a:solidFill>
+                                <a:schemeClr val="tx1"/>
+                              </a:solidFill>
+                            </a:rPr>
+                            <a:t>Independent</a:t>
+                          </a:r>
+                          <a:endParaRPr lang="en-GB" b="1" dirty="0">
+                            <a:solidFill>
+                              <a:schemeClr val="tx1"/>
+                            </a:solidFill>
+                          </a:endParaRPr>
+                        </a:p>
+                      </a:txBody>
+                      <a:tcPr>
+                        <a:noFill/>
+                      </a:tcPr>
+                    </a:tc>
+                    <a:tc>
+                      <a:txBody>
+                        <a:bodyPr/>
+                        <a:lstStyle/>
+                        <a:p>
+                          <a:pPr/>
+                          <a14:m>
+                            <m:oMathPara xmlns:m="http://schemas.openxmlformats.org/officeDocument/2006/math">
+                              <m:oMathParaPr>
+                                <m:jc m:val="centerGroup"/>
+                              </m:oMathParaPr>
+                              <m:oMath xmlns:m="http://schemas.openxmlformats.org/officeDocument/2006/math">
+                                <m:r>
+                                  <m:rPr>
+                                    <m:sty m:val="p"/>
+                                  </m:rPr>
+                                  <a:rPr lang="en-US" sz="1100" i="1" smtClean="0">
+                                    <a:latin typeface="Cambria Math" panose="02040503050406030204" pitchFamily="18" charset="0"/>
+                                    <a:ea typeface="Cambria Math" panose="02040503050406030204" pitchFamily="18" charset="0"/>
+                                  </a:rPr>
+                                  <m:t>gam</m:t>
+                                </m:r>
+                                <m:d>
+                                  <m:dPr>
+                                    <m:ctrlPr>
+                                      <a:rPr lang="en-US" sz="1100" i="1">
+                                        <a:latin typeface="Cambria Math" panose="02040503050406030204" pitchFamily="18" charset="0"/>
+                                        <a:ea typeface="Cambria Math" panose="02040503050406030204" pitchFamily="18" charset="0"/>
+                                      </a:rPr>
+                                    </m:ctrlPr>
+                                  </m:dPr>
+                                  <m:e>
+                                    <m:r>
+                                      <a:rPr lang="en-US" sz="1100" i="1">
+                                        <a:latin typeface="Cambria Math" panose="02040503050406030204" pitchFamily="18" charset="0"/>
+                                        <a:ea typeface="Cambria Math" panose="02040503050406030204" pitchFamily="18" charset="0"/>
+                                      </a:rPr>
+                                      <m:t>𝑐</m:t>
+                                    </m:r>
+                                    <m:r>
+                                      <a:rPr lang="en-US" sz="1100" i="1">
+                                        <a:latin typeface="Cambria Math" panose="02040503050406030204" pitchFamily="18" charset="0"/>
+                                        <a:ea typeface="Cambria Math" panose="02040503050406030204" pitchFamily="18" charset="0"/>
+                                      </a:rPr>
+                                      <m:t> ~1+</m:t>
+                                    </m:r>
+                                    <m:r>
+                                      <a:rPr lang="en-US" sz="1100" i="1">
+                                        <a:latin typeface="Cambria Math" panose="02040503050406030204" pitchFamily="18" charset="0"/>
+                                        <a:ea typeface="Cambria Math" panose="02040503050406030204" pitchFamily="18" charset="0"/>
+                                      </a:rPr>
+                                      <m:t>𝑠</m:t>
+                                    </m:r>
+                                    <m:d>
+                                      <m:dPr>
+                                        <m:ctrlPr>
+                                          <a:rPr lang="en-US" sz="1100" i="1">
+                                            <a:latin typeface="Cambria Math" panose="02040503050406030204" pitchFamily="18" charset="0"/>
+                                            <a:ea typeface="Cambria Math" panose="02040503050406030204" pitchFamily="18" charset="0"/>
+                                          </a:rPr>
+                                        </m:ctrlPr>
+                                      </m:dPr>
+                                      <m:e>
+                                        <m:r>
+                                          <a:rPr lang="en-US" sz="1100" i="1">
+                                            <a:latin typeface="Cambria Math" panose="02040503050406030204" pitchFamily="18" charset="0"/>
+                                            <a:ea typeface="Cambria Math" panose="02040503050406030204" pitchFamily="18" charset="0"/>
+                                          </a:rPr>
+                                          <m:t>𝑥</m:t>
+                                        </m:r>
+                                        <m:r>
+                                          <a:rPr lang="en-US" sz="1100" i="1">
+                                            <a:latin typeface="Cambria Math" panose="02040503050406030204" pitchFamily="18" charset="0"/>
+                                            <a:ea typeface="Cambria Math" panose="02040503050406030204" pitchFamily="18" charset="0"/>
+                                          </a:rPr>
+                                          <m:t>, </m:t>
+                                        </m:r>
+                                        <m:r>
+                                          <a:rPr lang="en-US" sz="1100" i="1">
+                                            <a:latin typeface="Cambria Math" panose="02040503050406030204" pitchFamily="18" charset="0"/>
+                                            <a:ea typeface="Cambria Math" panose="02040503050406030204" pitchFamily="18" charset="0"/>
+                                          </a:rPr>
+                                          <m:t>𝑦</m:t>
+                                        </m:r>
+                                        <m:r>
+                                          <a:rPr lang="en-US" sz="1100" i="1">
+                                            <a:latin typeface="Cambria Math" panose="02040503050406030204" pitchFamily="18" charset="0"/>
+                                            <a:ea typeface="Cambria Math" panose="02040503050406030204" pitchFamily="18" charset="0"/>
+                                          </a:rPr>
+                                          <m:t>,</m:t>
+                                        </m:r>
+                                        <m:r>
+                                          <a:rPr lang="en-US" sz="1100" b="0" i="1" smtClean="0">
+                                            <a:latin typeface="Cambria Math" panose="02040503050406030204" pitchFamily="18" charset="0"/>
+                                            <a:ea typeface="Cambria Math" panose="02040503050406030204" pitchFamily="18" charset="0"/>
+                                          </a:rPr>
+                                          <m:t>𝑏𝑦</m:t>
+                                        </m:r>
+                                        <m:r>
+                                          <a:rPr lang="en-US" sz="1100" b="0" i="1" smtClean="0">
+                                            <a:latin typeface="Cambria Math" panose="02040503050406030204" pitchFamily="18" charset="0"/>
+                                            <a:ea typeface="Cambria Math" panose="02040503050406030204" pitchFamily="18" charset="0"/>
+                                          </a:rPr>
+                                          <m:t>=</m:t>
+                                        </m:r>
+                                        <m:r>
+                                          <a:rPr lang="en-US" sz="1100" b="0" i="1" smtClean="0">
+                                            <a:latin typeface="Cambria Math" panose="02040503050406030204" pitchFamily="18" charset="0"/>
+                                            <a:ea typeface="Cambria Math" panose="02040503050406030204" pitchFamily="18" charset="0"/>
+                                          </a:rPr>
+                                          <m:t>𝑓𝑎𝑐𝑡𝑜𝑟</m:t>
+                                        </m:r>
+                                        <m:r>
+                                          <a:rPr lang="en-US" sz="1100" b="0" i="1" smtClean="0">
+                                            <a:latin typeface="Cambria Math" panose="02040503050406030204" pitchFamily="18" charset="0"/>
+                                            <a:ea typeface="Cambria Math" panose="02040503050406030204" pitchFamily="18" charset="0"/>
+                                          </a:rPr>
+                                          <m:t>(</m:t>
+                                        </m:r>
+                                        <m:r>
+                                          <a:rPr lang="en-US" sz="1100" i="1">
+                                            <a:latin typeface="Cambria Math" panose="02040503050406030204" pitchFamily="18" charset="0"/>
+                                            <a:ea typeface="Cambria Math" panose="02040503050406030204" pitchFamily="18" charset="0"/>
+                                          </a:rPr>
+                                          <m:t>𝑡</m:t>
+                                        </m:r>
+                                        <m:r>
+                                          <a:rPr lang="en-US" sz="1100" b="0" i="1" smtClean="0">
+                                            <a:latin typeface="Cambria Math" panose="02040503050406030204" pitchFamily="18" charset="0"/>
+                                            <a:ea typeface="Cambria Math" panose="02040503050406030204" pitchFamily="18" charset="0"/>
+                                          </a:rPr>
+                                          <m:t>)</m:t>
+                                        </m:r>
+                                      </m:e>
+                                    </m:d>
+                                  </m:e>
+                                </m:d>
+                              </m:oMath>
+                            </m:oMathPara>
+                          </a14:m>
+                          <a:endParaRPr lang="en-GB" sz="1100" b="1" dirty="0">
+                            <a:solidFill>
+                              <a:schemeClr val="tx1"/>
+                            </a:solidFill>
+                          </a:endParaRPr>
+                        </a:p>
+                      </a:txBody>
+                      <a:tcPr>
+                        <a:noFill/>
+                      </a:tcPr>
+                    </a:tc>
+                    <a:tc>
+                      <a:txBody>
+                        <a:bodyPr/>
+                        <a:lstStyle/>
+                        <a:p>
+                          <a:pPr/>
+                          <a14:m>
+                            <m:oMathPara xmlns:m="http://schemas.openxmlformats.org/officeDocument/2006/math">
+                              <m:oMathParaPr>
+                                <m:jc m:val="centerGroup"/>
+                              </m:oMathParaPr>
+                              <m:oMath xmlns:m="http://schemas.openxmlformats.org/officeDocument/2006/math">
+                                <m:r>
+                                  <m:rPr>
+                                    <m:sty m:val="p"/>
+                                  </m:rPr>
+                                  <a:rPr lang="en-US" sz="1100" i="1" smtClean="0">
+                                    <a:latin typeface="Cambria Math" panose="02040503050406030204" pitchFamily="18" charset="0"/>
+                                    <a:ea typeface="Cambria Math" panose="02040503050406030204" pitchFamily="18" charset="0"/>
+                                  </a:rPr>
+                                  <m:t>gam</m:t>
+                                </m:r>
+                                <m:d>
+                                  <m:dPr>
+                                    <m:ctrlPr>
+                                      <a:rPr lang="en-US" sz="1100" i="1">
+                                        <a:latin typeface="Cambria Math" panose="02040503050406030204" pitchFamily="18" charset="0"/>
+                                        <a:ea typeface="Cambria Math" panose="02040503050406030204" pitchFamily="18" charset="0"/>
+                                      </a:rPr>
+                                    </m:ctrlPr>
+                                  </m:dPr>
+                                  <m:e>
+                                    <m:r>
+                                      <a:rPr lang="en-US" sz="1100" i="1">
+                                        <a:latin typeface="Cambria Math" panose="02040503050406030204" pitchFamily="18" charset="0"/>
+                                        <a:ea typeface="Cambria Math" panose="02040503050406030204" pitchFamily="18" charset="0"/>
+                                      </a:rPr>
+                                      <m:t>𝑐</m:t>
+                                    </m:r>
+                                    <m:r>
+                                      <a:rPr lang="en-US" sz="1100" i="1">
+                                        <a:latin typeface="Cambria Math" panose="02040503050406030204" pitchFamily="18" charset="0"/>
+                                        <a:ea typeface="Cambria Math" panose="02040503050406030204" pitchFamily="18" charset="0"/>
+                                      </a:rPr>
+                                      <m:t> ~ 1+</m:t>
+                                    </m:r>
+                                    <m:r>
+                                      <a:rPr lang="en-US" sz="1100" b="0" i="1" smtClean="0">
+                                        <a:latin typeface="Cambria Math" panose="02040503050406030204" pitchFamily="18" charset="0"/>
+                                        <a:ea typeface="Cambria Math" panose="02040503050406030204" pitchFamily="18" charset="0"/>
+                                      </a:rPr>
+                                      <m:t>𝑓𝑎𝑐𝑡𝑜𝑟</m:t>
+                                    </m:r>
+                                    <m:d>
+                                      <m:dPr>
+                                        <m:ctrlPr>
+                                          <a:rPr lang="en-US" sz="1100" i="1">
+                                            <a:latin typeface="Cambria Math" panose="02040503050406030204" pitchFamily="18" charset="0"/>
+                                            <a:ea typeface="Cambria Math" panose="02040503050406030204" pitchFamily="18" charset="0"/>
+                                          </a:rPr>
+                                        </m:ctrlPr>
+                                      </m:dPr>
+                                      <m:e>
+                                        <m:r>
+                                          <a:rPr lang="en-US" sz="1100" b="0" i="1" smtClean="0">
+                                            <a:latin typeface="Cambria Math" panose="02040503050406030204" pitchFamily="18" charset="0"/>
+                                            <a:ea typeface="Cambria Math" panose="02040503050406030204" pitchFamily="18" charset="0"/>
+                                          </a:rPr>
+                                          <m:t>𝑡</m:t>
+                                        </m:r>
+                                      </m:e>
+                                    </m:d>
+                                    <m:r>
+                                      <a:rPr lang="en-US" sz="1100" i="1" smtClean="0">
+                                        <a:latin typeface="Cambria Math" panose="02040503050406030204" pitchFamily="18" charset="0"/>
+                                        <a:ea typeface="Cambria Math" panose="02040503050406030204" pitchFamily="18" charset="0"/>
+                                      </a:rPr>
+                                      <m:t>+</m:t>
+                                    </m:r>
+                                    <m:r>
+                                      <a:rPr lang="en-US" sz="1100" i="1" smtClean="0">
+                                        <a:latin typeface="Cambria Math" panose="02040503050406030204" pitchFamily="18" charset="0"/>
+                                        <a:ea typeface="Cambria Math" panose="02040503050406030204" pitchFamily="18" charset="0"/>
+                                      </a:rPr>
+                                      <m:t>𝑠</m:t>
+                                    </m:r>
+                                    <m:d>
+                                      <m:dPr>
+                                        <m:ctrlPr>
+                                          <a:rPr lang="en-US" sz="1100" i="1">
+                                            <a:latin typeface="Cambria Math" panose="02040503050406030204" pitchFamily="18" charset="0"/>
+                                            <a:ea typeface="Cambria Math" panose="02040503050406030204" pitchFamily="18" charset="0"/>
+                                          </a:rPr>
+                                        </m:ctrlPr>
+                                      </m:dPr>
+                                      <m:e>
+                                        <m:r>
+                                          <a:rPr lang="en-US" sz="1100" i="1">
+                                            <a:latin typeface="Cambria Math" panose="02040503050406030204" pitchFamily="18" charset="0"/>
+                                            <a:ea typeface="Cambria Math" panose="02040503050406030204" pitchFamily="18" charset="0"/>
+                                          </a:rPr>
+                                          <m:t>𝑥</m:t>
+                                        </m:r>
+                                        <m:r>
+                                          <a:rPr lang="en-US" sz="1100" i="1">
+                                            <a:latin typeface="Cambria Math" panose="02040503050406030204" pitchFamily="18" charset="0"/>
+                                            <a:ea typeface="Cambria Math" panose="02040503050406030204" pitchFamily="18" charset="0"/>
+                                          </a:rPr>
+                                          <m:t>, </m:t>
+                                        </m:r>
+                                        <m:r>
+                                          <a:rPr lang="en-US" sz="1100" i="1">
+                                            <a:latin typeface="Cambria Math" panose="02040503050406030204" pitchFamily="18" charset="0"/>
+                                            <a:ea typeface="Cambria Math" panose="02040503050406030204" pitchFamily="18" charset="0"/>
+                                          </a:rPr>
+                                          <m:t>𝑦</m:t>
+                                        </m:r>
+                                        <m:r>
+                                          <a:rPr lang="en-US" sz="1100" i="1">
+                                            <a:latin typeface="Cambria Math" panose="02040503050406030204" pitchFamily="18" charset="0"/>
+                                            <a:ea typeface="Cambria Math" panose="02040503050406030204" pitchFamily="18" charset="0"/>
+                                          </a:rPr>
+                                          <m:t>,</m:t>
+                                        </m:r>
+                                        <m:r>
+                                          <a:rPr lang="en-US" sz="1100" b="0" i="1" smtClean="0">
+                                            <a:latin typeface="Cambria Math" panose="02040503050406030204" pitchFamily="18" charset="0"/>
+                                            <a:ea typeface="Cambria Math" panose="02040503050406030204" pitchFamily="18" charset="0"/>
+                                          </a:rPr>
+                                          <m:t>𝑏𝑦</m:t>
+                                        </m:r>
+                                        <m:r>
+                                          <a:rPr lang="en-US" sz="1100" b="0" i="1" smtClean="0">
+                                            <a:latin typeface="Cambria Math" panose="02040503050406030204" pitchFamily="18" charset="0"/>
+                                            <a:ea typeface="Cambria Math" panose="02040503050406030204" pitchFamily="18" charset="0"/>
+                                          </a:rPr>
+                                          <m:t>=</m:t>
+                                        </m:r>
+                                        <m:r>
+                                          <a:rPr lang="en-US" sz="1100" b="0" i="1" smtClean="0">
+                                            <a:latin typeface="Cambria Math" panose="02040503050406030204" pitchFamily="18" charset="0"/>
+                                            <a:ea typeface="Cambria Math" panose="02040503050406030204" pitchFamily="18" charset="0"/>
+                                          </a:rPr>
+                                          <m:t>𝑓𝑎𝑐𝑡𝑜𝑟</m:t>
+                                        </m:r>
+                                        <m:r>
+                                          <a:rPr lang="en-US" sz="1100" b="0" i="1" smtClean="0">
+                                            <a:latin typeface="Cambria Math" panose="02040503050406030204" pitchFamily="18" charset="0"/>
+                                            <a:ea typeface="Cambria Math" panose="02040503050406030204" pitchFamily="18" charset="0"/>
+                                          </a:rPr>
+                                          <m:t>(</m:t>
+                                        </m:r>
+                                        <m:r>
+                                          <a:rPr lang="en-US" sz="1100" i="1">
+                                            <a:latin typeface="Cambria Math" panose="02040503050406030204" pitchFamily="18" charset="0"/>
+                                            <a:ea typeface="Cambria Math" panose="02040503050406030204" pitchFamily="18" charset="0"/>
+                                          </a:rPr>
+                                          <m:t>𝑡</m:t>
+                                        </m:r>
+                                        <m:r>
+                                          <a:rPr lang="en-US" sz="1100" b="0" i="1" smtClean="0">
+                                            <a:latin typeface="Cambria Math" panose="02040503050406030204" pitchFamily="18" charset="0"/>
+                                            <a:ea typeface="Cambria Math" panose="02040503050406030204" pitchFamily="18" charset="0"/>
+                                          </a:rPr>
+                                          <m:t>)</m:t>
+                                        </m:r>
+                                      </m:e>
+                                    </m:d>
+                                  </m:e>
+                                </m:d>
+                              </m:oMath>
+                            </m:oMathPara>
+                          </a14:m>
+                          <a:endParaRPr lang="en-GB" sz="1100" b="1" dirty="0">
+                            <a:solidFill>
+                              <a:schemeClr val="tx1"/>
+                            </a:solidFill>
+                          </a:endParaRPr>
+                        </a:p>
+                      </a:txBody>
+                      <a:tcPr>
+                        <a:noFill/>
+                      </a:tcPr>
+                    </a:tc>
+                    <a:tc>
+                      <a:txBody>
+                        <a:bodyPr/>
+                        <a:lstStyle/>
+                        <a:p>
+                          <a:pPr marL="0" marR="0" indent="0" algn="l" defTabSz="914400" rtl="0" eaLnBrk="1" fontAlgn="auto" latinLnBrk="0" hangingPunct="1">
+                            <a:lnSpc>
+                              <a:spcPct val="100000"/>
+                            </a:lnSpc>
+                            <a:spcBef>
+                              <a:spcPts val="0"/>
+                            </a:spcBef>
+                            <a:spcAft>
+                              <a:spcPts val="0"/>
+                            </a:spcAft>
+                            <a:buClrTx/>
+                            <a:buSzTx/>
+                            <a:buFontTx/>
+                            <a:buNone/>
+                            <a:tabLst/>
+                            <a:defRPr/>
+                          </a:pPr>
+                          <a14:m>
+                            <m:oMathPara xmlns:m="http://schemas.openxmlformats.org/officeDocument/2006/math">
+                              <m:oMathParaPr>
+                                <m:jc m:val="centerGroup"/>
+                              </m:oMathParaPr>
+                              <m:oMath xmlns:m="http://schemas.openxmlformats.org/officeDocument/2006/math">
+                                <m:r>
+                                  <m:rPr>
+                                    <m:sty m:val="p"/>
+                                  </m:rPr>
+                                  <a:rPr lang="en-US" sz="1100" i="1" smtClean="0">
+                                    <a:latin typeface="Cambria Math" panose="02040503050406030204" pitchFamily="18" charset="0"/>
+                                    <a:ea typeface="Cambria Math" panose="02040503050406030204" pitchFamily="18" charset="0"/>
+                                  </a:rPr>
+                                  <m:t>gam</m:t>
+                                </m:r>
+                                <m:d>
+                                  <m:dPr>
+                                    <m:ctrlPr>
+                                      <a:rPr lang="en-US" sz="1100" i="1">
+                                        <a:latin typeface="Cambria Math" panose="02040503050406030204" pitchFamily="18" charset="0"/>
+                                        <a:ea typeface="Cambria Math" panose="02040503050406030204" pitchFamily="18" charset="0"/>
+                                      </a:rPr>
+                                    </m:ctrlPr>
+                                  </m:dPr>
+                                  <m:e>
+                                    <m:r>
+                                      <a:rPr lang="en-US" sz="1100" i="1">
+                                        <a:latin typeface="Cambria Math" panose="02040503050406030204" pitchFamily="18" charset="0"/>
+                                        <a:ea typeface="Cambria Math" panose="02040503050406030204" pitchFamily="18" charset="0"/>
+                                      </a:rPr>
+                                      <m:t>𝑐</m:t>
+                                    </m:r>
+                                    <m:r>
+                                      <a:rPr lang="en-US" sz="1100" i="1">
+                                        <a:latin typeface="Cambria Math" panose="02040503050406030204" pitchFamily="18" charset="0"/>
+                                        <a:ea typeface="Cambria Math" panose="02040503050406030204" pitchFamily="18" charset="0"/>
+                                      </a:rPr>
+                                      <m:t> ~1+</m:t>
+                                    </m:r>
+                                    <m:r>
+                                      <a:rPr lang="en-US" sz="1100" b="0" i="1" smtClean="0">
+                                        <a:latin typeface="Cambria Math" panose="02040503050406030204" pitchFamily="18" charset="0"/>
+                                        <a:ea typeface="Cambria Math" panose="02040503050406030204" pitchFamily="18" charset="0"/>
+                                      </a:rPr>
+                                      <m:t>𝑠</m:t>
+                                    </m:r>
+                                    <m:d>
+                                      <m:dPr>
+                                        <m:ctrlPr>
+                                          <a:rPr lang="en-US" sz="1100" i="1">
+                                            <a:latin typeface="Cambria Math" panose="02040503050406030204" pitchFamily="18" charset="0"/>
+                                            <a:ea typeface="Cambria Math" panose="02040503050406030204" pitchFamily="18" charset="0"/>
+                                          </a:rPr>
+                                        </m:ctrlPr>
+                                      </m:dPr>
+                                      <m:e>
+                                        <m:r>
+                                          <a:rPr lang="en-US" sz="1100" b="0" i="1" smtClean="0">
+                                            <a:latin typeface="Cambria Math" panose="02040503050406030204" pitchFamily="18" charset="0"/>
+                                            <a:ea typeface="Cambria Math" panose="02040503050406030204" pitchFamily="18" charset="0"/>
+                                          </a:rPr>
+                                          <m:t>𝑡</m:t>
+                                        </m:r>
+                                      </m:e>
+                                    </m:d>
+                                    <m:r>
+                                      <a:rPr lang="en-US" sz="1100" i="1" smtClean="0">
+                                        <a:latin typeface="Cambria Math" panose="02040503050406030204" pitchFamily="18" charset="0"/>
+                                        <a:ea typeface="Cambria Math" panose="02040503050406030204" pitchFamily="18" charset="0"/>
+                                      </a:rPr>
+                                      <m:t>+</m:t>
+                                    </m:r>
+                                    <m:r>
+                                      <a:rPr lang="en-US" sz="1100" i="1" smtClean="0">
+                                        <a:latin typeface="Cambria Math" panose="02040503050406030204" pitchFamily="18" charset="0"/>
+                                        <a:ea typeface="Cambria Math" panose="02040503050406030204" pitchFamily="18" charset="0"/>
+                                      </a:rPr>
+                                      <m:t>𝑠</m:t>
+                                    </m:r>
+                                    <m:d>
+                                      <m:dPr>
+                                        <m:ctrlPr>
+                                          <a:rPr lang="en-US" sz="1100" i="1">
+                                            <a:latin typeface="Cambria Math" panose="02040503050406030204" pitchFamily="18" charset="0"/>
+                                            <a:ea typeface="Cambria Math" panose="02040503050406030204" pitchFamily="18" charset="0"/>
+                                          </a:rPr>
+                                        </m:ctrlPr>
+                                      </m:dPr>
+                                      <m:e>
+                                        <m:r>
+                                          <a:rPr lang="en-US" sz="1100" i="1">
+                                            <a:latin typeface="Cambria Math" panose="02040503050406030204" pitchFamily="18" charset="0"/>
+                                            <a:ea typeface="Cambria Math" panose="02040503050406030204" pitchFamily="18" charset="0"/>
+                                          </a:rPr>
+                                          <m:t>𝑥</m:t>
+                                        </m:r>
+                                        <m:r>
+                                          <a:rPr lang="en-US" sz="1100" i="1">
+                                            <a:latin typeface="Cambria Math" panose="02040503050406030204" pitchFamily="18" charset="0"/>
+                                            <a:ea typeface="Cambria Math" panose="02040503050406030204" pitchFamily="18" charset="0"/>
+                                          </a:rPr>
+                                          <m:t>, </m:t>
+                                        </m:r>
+                                        <m:r>
+                                          <a:rPr lang="en-US" sz="1100" i="1">
+                                            <a:latin typeface="Cambria Math" panose="02040503050406030204" pitchFamily="18" charset="0"/>
+                                            <a:ea typeface="Cambria Math" panose="02040503050406030204" pitchFamily="18" charset="0"/>
+                                          </a:rPr>
+                                          <m:t>𝑦</m:t>
+                                        </m:r>
+                                        <m:r>
+                                          <a:rPr lang="en-US" sz="1100" i="1">
+                                            <a:latin typeface="Cambria Math" panose="02040503050406030204" pitchFamily="18" charset="0"/>
+                                            <a:ea typeface="Cambria Math" panose="02040503050406030204" pitchFamily="18" charset="0"/>
+                                          </a:rPr>
+                                          <m:t>,</m:t>
+                                        </m:r>
+                                        <m:r>
+                                          <a:rPr lang="en-US" sz="1100" b="0" i="1" smtClean="0">
+                                            <a:latin typeface="Cambria Math" panose="02040503050406030204" pitchFamily="18" charset="0"/>
+                                            <a:ea typeface="Cambria Math" panose="02040503050406030204" pitchFamily="18" charset="0"/>
+                                          </a:rPr>
+                                          <m:t>𝑏𝑦</m:t>
+                                        </m:r>
+                                        <m:r>
+                                          <a:rPr lang="en-US" sz="1100" b="0" i="1" smtClean="0">
+                                            <a:latin typeface="Cambria Math" panose="02040503050406030204" pitchFamily="18" charset="0"/>
+                                            <a:ea typeface="Cambria Math" panose="02040503050406030204" pitchFamily="18" charset="0"/>
+                                          </a:rPr>
+                                          <m:t>=</m:t>
+                                        </m:r>
+                                        <m:r>
+                                          <a:rPr lang="en-US" sz="1100" b="0" i="1" smtClean="0">
+                                            <a:latin typeface="Cambria Math" panose="02040503050406030204" pitchFamily="18" charset="0"/>
+                                            <a:ea typeface="Cambria Math" panose="02040503050406030204" pitchFamily="18" charset="0"/>
+                                          </a:rPr>
+                                          <m:t>𝑓𝑎𝑐𝑡𝑜𝑟</m:t>
+                                        </m:r>
+                                        <m:r>
+                                          <a:rPr lang="en-US" sz="1100" b="0" i="1" smtClean="0">
+                                            <a:latin typeface="Cambria Math" panose="02040503050406030204" pitchFamily="18" charset="0"/>
+                                            <a:ea typeface="Cambria Math" panose="02040503050406030204" pitchFamily="18" charset="0"/>
+                                          </a:rPr>
+                                          <m:t>(</m:t>
+                                        </m:r>
+                                        <m:r>
+                                          <a:rPr lang="en-US" sz="1100" i="1">
+                                            <a:latin typeface="Cambria Math" panose="02040503050406030204" pitchFamily="18" charset="0"/>
+                                            <a:ea typeface="Cambria Math" panose="02040503050406030204" pitchFamily="18" charset="0"/>
+                                          </a:rPr>
+                                          <m:t>𝑡</m:t>
+                                        </m:r>
+                                        <m:r>
+                                          <a:rPr lang="en-US" sz="1100" b="0" i="1" smtClean="0">
+                                            <a:latin typeface="Cambria Math" panose="02040503050406030204" pitchFamily="18" charset="0"/>
+                                            <a:ea typeface="Cambria Math" panose="02040503050406030204" pitchFamily="18" charset="0"/>
+                                          </a:rPr>
+                                          <m:t>)</m:t>
+                                        </m:r>
+                                      </m:e>
+                                    </m:d>
+                                  </m:e>
+                                </m:d>
+                              </m:oMath>
+                            </m:oMathPara>
+                          </a14:m>
+                          <a:endParaRPr lang="en-GB" sz="1100" b="1" dirty="0">
+                            <a:solidFill>
+                              <a:schemeClr val="tx1"/>
+                            </a:solidFill>
+                          </a:endParaRPr>
+                        </a:p>
+                        <a:p>
+                          <a:endParaRPr lang="en-GB" sz="1100" b="1" dirty="0">
+                            <a:solidFill>
+                              <a:schemeClr val="tx1"/>
+                            </a:solidFill>
+                          </a:endParaRPr>
+                        </a:p>
+                      </a:txBody>
+                      <a:tcPr>
+                        <a:noFill/>
+                      </a:tcPr>
+                    </a:tc>
+                    <a:extLst>
+                      <a:ext uri="{0D108BD9-81ED-4DB2-BD59-A6C34878D82A}">
+                        <a16:rowId xmlns:a16="http://schemas.microsoft.com/office/drawing/2014/main" val="493528068"/>
+                      </a:ext>
+                    </a:extLst>
+                  </a:tr>
+                  <a:tr h="370840">
+                    <a:tc vMerge="1">
+                      <a:txBody>
+                        <a:bodyPr/>
+                        <a:lstStyle/>
+                        <a:p>
+                          <a:endParaRPr lang="en-GB" dirty="0"/>
+                        </a:p>
+                      </a:txBody>
+                      <a:tcPr>
+                        <a:noFill/>
+                      </a:tcPr>
+                    </a:tc>
+                    <a:tc>
+                      <a:txBody>
+                        <a:bodyPr/>
+                        <a:lstStyle/>
+                        <a:p>
+                          <a:r>
+                            <a:rPr lang="en-US" b="1" dirty="0" smtClean="0">
+                              <a:solidFill>
+                                <a:schemeClr val="tx1"/>
+                              </a:solidFill>
+                            </a:rPr>
+                            <a:t>Smoothed</a:t>
+                          </a:r>
+                          <a:endParaRPr lang="en-GB" b="1" dirty="0">
+                            <a:solidFill>
+                              <a:schemeClr val="tx1"/>
+                            </a:solidFill>
+                          </a:endParaRPr>
+                        </a:p>
+                      </a:txBody>
+                      <a:tcPr>
+                        <a:noFill/>
+                      </a:tcPr>
+                    </a:tc>
+                    <a:tc>
+                      <a:txBody>
+                        <a:bodyPr/>
+                        <a:lstStyle/>
+                        <a:p>
+                          <a:pPr marL="0" marR="0" indent="0" algn="l" defTabSz="914400" rtl="0" eaLnBrk="1" fontAlgn="auto" latinLnBrk="0" hangingPunct="1">
+                            <a:lnSpc>
+                              <a:spcPct val="100000"/>
+                            </a:lnSpc>
+                            <a:spcBef>
+                              <a:spcPts val="0"/>
+                            </a:spcBef>
+                            <a:spcAft>
+                              <a:spcPts val="0"/>
+                            </a:spcAft>
+                            <a:buClrTx/>
+                            <a:buSzTx/>
+                            <a:buFontTx/>
+                            <a:buNone/>
+                            <a:tabLst/>
+                            <a:defRPr/>
+                          </a:pPr>
+                          <a14:m>
+                            <m:oMathPara xmlns:m="http://schemas.openxmlformats.org/officeDocument/2006/math">
+                              <m:oMathParaPr>
+                                <m:jc m:val="centerGroup"/>
+                              </m:oMathParaPr>
+                              <m:oMath xmlns:m="http://schemas.openxmlformats.org/officeDocument/2006/math">
+                                <m:r>
+                                  <m:rPr>
+                                    <m:sty m:val="p"/>
+                                  </m:rPr>
+                                  <a:rPr lang="en-US" sz="1100" i="1" smtClean="0">
+                                    <a:latin typeface="Cambria Math" panose="02040503050406030204" pitchFamily="18" charset="0"/>
+                                    <a:ea typeface="Cambria Math" panose="02040503050406030204" pitchFamily="18" charset="0"/>
+                                  </a:rPr>
+                                  <m:t>gam</m:t>
+                                </m:r>
+                                <m:d>
+                                  <m:dPr>
+                                    <m:ctrlPr>
+                                      <a:rPr lang="en-US" sz="1100" i="1">
+                                        <a:latin typeface="Cambria Math" panose="02040503050406030204" pitchFamily="18" charset="0"/>
+                                        <a:ea typeface="Cambria Math" panose="02040503050406030204" pitchFamily="18" charset="0"/>
+                                      </a:rPr>
+                                    </m:ctrlPr>
+                                  </m:dPr>
+                                  <m:e>
+                                    <m:r>
+                                      <a:rPr lang="en-US" sz="1100" i="1">
+                                        <a:latin typeface="Cambria Math" panose="02040503050406030204" pitchFamily="18" charset="0"/>
+                                        <a:ea typeface="Cambria Math" panose="02040503050406030204" pitchFamily="18" charset="0"/>
+                                      </a:rPr>
+                                      <m:t>𝑐</m:t>
+                                    </m:r>
+                                    <m:r>
+                                      <a:rPr lang="en-US" sz="1100" i="1">
+                                        <a:latin typeface="Cambria Math" panose="02040503050406030204" pitchFamily="18" charset="0"/>
+                                        <a:ea typeface="Cambria Math" panose="02040503050406030204" pitchFamily="18" charset="0"/>
+                                      </a:rPr>
+                                      <m:t> ~ 1+</m:t>
+                                    </m:r>
+                                    <m:r>
+                                      <a:rPr lang="en-US" sz="1100" b="0" i="1" smtClean="0">
+                                        <a:latin typeface="Cambria Math" panose="02040503050406030204" pitchFamily="18" charset="0"/>
+                                        <a:ea typeface="Cambria Math" panose="02040503050406030204" pitchFamily="18" charset="0"/>
+                                      </a:rPr>
+                                      <m:t>𝑠</m:t>
+                                    </m:r>
+                                    <m:r>
+                                      <a:rPr lang="en-US" sz="1100" b="0" i="1" smtClean="0">
+                                        <a:latin typeface="Cambria Math" panose="02040503050406030204" pitchFamily="18" charset="0"/>
+                                        <a:ea typeface="Cambria Math" panose="02040503050406030204" pitchFamily="18" charset="0"/>
+                                      </a:rPr>
+                                      <m:t>(</m:t>
+                                    </m:r>
+                                    <m:r>
+                                      <a:rPr lang="en-US" sz="1100" b="0" i="1" smtClean="0">
+                                        <a:latin typeface="Cambria Math" panose="02040503050406030204" pitchFamily="18" charset="0"/>
+                                        <a:ea typeface="Cambria Math" panose="02040503050406030204" pitchFamily="18" charset="0"/>
+                                      </a:rPr>
+                                      <m:t>𝑥</m:t>
+                                    </m:r>
+                                    <m:r>
+                                      <a:rPr lang="en-US" sz="1100" b="0" i="1" smtClean="0">
+                                        <a:latin typeface="Cambria Math" panose="02040503050406030204" pitchFamily="18" charset="0"/>
+                                        <a:ea typeface="Cambria Math" panose="02040503050406030204" pitchFamily="18" charset="0"/>
+                                      </a:rPr>
+                                      <m:t>,</m:t>
+                                    </m:r>
+                                    <m:r>
+                                      <a:rPr lang="en-US" sz="1100" b="0" i="1" smtClean="0">
+                                        <a:latin typeface="Cambria Math" panose="02040503050406030204" pitchFamily="18" charset="0"/>
+                                        <a:ea typeface="Cambria Math" panose="02040503050406030204" pitchFamily="18" charset="0"/>
+                                      </a:rPr>
+                                      <m:t>𝑦</m:t>
+                                    </m:r>
+                                    <m:r>
+                                      <a:rPr lang="en-US" sz="1100" b="0" i="1" smtClean="0">
+                                        <a:latin typeface="Cambria Math" panose="02040503050406030204" pitchFamily="18" charset="0"/>
+                                        <a:ea typeface="Cambria Math" panose="02040503050406030204" pitchFamily="18" charset="0"/>
+                                      </a:rPr>
+                                      <m:t>,</m:t>
+                                    </m:r>
+                                    <m:r>
+                                      <a:rPr lang="en-US" sz="1100" b="0" i="1" smtClean="0">
+                                        <a:latin typeface="Cambria Math" panose="02040503050406030204" pitchFamily="18" charset="0"/>
+                                        <a:ea typeface="Cambria Math" panose="02040503050406030204" pitchFamily="18" charset="0"/>
+                                      </a:rPr>
+                                      <m:t>𝑡</m:t>
+                                    </m:r>
+                                    <m:r>
+                                      <a:rPr lang="en-US" sz="1100" b="0" i="1" smtClean="0">
+                                        <a:latin typeface="Cambria Math" panose="02040503050406030204" pitchFamily="18" charset="0"/>
+                                        <a:ea typeface="Cambria Math" panose="02040503050406030204" pitchFamily="18" charset="0"/>
+                                      </a:rPr>
+                                      <m:t>)</m:t>
+                                    </m:r>
+                                  </m:e>
+                                </m:d>
+                                <m:r>
+                                  <a:rPr lang="en-US" sz="1100" i="1">
+                                    <a:latin typeface="Cambria Math" panose="02040503050406030204" pitchFamily="18" charset="0"/>
+                                    <a:ea typeface="Cambria Math" panose="02040503050406030204" pitchFamily="18" charset="0"/>
+                                  </a:rPr>
+                                  <m:t> </m:t>
+                                </m:r>
+                              </m:oMath>
+                            </m:oMathPara>
+                          </a14:m>
+                          <a:endParaRPr lang="en-US" sz="1100" i="1" dirty="0">
+                            <a:latin typeface="Cambria Math" panose="02040503050406030204" pitchFamily="18" charset="0"/>
+                            <a:ea typeface="Cambria Math" panose="02040503050406030204" pitchFamily="18" charset="0"/>
+                          </a:endParaRPr>
+                        </a:p>
+                      </a:txBody>
+                      <a:tcPr>
+                        <a:noFill/>
+                      </a:tcPr>
+                    </a:tc>
+                    <a:tc>
+                      <a:txBody>
+                        <a:bodyPr/>
+                        <a:lstStyle/>
+                        <a:p>
+                          <a:pPr marL="0" marR="0" indent="0" algn="l" defTabSz="914400" rtl="0" eaLnBrk="1" fontAlgn="auto" latinLnBrk="0" hangingPunct="1">
+                            <a:lnSpc>
+                              <a:spcPct val="100000"/>
+                            </a:lnSpc>
+                            <a:spcBef>
+                              <a:spcPts val="0"/>
+                            </a:spcBef>
+                            <a:spcAft>
+                              <a:spcPts val="0"/>
+                            </a:spcAft>
+                            <a:buClrTx/>
+                            <a:buSzTx/>
+                            <a:buFontTx/>
+                            <a:buNone/>
+                            <a:tabLst/>
+                            <a:defRPr/>
+                          </a:pPr>
+                          <a14:m>
+                            <m:oMathPara xmlns:m="http://schemas.openxmlformats.org/officeDocument/2006/math">
+                              <m:oMathParaPr>
+                                <m:jc m:val="centerGroup"/>
+                              </m:oMathParaPr>
+                              <m:oMath xmlns:m="http://schemas.openxmlformats.org/officeDocument/2006/math">
+                                <m:r>
+                                  <m:rPr>
+                                    <m:sty m:val="p"/>
+                                  </m:rPr>
+                                  <a:rPr lang="en-US" sz="1100" i="1" smtClean="0">
+                                    <a:latin typeface="Cambria Math" panose="02040503050406030204" pitchFamily="18" charset="0"/>
+                                    <a:ea typeface="Cambria Math" panose="02040503050406030204" pitchFamily="18" charset="0"/>
+                                  </a:rPr>
+                                  <m:t>gam</m:t>
+                                </m:r>
+                                <m:d>
+                                  <m:dPr>
+                                    <m:ctrlPr>
+                                      <a:rPr lang="en-US" sz="1100" i="1">
+                                        <a:latin typeface="Cambria Math" panose="02040503050406030204" pitchFamily="18" charset="0"/>
+                                        <a:ea typeface="Cambria Math" panose="02040503050406030204" pitchFamily="18" charset="0"/>
+                                      </a:rPr>
+                                    </m:ctrlPr>
+                                  </m:dPr>
+                                  <m:e>
+                                    <m:r>
+                                      <a:rPr lang="en-US" sz="1100" i="1">
+                                        <a:latin typeface="Cambria Math" panose="02040503050406030204" pitchFamily="18" charset="0"/>
+                                        <a:ea typeface="Cambria Math" panose="02040503050406030204" pitchFamily="18" charset="0"/>
+                                      </a:rPr>
+                                      <m:t>𝑐</m:t>
+                                    </m:r>
+                                    <m:r>
+                                      <a:rPr lang="en-US" sz="1100" i="1">
+                                        <a:latin typeface="Cambria Math" panose="02040503050406030204" pitchFamily="18" charset="0"/>
+                                        <a:ea typeface="Cambria Math" panose="02040503050406030204" pitchFamily="18" charset="0"/>
+                                      </a:rPr>
+                                      <m:t> ~ 1+</m:t>
+                                    </m:r>
+                                    <m:r>
+                                      <a:rPr lang="en-US" sz="1100" b="0" i="1" smtClean="0">
+                                        <a:latin typeface="Cambria Math" panose="02040503050406030204" pitchFamily="18" charset="0"/>
+                                        <a:ea typeface="Cambria Math" panose="02040503050406030204" pitchFamily="18" charset="0"/>
+                                      </a:rPr>
+                                      <m:t>𝑓𝑎𝑐𝑡𝑜𝑟</m:t>
+                                    </m:r>
+                                    <m:d>
+                                      <m:dPr>
+                                        <m:ctrlPr>
+                                          <a:rPr lang="en-US" sz="1100" i="1">
+                                            <a:latin typeface="Cambria Math" panose="02040503050406030204" pitchFamily="18" charset="0"/>
+                                            <a:ea typeface="Cambria Math" panose="02040503050406030204" pitchFamily="18" charset="0"/>
+                                          </a:rPr>
+                                        </m:ctrlPr>
+                                      </m:dPr>
+                                      <m:e>
+                                        <m:r>
+                                          <a:rPr lang="en-US" sz="1100" b="0" i="1" smtClean="0">
+                                            <a:latin typeface="Cambria Math" panose="02040503050406030204" pitchFamily="18" charset="0"/>
+                                            <a:ea typeface="Cambria Math" panose="02040503050406030204" pitchFamily="18" charset="0"/>
+                                          </a:rPr>
+                                          <m:t>𝑡</m:t>
+                                        </m:r>
+                                      </m:e>
+                                    </m:d>
+                                    <m:r>
+                                      <a:rPr lang="en-US" sz="1100" b="0" i="1" smtClean="0">
+                                        <a:latin typeface="Cambria Math" panose="02040503050406030204" pitchFamily="18" charset="0"/>
+                                        <a:ea typeface="Cambria Math" panose="02040503050406030204" pitchFamily="18" charset="0"/>
+                                      </a:rPr>
+                                      <m:t>+</m:t>
+                                    </m:r>
+                                    <m:r>
+                                      <a:rPr lang="en-US" sz="1100" b="0" i="1" smtClean="0">
+                                        <a:latin typeface="Cambria Math" panose="02040503050406030204" pitchFamily="18" charset="0"/>
+                                        <a:ea typeface="Cambria Math" panose="02040503050406030204" pitchFamily="18" charset="0"/>
+                                      </a:rPr>
+                                      <m:t>𝑠</m:t>
+                                    </m:r>
+                                    <m:r>
+                                      <a:rPr lang="en-US" sz="1100" b="0" i="1" smtClean="0">
+                                        <a:latin typeface="Cambria Math" panose="02040503050406030204" pitchFamily="18" charset="0"/>
+                                        <a:ea typeface="Cambria Math" panose="02040503050406030204" pitchFamily="18" charset="0"/>
+                                      </a:rPr>
+                                      <m:t>(</m:t>
+                                    </m:r>
+                                    <m:r>
+                                      <a:rPr lang="en-US" sz="1100" b="0" i="1" smtClean="0">
+                                        <a:latin typeface="Cambria Math" panose="02040503050406030204" pitchFamily="18" charset="0"/>
+                                        <a:ea typeface="Cambria Math" panose="02040503050406030204" pitchFamily="18" charset="0"/>
+                                      </a:rPr>
+                                      <m:t>𝑥</m:t>
+                                    </m:r>
+                                    <m:r>
+                                      <a:rPr lang="en-US" sz="1100" b="0" i="1" smtClean="0">
+                                        <a:latin typeface="Cambria Math" panose="02040503050406030204" pitchFamily="18" charset="0"/>
+                                        <a:ea typeface="Cambria Math" panose="02040503050406030204" pitchFamily="18" charset="0"/>
+                                      </a:rPr>
+                                      <m:t>,</m:t>
+                                    </m:r>
+                                    <m:r>
+                                      <a:rPr lang="en-US" sz="1100" b="0" i="1" smtClean="0">
+                                        <a:latin typeface="Cambria Math" panose="02040503050406030204" pitchFamily="18" charset="0"/>
+                                        <a:ea typeface="Cambria Math" panose="02040503050406030204" pitchFamily="18" charset="0"/>
+                                      </a:rPr>
+                                      <m:t>𝑦</m:t>
+                                    </m:r>
+                                    <m:r>
+                                      <a:rPr lang="en-US" sz="1100" b="0" i="1" smtClean="0">
+                                        <a:latin typeface="Cambria Math" panose="02040503050406030204" pitchFamily="18" charset="0"/>
+                                        <a:ea typeface="Cambria Math" panose="02040503050406030204" pitchFamily="18" charset="0"/>
+                                      </a:rPr>
+                                      <m:t>,</m:t>
+                                    </m:r>
+                                    <m:r>
+                                      <a:rPr lang="en-US" sz="1100" b="0" i="1" smtClean="0">
+                                        <a:latin typeface="Cambria Math" panose="02040503050406030204" pitchFamily="18" charset="0"/>
+                                        <a:ea typeface="Cambria Math" panose="02040503050406030204" pitchFamily="18" charset="0"/>
+                                      </a:rPr>
+                                      <m:t>𝑡</m:t>
+                                    </m:r>
+                                    <m:r>
+                                      <a:rPr lang="en-US" sz="1100" b="0" i="1" smtClean="0">
+                                        <a:latin typeface="Cambria Math" panose="02040503050406030204" pitchFamily="18" charset="0"/>
+                                        <a:ea typeface="Cambria Math" panose="02040503050406030204" pitchFamily="18" charset="0"/>
+                                      </a:rPr>
+                                      <m:t>)</m:t>
+                                    </m:r>
+                                  </m:e>
+                                </m:d>
+                                <m:r>
+                                  <a:rPr lang="en-US" sz="1100" b="0" i="1" smtClean="0">
+                                    <a:latin typeface="Cambria Math" panose="02040503050406030204" pitchFamily="18" charset="0"/>
+                                    <a:ea typeface="Cambria Math" panose="02040503050406030204" pitchFamily="18" charset="0"/>
+                                  </a:rPr>
+                                  <m:t> </m:t>
+                                </m:r>
+                              </m:oMath>
+                            </m:oMathPara>
+                          </a14:m>
+                          <a:endParaRPr lang="en-US" sz="1100" b="0" i="1" dirty="0" smtClean="0">
+                            <a:latin typeface="Cambria Math" panose="02040503050406030204" pitchFamily="18" charset="0"/>
+                            <a:ea typeface="Cambria Math" panose="02040503050406030204" pitchFamily="18" charset="0"/>
+                          </a:endParaRPr>
+                        </a:p>
+                      </a:txBody>
+                      <a:tcPr>
+                        <a:noFill/>
+                      </a:tcPr>
+                    </a:tc>
+                    <a:tc>
+                      <a:txBody>
+                        <a:bodyPr/>
+                        <a:lstStyle/>
+                        <a:p>
+                          <a:pPr/>
+                          <a14:m>
+                            <m:oMathPara xmlns:m="http://schemas.openxmlformats.org/officeDocument/2006/math">
+                              <m:oMathParaPr>
+                                <m:jc m:val="centerGroup"/>
+                              </m:oMathParaPr>
+                              <m:oMath xmlns:m="http://schemas.openxmlformats.org/officeDocument/2006/math">
+                                <m:r>
+                                  <m:rPr>
+                                    <m:sty m:val="p"/>
+                                  </m:rPr>
+                                  <a:rPr lang="en-US" sz="1100" i="1" smtClean="0">
+                                    <a:latin typeface="Cambria Math" panose="02040503050406030204" pitchFamily="18" charset="0"/>
+                                    <a:ea typeface="Cambria Math" panose="02040503050406030204" pitchFamily="18" charset="0"/>
+                                  </a:rPr>
+                                  <m:t>gam</m:t>
+                                </m:r>
+                                <m:d>
+                                  <m:dPr>
+                                    <m:ctrlPr>
+                                      <a:rPr lang="en-US" sz="1100" i="1">
+                                        <a:latin typeface="Cambria Math" panose="02040503050406030204" pitchFamily="18" charset="0"/>
+                                        <a:ea typeface="Cambria Math" panose="02040503050406030204" pitchFamily="18" charset="0"/>
+                                      </a:rPr>
+                                    </m:ctrlPr>
+                                  </m:dPr>
+                                  <m:e>
+                                    <m:r>
+                                      <a:rPr lang="en-US" sz="1100" i="1">
+                                        <a:latin typeface="Cambria Math" panose="02040503050406030204" pitchFamily="18" charset="0"/>
+                                        <a:ea typeface="Cambria Math" panose="02040503050406030204" pitchFamily="18" charset="0"/>
+                                      </a:rPr>
+                                      <m:t>𝑐</m:t>
+                                    </m:r>
+                                    <m:r>
+                                      <a:rPr lang="en-US" sz="1100" i="1">
+                                        <a:latin typeface="Cambria Math" panose="02040503050406030204" pitchFamily="18" charset="0"/>
+                                        <a:ea typeface="Cambria Math" panose="02040503050406030204" pitchFamily="18" charset="0"/>
+                                      </a:rPr>
+                                      <m:t> ~1+</m:t>
+                                    </m:r>
+                                    <m:r>
+                                      <a:rPr lang="en-US" sz="1100" b="0" i="1" smtClean="0">
+                                        <a:latin typeface="Cambria Math" panose="02040503050406030204" pitchFamily="18" charset="0"/>
+                                        <a:ea typeface="Cambria Math" panose="02040503050406030204" pitchFamily="18" charset="0"/>
+                                      </a:rPr>
+                                      <m:t>𝑠</m:t>
+                                    </m:r>
+                                    <m:d>
+                                      <m:dPr>
+                                        <m:ctrlPr>
+                                          <a:rPr lang="en-US" sz="1100" i="1">
+                                            <a:latin typeface="Cambria Math" panose="02040503050406030204" pitchFamily="18" charset="0"/>
+                                            <a:ea typeface="Cambria Math" panose="02040503050406030204" pitchFamily="18" charset="0"/>
+                                          </a:rPr>
+                                        </m:ctrlPr>
+                                      </m:dPr>
+                                      <m:e>
+                                        <m:r>
+                                          <a:rPr lang="en-US" sz="1100" b="0" i="1" smtClean="0">
+                                            <a:latin typeface="Cambria Math" panose="02040503050406030204" pitchFamily="18" charset="0"/>
+                                            <a:ea typeface="Cambria Math" panose="02040503050406030204" pitchFamily="18" charset="0"/>
+                                          </a:rPr>
+                                          <m:t>𝑡</m:t>
+                                        </m:r>
+                                      </m:e>
+                                    </m:d>
+                                    <m:r>
+                                      <a:rPr lang="en-US" sz="1100" b="0" i="1" smtClean="0">
+                                        <a:latin typeface="Cambria Math" panose="02040503050406030204" pitchFamily="18" charset="0"/>
+                                        <a:ea typeface="Cambria Math" panose="02040503050406030204" pitchFamily="18" charset="0"/>
+                                      </a:rPr>
+                                      <m:t>+</m:t>
+                                    </m:r>
+                                    <m:r>
+                                      <a:rPr lang="en-US" sz="1100" b="0" i="1" smtClean="0">
+                                        <a:latin typeface="Cambria Math" panose="02040503050406030204" pitchFamily="18" charset="0"/>
+                                        <a:ea typeface="Cambria Math" panose="02040503050406030204" pitchFamily="18" charset="0"/>
+                                      </a:rPr>
+                                      <m:t>𝑠</m:t>
+                                    </m:r>
+                                    <m:r>
+                                      <a:rPr lang="en-US" sz="1100" b="0" i="1" smtClean="0">
+                                        <a:latin typeface="Cambria Math" panose="02040503050406030204" pitchFamily="18" charset="0"/>
+                                        <a:ea typeface="Cambria Math" panose="02040503050406030204" pitchFamily="18" charset="0"/>
+                                      </a:rPr>
+                                      <m:t>(</m:t>
+                                    </m:r>
+                                    <m:r>
+                                      <a:rPr lang="en-US" sz="1100" b="0" i="1" smtClean="0">
+                                        <a:latin typeface="Cambria Math" panose="02040503050406030204" pitchFamily="18" charset="0"/>
+                                        <a:ea typeface="Cambria Math" panose="02040503050406030204" pitchFamily="18" charset="0"/>
+                                      </a:rPr>
+                                      <m:t>𝑥</m:t>
+                                    </m:r>
+                                    <m:r>
+                                      <a:rPr lang="en-US" sz="1100" b="0" i="1" smtClean="0">
+                                        <a:latin typeface="Cambria Math" panose="02040503050406030204" pitchFamily="18" charset="0"/>
+                                        <a:ea typeface="Cambria Math" panose="02040503050406030204" pitchFamily="18" charset="0"/>
+                                      </a:rPr>
+                                      <m:t>,</m:t>
+                                    </m:r>
+                                    <m:r>
+                                      <a:rPr lang="en-US" sz="1100" b="0" i="1" smtClean="0">
+                                        <a:latin typeface="Cambria Math" panose="02040503050406030204" pitchFamily="18" charset="0"/>
+                                        <a:ea typeface="Cambria Math" panose="02040503050406030204" pitchFamily="18" charset="0"/>
+                                      </a:rPr>
+                                      <m:t>𝑦</m:t>
+                                    </m:r>
+                                    <m:r>
+                                      <a:rPr lang="en-US" sz="1100" b="0" i="1" smtClean="0">
+                                        <a:latin typeface="Cambria Math" panose="02040503050406030204" pitchFamily="18" charset="0"/>
+                                        <a:ea typeface="Cambria Math" panose="02040503050406030204" pitchFamily="18" charset="0"/>
+                                      </a:rPr>
+                                      <m:t>,</m:t>
+                                    </m:r>
+                                    <m:r>
+                                      <a:rPr lang="en-US" sz="1100" b="0" i="1" smtClean="0">
+                                        <a:latin typeface="Cambria Math" panose="02040503050406030204" pitchFamily="18" charset="0"/>
+                                        <a:ea typeface="Cambria Math" panose="02040503050406030204" pitchFamily="18" charset="0"/>
+                                      </a:rPr>
+                                      <m:t>𝑡</m:t>
+                                    </m:r>
+                                    <m:r>
+                                      <a:rPr lang="en-US" sz="1100" b="0" i="1" smtClean="0">
+                                        <a:latin typeface="Cambria Math" panose="02040503050406030204" pitchFamily="18" charset="0"/>
+                                        <a:ea typeface="Cambria Math" panose="02040503050406030204" pitchFamily="18" charset="0"/>
+                                      </a:rPr>
+                                      <m:t>)</m:t>
+                                    </m:r>
+                                  </m:e>
+                                </m:d>
+                              </m:oMath>
+                            </m:oMathPara>
+                          </a14:m>
+                          <a:endParaRPr lang="en-GB" sz="1100" b="1" dirty="0">
+                            <a:solidFill>
+                              <a:schemeClr val="tx1"/>
+                            </a:solidFill>
+                          </a:endParaRPr>
+                        </a:p>
+                      </a:txBody>
+                      <a:tcPr>
+                        <a:noFill/>
+                      </a:tcPr>
+                    </a:tc>
+                    <a:extLst>
+                      <a:ext uri="{0D108BD9-81ED-4DB2-BD59-A6C34878D82A}">
+                        <a16:rowId xmlns:a16="http://schemas.microsoft.com/office/drawing/2014/main" val="760499547"/>
+                      </a:ext>
+                    </a:extLst>
+                  </a:tr>
+                </a:tbl>
+              </a:graphicData>
+            </a:graphic>
+          </p:graphicFrame>
+        </mc:Choice>
+        <mc:Fallback xmlns="">
+          <p:graphicFrame>
+            <p:nvGraphicFramePr>
+              <p:cNvPr id="5" name="Table 4"/>
+              <p:cNvGraphicFramePr>
+                <a:graphicFrameLocks noGrp="1"/>
+              </p:cNvGraphicFramePr>
+              <p:nvPr>
+                <p:extLst>
+                  <p:ext uri="{D42A27DB-BD31-4B8C-83A1-F6EECF244321}">
+                    <p14:modId xmlns:p14="http://schemas.microsoft.com/office/powerpoint/2010/main" val="35647740"/>
+                  </p:ext>
+                </p:extLst>
+              </p:nvPr>
+            </p:nvGraphicFramePr>
+            <p:xfrm>
+              <a:off x="212142" y="1397000"/>
+              <a:ext cx="8500260" cy="2172907"/>
+            </p:xfrm>
+            <a:graphic>
+              <a:graphicData uri="http://schemas.openxmlformats.org/drawingml/2006/table">
+                <a:tbl>
+                  <a:tblPr firstRow="1" bandRow="1">
+                    <a:tableStyleId>{5C22544A-7EE6-4342-B048-85BDC9FD1C3A}</a:tableStyleId>
+                  </a:tblPr>
+                  <a:tblGrid>
+                    <a:gridCol w="782725">
+                      <a:extLst>
+                        <a:ext uri="{9D8B030D-6E8A-4147-A177-3AD203B41FA5}">
+                          <a16:colId xmlns:a16="http://schemas.microsoft.com/office/drawing/2014/main" val="1044793742"/>
+                        </a:ext>
+                      </a:extLst>
+                    </a:gridCol>
+                    <a:gridCol w="1455725">
+                      <a:extLst>
+                        <a:ext uri="{9D8B030D-6E8A-4147-A177-3AD203B41FA5}">
+                          <a16:colId xmlns:a16="http://schemas.microsoft.com/office/drawing/2014/main" val="1247232197"/>
+                        </a:ext>
+                      </a:extLst>
+                    </a:gridCol>
+                    <a:gridCol w="2033626">
+                      <a:extLst>
+                        <a:ext uri="{9D8B030D-6E8A-4147-A177-3AD203B41FA5}">
+                          <a16:colId xmlns:a16="http://schemas.microsoft.com/office/drawing/2014/main" val="2025888858"/>
+                        </a:ext>
+                      </a:extLst>
+                    </a:gridCol>
+                    <a:gridCol w="2099462">
+                      <a:extLst>
+                        <a:ext uri="{9D8B030D-6E8A-4147-A177-3AD203B41FA5}">
+                          <a16:colId xmlns:a16="http://schemas.microsoft.com/office/drawing/2014/main" val="2119540534"/>
+                        </a:ext>
+                      </a:extLst>
+                    </a:gridCol>
+                    <a:gridCol w="2128722">
+                      <a:extLst>
+                        <a:ext uri="{9D8B030D-6E8A-4147-A177-3AD203B41FA5}">
+                          <a16:colId xmlns:a16="http://schemas.microsoft.com/office/drawing/2014/main" val="2262901501"/>
+                        </a:ext>
+                      </a:extLst>
+                    </a:gridCol>
+                  </a:tblGrid>
+                  <a:tr h="370840">
+                    <a:tc>
+                      <a:txBody>
+                        <a:bodyPr/>
+                        <a:lstStyle/>
+                        <a:p>
+                          <a:endParaRPr lang="en-GB" b="1" dirty="0">
+                            <a:solidFill>
+                              <a:schemeClr val="tx1"/>
+                            </a:solidFill>
+                          </a:endParaRPr>
+                        </a:p>
+                      </a:txBody>
+                      <a:tcPr>
+                        <a:noFill/>
+                      </a:tcPr>
+                    </a:tc>
+                    <a:tc gridSpan="4">
+                      <a:txBody>
+                        <a:bodyPr/>
+                        <a:lstStyle/>
+                        <a:p>
+                          <a:pPr algn="ctr"/>
+                          <a:r>
+                            <a:rPr lang="en-US" b="1" dirty="0" smtClean="0">
+                              <a:solidFill>
+                                <a:schemeClr val="tx1"/>
+                              </a:solidFill>
+                            </a:rPr>
+                            <a:t>Temporal effect</a:t>
+                          </a:r>
+                          <a:endParaRPr lang="en-GB" b="1" dirty="0">
+                            <a:solidFill>
+                              <a:schemeClr val="tx1"/>
+                            </a:solidFill>
+                          </a:endParaRPr>
+                        </a:p>
+                      </a:txBody>
+                      <a:tcPr>
+                        <a:noFill/>
+                      </a:tcPr>
+                    </a:tc>
+                    <a:tc hMerge="1">
+                      <a:txBody>
+                        <a:bodyPr/>
+                        <a:lstStyle/>
+                        <a:p>
+                          <a:endParaRPr lang="en-GB"/>
+                        </a:p>
+                      </a:txBody>
+                      <a:tcPr>
+                        <a:noFill/>
+                      </a:tcPr>
+                    </a:tc>
+                    <a:tc hMerge="1">
+                      <a:txBody>
+                        <a:bodyPr/>
+                        <a:lstStyle/>
+                        <a:p>
+                          <a:endParaRPr lang="en-GB"/>
+                        </a:p>
+                      </a:txBody>
+                      <a:tcPr>
+                        <a:noFill/>
+                      </a:tcPr>
+                    </a:tc>
+                    <a:tc hMerge="1">
+                      <a:txBody>
+                        <a:bodyPr/>
+                        <a:lstStyle/>
+                        <a:p>
+                          <a:endParaRPr lang="en-GB"/>
+                        </a:p>
+                      </a:txBody>
+                      <a:tcPr>
+                        <a:noFill/>
+                      </a:tcPr>
+                    </a:tc>
+                    <a:extLst>
+                      <a:ext uri="{0D108BD9-81ED-4DB2-BD59-A6C34878D82A}">
+                        <a16:rowId xmlns:a16="http://schemas.microsoft.com/office/drawing/2014/main" val="4149236068"/>
+                      </a:ext>
+                    </a:extLst>
+                  </a:tr>
+                  <a:tr h="370840">
+                    <a:tc rowSpan="4">
+                      <a:txBody>
+                        <a:bodyPr/>
+                        <a:lstStyle/>
+                        <a:p>
+                          <a:pPr algn="ctr"/>
+                          <a:r>
+                            <a:rPr lang="en-US" b="1" dirty="0" err="1" smtClean="0">
+                              <a:solidFill>
+                                <a:schemeClr val="tx1"/>
+                              </a:solidFill>
+                            </a:rPr>
+                            <a:t>Spatio</a:t>
+                          </a:r>
+                          <a:r>
+                            <a:rPr lang="en-US" b="1" dirty="0" smtClean="0">
+                              <a:solidFill>
+                                <a:schemeClr val="tx1"/>
+                              </a:solidFill>
+                            </a:rPr>
+                            <a:t>-temporal</a:t>
+                          </a:r>
+                          <a:r>
+                            <a:rPr lang="en-US" b="1" baseline="0" dirty="0" smtClean="0">
+                              <a:solidFill>
+                                <a:schemeClr val="tx1"/>
+                              </a:solidFill>
+                            </a:rPr>
+                            <a:t> effect</a:t>
+                          </a:r>
+                          <a:endParaRPr lang="en-GB" b="1" dirty="0">
+                            <a:solidFill>
+                              <a:schemeClr val="tx1"/>
+                            </a:solidFill>
+                          </a:endParaRPr>
+                        </a:p>
+                      </a:txBody>
+                      <a:tcPr vert="vert270">
+                        <a:noFill/>
+                      </a:tcPr>
+                    </a:tc>
+                    <a:tc>
+                      <a:txBody>
+                        <a:bodyPr/>
+                        <a:lstStyle/>
+                        <a:p>
+                          <a:endParaRPr lang="en-GB" b="1" dirty="0">
+                            <a:solidFill>
+                              <a:schemeClr val="tx1"/>
+                            </a:solidFill>
+                          </a:endParaRPr>
+                        </a:p>
+                      </a:txBody>
+                      <a:tcPr>
+                        <a:noFill/>
+                      </a:tcPr>
+                    </a:tc>
+                    <a:tc>
+                      <a:txBody>
+                        <a:bodyPr/>
+                        <a:lstStyle/>
+                        <a:p>
+                          <a:r>
+                            <a:rPr lang="en-US" b="1" dirty="0" smtClean="0">
+                              <a:solidFill>
+                                <a:schemeClr val="tx1"/>
+                              </a:solidFill>
+                            </a:rPr>
+                            <a:t>None</a:t>
+                          </a:r>
+                          <a:endParaRPr lang="en-GB" b="1" dirty="0">
+                            <a:solidFill>
+                              <a:schemeClr val="tx1"/>
+                            </a:solidFill>
+                          </a:endParaRPr>
+                        </a:p>
+                      </a:txBody>
+                      <a:tcPr>
+                        <a:noFill/>
+                      </a:tcPr>
+                    </a:tc>
+                    <a:tc>
+                      <a:txBody>
+                        <a:bodyPr/>
+                        <a:lstStyle/>
+                        <a:p>
+                          <a:r>
+                            <a:rPr lang="en-US" b="1" dirty="0" smtClean="0">
+                              <a:solidFill>
+                                <a:schemeClr val="tx1"/>
+                              </a:solidFill>
+                            </a:rPr>
+                            <a:t>Independent</a:t>
+                          </a:r>
+                          <a:endParaRPr lang="en-GB" b="1" dirty="0">
+                            <a:solidFill>
+                              <a:schemeClr val="tx1"/>
+                            </a:solidFill>
+                          </a:endParaRPr>
+                        </a:p>
+                      </a:txBody>
+                      <a:tcPr>
+                        <a:noFill/>
+                      </a:tcPr>
+                    </a:tc>
+                    <a:tc>
+                      <a:txBody>
+                        <a:bodyPr/>
+                        <a:lstStyle/>
+                        <a:p>
+                          <a:r>
+                            <a:rPr lang="en-US" b="1" dirty="0" smtClean="0">
+                              <a:solidFill>
+                                <a:schemeClr val="tx1"/>
+                              </a:solidFill>
+                            </a:rPr>
+                            <a:t>Smoothed</a:t>
+                          </a:r>
+                          <a:endParaRPr lang="en-GB" b="1" dirty="0">
+                            <a:solidFill>
+                              <a:schemeClr val="tx1"/>
+                            </a:solidFill>
+                          </a:endParaRPr>
+                        </a:p>
+                      </a:txBody>
+                      <a:tcPr>
+                        <a:noFill/>
+                      </a:tcPr>
+                    </a:tc>
+                    <a:extLst>
+                      <a:ext uri="{0D108BD9-81ED-4DB2-BD59-A6C34878D82A}">
+                        <a16:rowId xmlns:a16="http://schemas.microsoft.com/office/drawing/2014/main" val="3786578407"/>
+                      </a:ext>
+                    </a:extLst>
+                  </a:tr>
+                  <a:tr h="370840">
+                    <a:tc vMerge="1">
+                      <a:txBody>
+                        <a:bodyPr/>
+                        <a:lstStyle/>
+                        <a:p>
+                          <a:endParaRPr lang="en-GB"/>
+                        </a:p>
+                      </a:txBody>
+                      <a:tcPr>
+                        <a:noFill/>
+                      </a:tcPr>
+                    </a:tc>
+                    <a:tc>
+                      <a:txBody>
+                        <a:bodyPr/>
+                        <a:lstStyle/>
+                        <a:p>
+                          <a:r>
+                            <a:rPr lang="en-US" b="1" dirty="0" smtClean="0">
+                              <a:solidFill>
+                                <a:schemeClr val="tx1"/>
+                              </a:solidFill>
+                            </a:rPr>
+                            <a:t>None</a:t>
+                          </a:r>
+                          <a:endParaRPr lang="en-GB" b="1" dirty="0">
+                            <a:solidFill>
+                              <a:schemeClr val="tx1"/>
+                            </a:solidFill>
+                          </a:endParaRPr>
+                        </a:p>
+                      </a:txBody>
+                      <a:tcPr>
+                        <a:noFill/>
+                      </a:tcPr>
+                    </a:tc>
+                    <a:tc>
+                      <a:txBody>
+                        <a:bodyPr/>
+                        <a:lstStyle/>
+                        <a:p>
+                          <a:endParaRPr lang="en-US"/>
+                        </a:p>
+                      </a:txBody>
+                      <a:tcPr>
+                        <a:blipFill>
+                          <a:blip r:embed="rId2"/>
+                          <a:stretch>
+                            <a:fillRect l="-110479" t="-208197" r="-208982" b="-391803"/>
+                          </a:stretch>
+                        </a:blipFill>
+                      </a:tcPr>
+                    </a:tc>
+                    <a:tc>
+                      <a:txBody>
+                        <a:bodyPr/>
+                        <a:lstStyle/>
+                        <a:p>
+                          <a:endParaRPr lang="en-US"/>
+                        </a:p>
+                      </a:txBody>
+                      <a:tcPr>
+                        <a:blipFill>
+                          <a:blip r:embed="rId2"/>
+                          <a:stretch>
+                            <a:fillRect l="-204360" t="-208197" r="-102907" b="-391803"/>
+                          </a:stretch>
+                        </a:blipFill>
+                      </a:tcPr>
+                    </a:tc>
+                    <a:tc>
+                      <a:txBody>
+                        <a:bodyPr/>
+                        <a:lstStyle/>
+                        <a:p>
+                          <a:endParaRPr lang="en-US"/>
+                        </a:p>
+                      </a:txBody>
+                      <a:tcPr>
+                        <a:blipFill>
+                          <a:blip r:embed="rId2"/>
+                          <a:stretch>
+                            <a:fillRect l="-299143" t="-208197" r="-1143" b="-391803"/>
+                          </a:stretch>
+                        </a:blipFill>
+                      </a:tcPr>
+                    </a:tc>
+                    <a:extLst>
+                      <a:ext uri="{0D108BD9-81ED-4DB2-BD59-A6C34878D82A}">
+                        <a16:rowId xmlns:a16="http://schemas.microsoft.com/office/drawing/2014/main" val="4250802862"/>
+                      </a:ext>
+                    </a:extLst>
+                  </a:tr>
+                  <a:tr h="637540">
+                    <a:tc vMerge="1">
+                      <a:txBody>
+                        <a:bodyPr/>
+                        <a:lstStyle/>
+                        <a:p>
+                          <a:endParaRPr lang="en-GB"/>
+                        </a:p>
+                      </a:txBody>
+                      <a:tcPr>
+                        <a:noFill/>
+                      </a:tcPr>
+                    </a:tc>
+                    <a:tc>
+                      <a:txBody>
+                        <a:bodyPr/>
+                        <a:lstStyle/>
+                        <a:p>
+                          <a:r>
+                            <a:rPr lang="en-US" b="1" dirty="0" smtClean="0">
+                              <a:solidFill>
+                                <a:schemeClr val="tx1"/>
+                              </a:solidFill>
+                            </a:rPr>
+                            <a:t>Independent</a:t>
+                          </a:r>
+                          <a:endParaRPr lang="en-GB" b="1" dirty="0">
+                            <a:solidFill>
+                              <a:schemeClr val="tx1"/>
+                            </a:solidFill>
+                          </a:endParaRPr>
+                        </a:p>
+                      </a:txBody>
+                      <a:tcPr>
+                        <a:noFill/>
+                      </a:tcPr>
+                    </a:tc>
+                    <a:tc>
+                      <a:txBody>
+                        <a:bodyPr/>
+                        <a:lstStyle/>
+                        <a:p>
+                          <a:endParaRPr lang="en-US"/>
+                        </a:p>
+                      </a:txBody>
+                      <a:tcPr>
+                        <a:blipFill>
+                          <a:blip r:embed="rId2"/>
+                          <a:stretch>
+                            <a:fillRect l="-110479" t="-179048" r="-208982" b="-127619"/>
+                          </a:stretch>
+                        </a:blipFill>
+                      </a:tcPr>
+                    </a:tc>
+                    <a:tc>
+                      <a:txBody>
+                        <a:bodyPr/>
+                        <a:lstStyle/>
+                        <a:p>
+                          <a:endParaRPr lang="en-US"/>
+                        </a:p>
+                      </a:txBody>
+                      <a:tcPr>
+                        <a:blipFill>
+                          <a:blip r:embed="rId2"/>
+                          <a:stretch>
+                            <a:fillRect l="-204360" t="-179048" r="-102907" b="-127619"/>
+                          </a:stretch>
+                        </a:blipFill>
+                      </a:tcPr>
+                    </a:tc>
+                    <a:tc>
+                      <a:txBody>
+                        <a:bodyPr/>
+                        <a:lstStyle/>
+                        <a:p>
+                          <a:endParaRPr lang="en-US"/>
+                        </a:p>
+                      </a:txBody>
+                      <a:tcPr>
+                        <a:blipFill>
+                          <a:blip r:embed="rId2"/>
+                          <a:stretch>
+                            <a:fillRect l="-299143" t="-179048" r="-1143" b="-127619"/>
+                          </a:stretch>
+                        </a:blipFill>
+                      </a:tcPr>
+                    </a:tc>
+                    <a:extLst>
+                      <a:ext uri="{0D108BD9-81ED-4DB2-BD59-A6C34878D82A}">
+                        <a16:rowId xmlns:a16="http://schemas.microsoft.com/office/drawing/2014/main" val="493528068"/>
+                      </a:ext>
+                    </a:extLst>
+                  </a:tr>
+                  <a:tr h="422847">
+                    <a:tc vMerge="1">
+                      <a:txBody>
+                        <a:bodyPr/>
+                        <a:lstStyle/>
+                        <a:p>
+                          <a:endParaRPr lang="en-GB" dirty="0"/>
+                        </a:p>
+                      </a:txBody>
+                      <a:tcPr>
+                        <a:noFill/>
+                      </a:tcPr>
+                    </a:tc>
+                    <a:tc>
+                      <a:txBody>
+                        <a:bodyPr/>
+                        <a:lstStyle/>
+                        <a:p>
+                          <a:r>
+                            <a:rPr lang="en-US" b="1" dirty="0" smtClean="0">
+                              <a:solidFill>
+                                <a:schemeClr val="tx1"/>
+                              </a:solidFill>
+                            </a:rPr>
+                            <a:t>Smoothed</a:t>
+                          </a:r>
+                          <a:endParaRPr lang="en-GB" b="1" dirty="0">
+                            <a:solidFill>
+                              <a:schemeClr val="tx1"/>
+                            </a:solidFill>
+                          </a:endParaRPr>
+                        </a:p>
+                      </a:txBody>
+                      <a:tcPr>
+                        <a:noFill/>
+                      </a:tcPr>
+                    </a:tc>
+                    <a:tc>
+                      <a:txBody>
+                        <a:bodyPr/>
+                        <a:lstStyle/>
+                        <a:p>
+                          <a:endParaRPr lang="en-US"/>
+                        </a:p>
+                      </a:txBody>
+                      <a:tcPr>
+                        <a:blipFill>
+                          <a:blip r:embed="rId2"/>
+                          <a:stretch>
+                            <a:fillRect l="-110479" t="-424638" r="-208982" b="-94203"/>
+                          </a:stretch>
+                        </a:blipFill>
+                      </a:tcPr>
+                    </a:tc>
+                    <a:tc>
+                      <a:txBody>
+                        <a:bodyPr/>
+                        <a:lstStyle/>
+                        <a:p>
+                          <a:endParaRPr lang="en-US"/>
+                        </a:p>
+                      </a:txBody>
+                      <a:tcPr>
+                        <a:blipFill>
+                          <a:blip r:embed="rId2"/>
+                          <a:stretch>
+                            <a:fillRect l="-204360" t="-424638" r="-102907" b="-94203"/>
+                          </a:stretch>
+                        </a:blipFill>
+                      </a:tcPr>
+                    </a:tc>
+                    <a:tc>
+                      <a:txBody>
+                        <a:bodyPr/>
+                        <a:lstStyle/>
+                        <a:p>
+                          <a:endParaRPr lang="en-US"/>
+                        </a:p>
+                      </a:txBody>
+                      <a:tcPr>
+                        <a:blipFill>
+                          <a:blip r:embed="rId2"/>
+                          <a:stretch>
+                            <a:fillRect l="-299143" t="-424638" r="-1143" b="-94203"/>
+                          </a:stretch>
+                        </a:blipFill>
+                      </a:tcPr>
+                    </a:tc>
+                    <a:extLst>
+                      <a:ext uri="{0D108BD9-81ED-4DB2-BD59-A6C34878D82A}">
+                        <a16:rowId xmlns:a16="http://schemas.microsoft.com/office/drawing/2014/main" val="760499547"/>
+                      </a:ext>
+                    </a:extLst>
+                  </a:tr>
+                </a:tbl>
+              </a:graphicData>
+            </a:graphic>
+          </p:graphicFrame>
+        </mc:Fallback>
+      </mc:AlternateContent>
+      <mc:AlternateContent xmlns:mc="http://schemas.openxmlformats.org/markup-compatibility/2006" xmlns:a14="http://schemas.microsoft.com/office/drawing/2010/main">
+        <mc:Choice Requires="a14">
+          <p:graphicFrame>
+            <p:nvGraphicFramePr>
+              <p:cNvPr id="6" name="Table 5"/>
+              <p:cNvGraphicFramePr>
+                <a:graphicFrameLocks noGrp="1"/>
+              </p:cNvGraphicFramePr>
+              <p:nvPr>
+                <p:extLst/>
+              </p:nvPr>
+            </p:nvGraphicFramePr>
+            <p:xfrm>
+              <a:off x="321870" y="4329176"/>
+              <a:ext cx="8500260" cy="2271967"/>
+            </p:xfrm>
+            <a:graphic>
+              <a:graphicData uri="http://schemas.openxmlformats.org/drawingml/2006/table">
+                <a:tbl>
+                  <a:tblPr firstRow="1" bandRow="1">
+                    <a:tableStyleId>{5C22544A-7EE6-4342-B048-85BDC9FD1C3A}</a:tableStyleId>
+                  </a:tblPr>
+                  <a:tblGrid>
+                    <a:gridCol w="782725">
+                      <a:extLst>
+                        <a:ext uri="{9D8B030D-6E8A-4147-A177-3AD203B41FA5}">
+                          <a16:colId xmlns:a16="http://schemas.microsoft.com/office/drawing/2014/main" val="1044793742"/>
+                        </a:ext>
+                      </a:extLst>
+                    </a:gridCol>
+                    <a:gridCol w="1455725">
+                      <a:extLst>
+                        <a:ext uri="{9D8B030D-6E8A-4147-A177-3AD203B41FA5}">
+                          <a16:colId xmlns:a16="http://schemas.microsoft.com/office/drawing/2014/main" val="1247232197"/>
+                        </a:ext>
+                      </a:extLst>
+                    </a:gridCol>
+                    <a:gridCol w="2033626">
+                      <a:extLst>
+                        <a:ext uri="{9D8B030D-6E8A-4147-A177-3AD203B41FA5}">
+                          <a16:colId xmlns:a16="http://schemas.microsoft.com/office/drawing/2014/main" val="2025888858"/>
+                        </a:ext>
+                      </a:extLst>
+                    </a:gridCol>
+                    <a:gridCol w="2099462">
+                      <a:extLst>
+                        <a:ext uri="{9D8B030D-6E8A-4147-A177-3AD203B41FA5}">
+                          <a16:colId xmlns:a16="http://schemas.microsoft.com/office/drawing/2014/main" val="2119540534"/>
+                        </a:ext>
+                      </a:extLst>
+                    </a:gridCol>
+                    <a:gridCol w="2128722">
+                      <a:extLst>
+                        <a:ext uri="{9D8B030D-6E8A-4147-A177-3AD203B41FA5}">
+                          <a16:colId xmlns:a16="http://schemas.microsoft.com/office/drawing/2014/main" val="2262901501"/>
+                        </a:ext>
+                      </a:extLst>
+                    </a:gridCol>
+                  </a:tblGrid>
+                  <a:tr h="370840">
+                    <a:tc>
+                      <a:txBody>
+                        <a:bodyPr/>
+                        <a:lstStyle/>
+                        <a:p>
+                          <a:endParaRPr lang="en-GB" b="1" dirty="0">
+                            <a:solidFill>
+                              <a:schemeClr val="tx1"/>
+                            </a:solidFill>
+                          </a:endParaRPr>
+                        </a:p>
+                      </a:txBody>
+                      <a:tcPr>
+                        <a:noFill/>
+                      </a:tcPr>
+                    </a:tc>
+                    <a:tc gridSpan="4">
+                      <a:txBody>
+                        <a:bodyPr/>
+                        <a:lstStyle/>
+                        <a:p>
+                          <a:pPr algn="ctr"/>
+                          <a:r>
+                            <a:rPr lang="en-US" b="1" dirty="0" smtClean="0">
+                              <a:solidFill>
+                                <a:schemeClr val="tx1"/>
+                              </a:solidFill>
+                            </a:rPr>
+                            <a:t>Temporal effect</a:t>
+                          </a:r>
+                          <a:endParaRPr lang="en-GB" b="1" dirty="0">
+                            <a:solidFill>
+                              <a:schemeClr val="tx1"/>
+                            </a:solidFill>
+                          </a:endParaRPr>
+                        </a:p>
+                      </a:txBody>
+                      <a:tcPr>
+                        <a:noFill/>
+                      </a:tcPr>
+                    </a:tc>
+                    <a:tc hMerge="1">
+                      <a:txBody>
+                        <a:bodyPr/>
+                        <a:lstStyle/>
+                        <a:p>
+                          <a:endParaRPr lang="en-GB"/>
+                        </a:p>
+                      </a:txBody>
+                      <a:tcPr>
+                        <a:noFill/>
+                      </a:tcPr>
+                    </a:tc>
+                    <a:tc hMerge="1">
+                      <a:txBody>
+                        <a:bodyPr/>
+                        <a:lstStyle/>
+                        <a:p>
+                          <a:endParaRPr lang="en-GB"/>
+                        </a:p>
+                      </a:txBody>
+                      <a:tcPr>
+                        <a:noFill/>
+                      </a:tcPr>
+                    </a:tc>
+                    <a:tc hMerge="1">
+                      <a:txBody>
+                        <a:bodyPr/>
+                        <a:lstStyle/>
+                        <a:p>
+                          <a:endParaRPr lang="en-GB"/>
+                        </a:p>
+                      </a:txBody>
+                      <a:tcPr>
+                        <a:noFill/>
+                      </a:tcPr>
+                    </a:tc>
+                    <a:extLst>
+                      <a:ext uri="{0D108BD9-81ED-4DB2-BD59-A6C34878D82A}">
+                        <a16:rowId xmlns:a16="http://schemas.microsoft.com/office/drawing/2014/main" val="4149236068"/>
+                      </a:ext>
+                    </a:extLst>
+                  </a:tr>
+                  <a:tr h="370840">
+                    <a:tc rowSpan="4">
+                      <a:txBody>
+                        <a:bodyPr/>
+                        <a:lstStyle/>
+                        <a:p>
+                          <a:pPr algn="ctr"/>
+                          <a:r>
+                            <a:rPr lang="en-US" b="1" dirty="0" err="1" smtClean="0">
+                              <a:solidFill>
+                                <a:schemeClr val="tx1"/>
+                              </a:solidFill>
+                            </a:rPr>
+                            <a:t>Spatio</a:t>
+                          </a:r>
+                          <a:r>
+                            <a:rPr lang="en-US" b="1" dirty="0" smtClean="0">
+                              <a:solidFill>
+                                <a:schemeClr val="tx1"/>
+                              </a:solidFill>
+                            </a:rPr>
+                            <a:t>-temporal</a:t>
+                          </a:r>
+                          <a:r>
+                            <a:rPr lang="en-US" b="1" baseline="0" dirty="0" smtClean="0">
+                              <a:solidFill>
+                                <a:schemeClr val="tx1"/>
+                              </a:solidFill>
+                            </a:rPr>
+                            <a:t> effect</a:t>
+                          </a:r>
+                          <a:endParaRPr lang="en-GB" b="1" dirty="0">
+                            <a:solidFill>
+                              <a:schemeClr val="tx1"/>
+                            </a:solidFill>
+                          </a:endParaRPr>
+                        </a:p>
+                      </a:txBody>
+                      <a:tcPr vert="vert270">
+                        <a:noFill/>
+                      </a:tcPr>
+                    </a:tc>
+                    <a:tc>
+                      <a:txBody>
+                        <a:bodyPr/>
+                        <a:lstStyle/>
+                        <a:p>
+                          <a:endParaRPr lang="en-GB" b="1" dirty="0">
+                            <a:solidFill>
+                              <a:schemeClr val="tx1"/>
+                            </a:solidFill>
+                          </a:endParaRPr>
+                        </a:p>
+                      </a:txBody>
+                      <a:tcPr>
+                        <a:noFill/>
+                      </a:tcPr>
+                    </a:tc>
+                    <a:tc>
+                      <a:txBody>
+                        <a:bodyPr/>
+                        <a:lstStyle/>
+                        <a:p>
+                          <a:r>
+                            <a:rPr lang="en-US" b="1" dirty="0" smtClean="0">
+                              <a:solidFill>
+                                <a:schemeClr val="tx1"/>
+                              </a:solidFill>
+                            </a:rPr>
+                            <a:t>None</a:t>
+                          </a:r>
+                          <a:endParaRPr lang="en-GB" b="1" dirty="0">
+                            <a:solidFill>
+                              <a:schemeClr val="tx1"/>
+                            </a:solidFill>
+                          </a:endParaRPr>
+                        </a:p>
+                      </a:txBody>
+                      <a:tcPr>
+                        <a:noFill/>
+                      </a:tcPr>
+                    </a:tc>
+                    <a:tc>
+                      <a:txBody>
+                        <a:bodyPr/>
+                        <a:lstStyle/>
+                        <a:p>
+                          <a:r>
+                            <a:rPr lang="en-US" b="1" dirty="0" smtClean="0">
+                              <a:solidFill>
+                                <a:schemeClr val="tx1"/>
+                              </a:solidFill>
+                            </a:rPr>
+                            <a:t>Independent</a:t>
+                          </a:r>
+                          <a:endParaRPr lang="en-GB" b="1" dirty="0">
+                            <a:solidFill>
+                              <a:schemeClr val="tx1"/>
+                            </a:solidFill>
+                          </a:endParaRPr>
+                        </a:p>
+                      </a:txBody>
+                      <a:tcPr>
+                        <a:noFill/>
+                      </a:tcPr>
+                    </a:tc>
+                    <a:tc>
+                      <a:txBody>
+                        <a:bodyPr/>
+                        <a:lstStyle/>
+                        <a:p>
+                          <a:r>
+                            <a:rPr lang="en-US" b="1" dirty="0" smtClean="0">
+                              <a:solidFill>
+                                <a:schemeClr val="tx1"/>
+                              </a:solidFill>
+                            </a:rPr>
+                            <a:t>Smoothed</a:t>
+                          </a:r>
+                          <a:endParaRPr lang="en-GB" b="1" dirty="0">
+                            <a:solidFill>
+                              <a:schemeClr val="tx1"/>
+                            </a:solidFill>
+                          </a:endParaRPr>
+                        </a:p>
+                      </a:txBody>
+                      <a:tcPr>
+                        <a:noFill/>
+                      </a:tcPr>
+                    </a:tc>
+                    <a:extLst>
+                      <a:ext uri="{0D108BD9-81ED-4DB2-BD59-A6C34878D82A}">
+                        <a16:rowId xmlns:a16="http://schemas.microsoft.com/office/drawing/2014/main" val="3786578407"/>
+                      </a:ext>
+                    </a:extLst>
+                  </a:tr>
+                  <a:tr h="370840">
+                    <a:tc vMerge="1">
+                      <a:txBody>
+                        <a:bodyPr/>
+                        <a:lstStyle/>
+                        <a:p>
+                          <a:endParaRPr lang="en-GB"/>
+                        </a:p>
+                      </a:txBody>
+                      <a:tcPr>
+                        <a:noFill/>
+                      </a:tcPr>
+                    </a:tc>
+                    <a:tc>
+                      <a:txBody>
+                        <a:bodyPr/>
+                        <a:lstStyle/>
+                        <a:p>
+                          <a:r>
+                            <a:rPr lang="en-US" b="1" dirty="0" smtClean="0">
+                              <a:solidFill>
+                                <a:schemeClr val="tx1"/>
+                              </a:solidFill>
+                            </a:rPr>
+                            <a:t>None</a:t>
+                          </a:r>
+                          <a:endParaRPr lang="en-GB" b="1" dirty="0">
+                            <a:solidFill>
+                              <a:schemeClr val="tx1"/>
+                            </a:solidFill>
+                          </a:endParaRPr>
+                        </a:p>
+                      </a:txBody>
+                      <a:tcPr>
+                        <a:noFill/>
+                      </a:tcPr>
+                    </a:tc>
+                    <a:tc>
+                      <a:txBody>
+                        <a:bodyPr/>
+                        <a:lstStyle/>
+                        <a:p>
+                          <a:pPr marL="0" marR="0" indent="0" algn="l" defTabSz="914400" rtl="0" eaLnBrk="1" fontAlgn="auto" latinLnBrk="0" hangingPunct="1">
+                            <a:lnSpc>
+                              <a:spcPct val="100000"/>
+                            </a:lnSpc>
+                            <a:spcBef>
+                              <a:spcPts val="0"/>
+                            </a:spcBef>
+                            <a:spcAft>
+                              <a:spcPts val="0"/>
+                            </a:spcAft>
+                            <a:buClrTx/>
+                            <a:buSzTx/>
+                            <a:buFontTx/>
+                            <a:buNone/>
+                            <a:tabLst/>
+                            <a:defRPr/>
+                          </a:pPr>
+                          <a14:m>
+                            <m:oMathPara xmlns:m="http://schemas.openxmlformats.org/officeDocument/2006/math">
+                              <m:oMathParaPr>
+                                <m:jc m:val="centerGroup"/>
+                              </m:oMathParaPr>
+                              <m:oMath xmlns:m="http://schemas.openxmlformats.org/officeDocument/2006/math">
+                                <m:r>
+                                  <m:rPr>
+                                    <m:sty m:val="p"/>
+                                  </m:rPr>
+                                  <a:rPr lang="en-US" sz="1100" i="1" smtClean="0">
+                                    <a:latin typeface="Cambria Math" panose="02040503050406030204" pitchFamily="18" charset="0"/>
+                                    <a:ea typeface="Cambria Math" panose="02040503050406030204" pitchFamily="18" charset="0"/>
+                                  </a:rPr>
+                                  <m:t>gam</m:t>
+                                </m:r>
+                                <m:d>
+                                  <m:dPr>
+                                    <m:ctrlPr>
+                                      <a:rPr lang="en-US" sz="1100" i="1">
+                                        <a:latin typeface="Cambria Math" panose="02040503050406030204" pitchFamily="18" charset="0"/>
+                                        <a:ea typeface="Cambria Math" panose="02040503050406030204" pitchFamily="18" charset="0"/>
+                                      </a:rPr>
+                                    </m:ctrlPr>
+                                  </m:dPr>
+                                  <m:e>
+                                    <m:r>
+                                      <a:rPr lang="en-US" sz="1100" i="1">
+                                        <a:latin typeface="Cambria Math" panose="02040503050406030204" pitchFamily="18" charset="0"/>
+                                        <a:ea typeface="Cambria Math" panose="02040503050406030204" pitchFamily="18" charset="0"/>
+                                      </a:rPr>
+                                      <m:t>𝑐</m:t>
+                                    </m:r>
+                                    <m:r>
+                                      <a:rPr lang="en-US" sz="1100" i="1">
+                                        <a:latin typeface="Cambria Math" panose="02040503050406030204" pitchFamily="18" charset="0"/>
+                                        <a:ea typeface="Cambria Math" panose="02040503050406030204" pitchFamily="18" charset="0"/>
+                                      </a:rPr>
+                                      <m:t> ~ 1+</m:t>
+                                    </m:r>
+                                    <m:r>
+                                      <a:rPr lang="en-US" sz="1100" b="0" i="1" smtClean="0">
+                                        <a:latin typeface="Cambria Math" panose="02040503050406030204" pitchFamily="18" charset="0"/>
+                                        <a:ea typeface="Cambria Math" panose="02040503050406030204" pitchFamily="18" charset="0"/>
+                                      </a:rPr>
+                                      <m:t>𝑠</m:t>
+                                    </m:r>
+                                    <m:r>
+                                      <a:rPr lang="en-US" sz="1100" b="0" i="1" smtClean="0">
+                                        <a:latin typeface="Cambria Math" panose="02040503050406030204" pitchFamily="18" charset="0"/>
+                                        <a:ea typeface="Cambria Math" panose="02040503050406030204" pitchFamily="18" charset="0"/>
+                                      </a:rPr>
+                                      <m:t>(</m:t>
+                                    </m:r>
+                                    <m:r>
+                                      <a:rPr lang="en-US" sz="1100" b="0" i="1" smtClean="0">
+                                        <a:latin typeface="Cambria Math" panose="02040503050406030204" pitchFamily="18" charset="0"/>
+                                        <a:ea typeface="Cambria Math" panose="02040503050406030204" pitchFamily="18" charset="0"/>
+                                      </a:rPr>
+                                      <m:t>𝑥</m:t>
+                                    </m:r>
+                                    <m:r>
+                                      <a:rPr lang="en-US" sz="1100" b="0" i="1" smtClean="0">
+                                        <a:latin typeface="Cambria Math" panose="02040503050406030204" pitchFamily="18" charset="0"/>
+                                        <a:ea typeface="Cambria Math" panose="02040503050406030204" pitchFamily="18" charset="0"/>
+                                      </a:rPr>
+                                      <m:t>,</m:t>
+                                    </m:r>
+                                    <m:r>
+                                      <a:rPr lang="en-US" sz="1100" b="0" i="1" smtClean="0">
+                                        <a:latin typeface="Cambria Math" panose="02040503050406030204" pitchFamily="18" charset="0"/>
+                                        <a:ea typeface="Cambria Math" panose="02040503050406030204" pitchFamily="18" charset="0"/>
+                                      </a:rPr>
+                                      <m:t>𝑦</m:t>
+                                    </m:r>
+                                    <m:r>
+                                      <a:rPr lang="en-US" sz="1100" b="0" i="1" smtClean="0">
+                                        <a:latin typeface="Cambria Math" panose="02040503050406030204" pitchFamily="18" charset="0"/>
+                                        <a:ea typeface="Cambria Math" panose="02040503050406030204" pitchFamily="18" charset="0"/>
+                                      </a:rPr>
+                                      <m:t>)</m:t>
+                                    </m:r>
+                                  </m:e>
+                                </m:d>
+                                <m:r>
+                                  <a:rPr lang="en-US" sz="1100" i="1">
+                                    <a:latin typeface="Cambria Math" panose="02040503050406030204" pitchFamily="18" charset="0"/>
+                                    <a:ea typeface="Cambria Math" panose="02040503050406030204" pitchFamily="18" charset="0"/>
+                                  </a:rPr>
+                                  <m:t> </m:t>
+                                </m:r>
+                              </m:oMath>
+                            </m:oMathPara>
+                          </a14:m>
+                          <a:endParaRPr lang="en-US" sz="1100" i="1" dirty="0">
+                            <a:latin typeface="Cambria Math" panose="02040503050406030204" pitchFamily="18" charset="0"/>
+                            <a:ea typeface="Cambria Math" panose="02040503050406030204" pitchFamily="18" charset="0"/>
+                          </a:endParaRPr>
+                        </a:p>
+                      </a:txBody>
+                      <a:tcPr>
+                        <a:noFill/>
+                      </a:tcPr>
+                    </a:tc>
+                    <a:tc>
+                      <a:txBody>
+                        <a:bodyPr/>
+                        <a:lstStyle/>
+                        <a:p>
+                          <a:pPr marL="0" marR="0" indent="0" algn="l" defTabSz="914400" rtl="0" eaLnBrk="1" fontAlgn="auto" latinLnBrk="0" hangingPunct="1">
+                            <a:lnSpc>
+                              <a:spcPct val="100000"/>
+                            </a:lnSpc>
+                            <a:spcBef>
+                              <a:spcPts val="0"/>
+                            </a:spcBef>
+                            <a:spcAft>
+                              <a:spcPts val="0"/>
+                            </a:spcAft>
+                            <a:buClrTx/>
+                            <a:buSzTx/>
+                            <a:buFontTx/>
+                            <a:buNone/>
+                            <a:tabLst/>
+                            <a:defRPr/>
+                          </a:pPr>
+                          <a14:m>
+                            <m:oMathPara xmlns:m="http://schemas.openxmlformats.org/officeDocument/2006/math">
+                              <m:oMathParaPr>
+                                <m:jc m:val="centerGroup"/>
+                              </m:oMathParaPr>
+                              <m:oMath xmlns:m="http://schemas.openxmlformats.org/officeDocument/2006/math">
+                                <m:r>
+                                  <m:rPr>
+                                    <m:sty m:val="p"/>
+                                  </m:rPr>
+                                  <a:rPr lang="en-US" sz="1100" i="1" smtClean="0">
+                                    <a:latin typeface="Cambria Math" panose="02040503050406030204" pitchFamily="18" charset="0"/>
+                                    <a:ea typeface="Cambria Math" panose="02040503050406030204" pitchFamily="18" charset="0"/>
+                                  </a:rPr>
+                                  <m:t>gam</m:t>
+                                </m:r>
+                                <m:d>
+                                  <m:dPr>
+                                    <m:ctrlPr>
+                                      <a:rPr lang="en-US" sz="1100" i="1">
+                                        <a:latin typeface="Cambria Math" panose="02040503050406030204" pitchFamily="18" charset="0"/>
+                                        <a:ea typeface="Cambria Math" panose="02040503050406030204" pitchFamily="18" charset="0"/>
+                                      </a:rPr>
+                                    </m:ctrlPr>
+                                  </m:dPr>
+                                  <m:e>
+                                    <m:r>
+                                      <a:rPr lang="en-US" sz="1100" i="1">
+                                        <a:latin typeface="Cambria Math" panose="02040503050406030204" pitchFamily="18" charset="0"/>
+                                        <a:ea typeface="Cambria Math" panose="02040503050406030204" pitchFamily="18" charset="0"/>
+                                      </a:rPr>
+                                      <m:t>𝑐</m:t>
+                                    </m:r>
+                                    <m:r>
+                                      <a:rPr lang="en-US" sz="1100" i="1">
+                                        <a:latin typeface="Cambria Math" panose="02040503050406030204" pitchFamily="18" charset="0"/>
+                                        <a:ea typeface="Cambria Math" panose="02040503050406030204" pitchFamily="18" charset="0"/>
+                                      </a:rPr>
+                                      <m:t> ~ 1+</m:t>
+                                    </m:r>
+                                    <m:r>
+                                      <a:rPr lang="en-US" sz="1100" b="0" i="1" smtClean="0">
+                                        <a:latin typeface="Cambria Math" panose="02040503050406030204" pitchFamily="18" charset="0"/>
+                                        <a:ea typeface="Cambria Math" panose="02040503050406030204" pitchFamily="18" charset="0"/>
+                                      </a:rPr>
+                                      <m:t>𝑠</m:t>
+                                    </m:r>
+                                    <m:r>
+                                      <a:rPr lang="en-US" sz="1100" b="0" i="1" smtClean="0">
+                                        <a:latin typeface="Cambria Math" panose="02040503050406030204" pitchFamily="18" charset="0"/>
+                                        <a:ea typeface="Cambria Math" panose="02040503050406030204" pitchFamily="18" charset="0"/>
+                                      </a:rPr>
+                                      <m:t>(</m:t>
+                                    </m:r>
+                                    <m:r>
+                                      <a:rPr lang="en-US" sz="1100" b="0" i="1" smtClean="0">
+                                        <a:latin typeface="Cambria Math" panose="02040503050406030204" pitchFamily="18" charset="0"/>
+                                        <a:ea typeface="Cambria Math" panose="02040503050406030204" pitchFamily="18" charset="0"/>
+                                      </a:rPr>
+                                      <m:t>𝑥</m:t>
+                                    </m:r>
+                                    <m:r>
+                                      <a:rPr lang="en-US" sz="1100" b="0" i="1" smtClean="0">
+                                        <a:latin typeface="Cambria Math" panose="02040503050406030204" pitchFamily="18" charset="0"/>
+                                        <a:ea typeface="Cambria Math" panose="02040503050406030204" pitchFamily="18" charset="0"/>
+                                      </a:rPr>
+                                      <m:t>,</m:t>
+                                    </m:r>
+                                    <m:r>
+                                      <a:rPr lang="en-US" sz="1100" b="0" i="1" smtClean="0">
+                                        <a:latin typeface="Cambria Math" panose="02040503050406030204" pitchFamily="18" charset="0"/>
+                                        <a:ea typeface="Cambria Math" panose="02040503050406030204" pitchFamily="18" charset="0"/>
+                                      </a:rPr>
+                                      <m:t>𝑦</m:t>
+                                    </m:r>
+                                    <m:r>
+                                      <a:rPr lang="en-US" sz="1100" b="0" i="1" smtClean="0">
+                                        <a:latin typeface="Cambria Math" panose="02040503050406030204" pitchFamily="18" charset="0"/>
+                                        <a:ea typeface="Cambria Math" panose="02040503050406030204" pitchFamily="18" charset="0"/>
+                                      </a:rPr>
+                                      <m:t>)+</m:t>
+                                    </m:r>
+                                    <m:r>
+                                      <a:rPr lang="en-US" sz="1100" b="0" i="1" smtClean="0">
+                                        <a:latin typeface="Cambria Math" panose="02040503050406030204" pitchFamily="18" charset="0"/>
+                                        <a:ea typeface="Cambria Math" panose="02040503050406030204" pitchFamily="18" charset="0"/>
+                                      </a:rPr>
+                                      <m:t>𝑓𝑎𝑐𝑡𝑜𝑟</m:t>
+                                    </m:r>
+                                    <m:d>
+                                      <m:dPr>
+                                        <m:ctrlPr>
+                                          <a:rPr lang="en-US" sz="1100" i="1">
+                                            <a:latin typeface="Cambria Math" panose="02040503050406030204" pitchFamily="18" charset="0"/>
+                                            <a:ea typeface="Cambria Math" panose="02040503050406030204" pitchFamily="18" charset="0"/>
+                                          </a:rPr>
+                                        </m:ctrlPr>
+                                      </m:dPr>
+                                      <m:e>
+                                        <m:r>
+                                          <a:rPr lang="en-US" sz="1100" b="0" i="1" smtClean="0">
+                                            <a:latin typeface="Cambria Math" panose="02040503050406030204" pitchFamily="18" charset="0"/>
+                                            <a:ea typeface="Cambria Math" panose="02040503050406030204" pitchFamily="18" charset="0"/>
+                                          </a:rPr>
+                                          <m:t>𝑡</m:t>
+                                        </m:r>
+                                      </m:e>
+                                    </m:d>
+                                  </m:e>
+                                </m:d>
+                                <m:r>
+                                  <a:rPr lang="en-US" sz="1100" b="0" i="1" smtClean="0">
+                                    <a:latin typeface="Cambria Math" panose="02040503050406030204" pitchFamily="18" charset="0"/>
+                                    <a:ea typeface="Cambria Math" panose="02040503050406030204" pitchFamily="18" charset="0"/>
+                                  </a:rPr>
+                                  <m:t> </m:t>
+                                </m:r>
+                              </m:oMath>
+                            </m:oMathPara>
+                          </a14:m>
+                          <a:endParaRPr lang="en-US" sz="1100" b="0" i="1" dirty="0" smtClean="0">
+                            <a:latin typeface="Cambria Math" panose="02040503050406030204" pitchFamily="18" charset="0"/>
+                            <a:ea typeface="Cambria Math" panose="02040503050406030204" pitchFamily="18" charset="0"/>
+                          </a:endParaRPr>
+                        </a:p>
+                      </a:txBody>
+                      <a:tcPr>
+                        <a:noFill/>
+                      </a:tcPr>
+                    </a:tc>
+                    <a:tc>
+                      <a:txBody>
+                        <a:bodyPr/>
+                        <a:lstStyle/>
+                        <a:p>
+                          <a:pPr/>
+                          <a14:m>
+                            <m:oMathPara xmlns:m="http://schemas.openxmlformats.org/officeDocument/2006/math">
+                              <m:oMathParaPr>
+                                <m:jc m:val="centerGroup"/>
+                              </m:oMathParaPr>
+                              <m:oMath xmlns:m="http://schemas.openxmlformats.org/officeDocument/2006/math">
+                                <m:r>
+                                  <m:rPr>
+                                    <m:sty m:val="p"/>
+                                  </m:rPr>
+                                  <a:rPr lang="en-US" sz="1100" i="1" smtClean="0">
+                                    <a:latin typeface="Cambria Math" panose="02040503050406030204" pitchFamily="18" charset="0"/>
+                                    <a:ea typeface="Cambria Math" panose="02040503050406030204" pitchFamily="18" charset="0"/>
+                                  </a:rPr>
+                                  <m:t>gam</m:t>
+                                </m:r>
+                                <m:d>
+                                  <m:dPr>
+                                    <m:ctrlPr>
+                                      <a:rPr lang="en-US" sz="1100" i="1">
+                                        <a:latin typeface="Cambria Math" panose="02040503050406030204" pitchFamily="18" charset="0"/>
+                                        <a:ea typeface="Cambria Math" panose="02040503050406030204" pitchFamily="18" charset="0"/>
+                                      </a:rPr>
+                                    </m:ctrlPr>
+                                  </m:dPr>
+                                  <m:e>
+                                    <m:r>
+                                      <a:rPr lang="en-US" sz="1100" i="1">
+                                        <a:latin typeface="Cambria Math" panose="02040503050406030204" pitchFamily="18" charset="0"/>
+                                        <a:ea typeface="Cambria Math" panose="02040503050406030204" pitchFamily="18" charset="0"/>
+                                      </a:rPr>
+                                      <m:t>𝑐</m:t>
+                                    </m:r>
+                                    <m:r>
+                                      <a:rPr lang="en-US" sz="1100" i="1">
+                                        <a:latin typeface="Cambria Math" panose="02040503050406030204" pitchFamily="18" charset="0"/>
+                                        <a:ea typeface="Cambria Math" panose="02040503050406030204" pitchFamily="18" charset="0"/>
+                                      </a:rPr>
+                                      <m:t> ~1+</m:t>
+                                    </m:r>
+                                    <m:r>
+                                      <a:rPr lang="en-US" sz="1100" b="0" i="1" smtClean="0">
+                                        <a:latin typeface="Cambria Math" panose="02040503050406030204" pitchFamily="18" charset="0"/>
+                                        <a:ea typeface="Cambria Math" panose="02040503050406030204" pitchFamily="18" charset="0"/>
+                                      </a:rPr>
+                                      <m:t>𝑠</m:t>
+                                    </m:r>
+                                    <m:r>
+                                      <a:rPr lang="en-US" sz="1100" b="0" i="1" smtClean="0">
+                                        <a:latin typeface="Cambria Math" panose="02040503050406030204" pitchFamily="18" charset="0"/>
+                                        <a:ea typeface="Cambria Math" panose="02040503050406030204" pitchFamily="18" charset="0"/>
+                                      </a:rPr>
+                                      <m:t>(</m:t>
+                                    </m:r>
+                                    <m:r>
+                                      <a:rPr lang="en-US" sz="1100" b="0" i="1" smtClean="0">
+                                        <a:latin typeface="Cambria Math" panose="02040503050406030204" pitchFamily="18" charset="0"/>
+                                        <a:ea typeface="Cambria Math" panose="02040503050406030204" pitchFamily="18" charset="0"/>
+                                      </a:rPr>
+                                      <m:t>𝑥</m:t>
+                                    </m:r>
+                                    <m:r>
+                                      <a:rPr lang="en-US" sz="1100" b="0" i="1" smtClean="0">
+                                        <a:latin typeface="Cambria Math" panose="02040503050406030204" pitchFamily="18" charset="0"/>
+                                        <a:ea typeface="Cambria Math" panose="02040503050406030204" pitchFamily="18" charset="0"/>
+                                      </a:rPr>
+                                      <m:t>,</m:t>
+                                    </m:r>
+                                    <m:r>
+                                      <a:rPr lang="en-US" sz="1100" b="0" i="1" smtClean="0">
+                                        <a:latin typeface="Cambria Math" panose="02040503050406030204" pitchFamily="18" charset="0"/>
+                                        <a:ea typeface="Cambria Math" panose="02040503050406030204" pitchFamily="18" charset="0"/>
+                                      </a:rPr>
+                                      <m:t>𝑦</m:t>
+                                    </m:r>
+                                    <m:r>
+                                      <a:rPr lang="en-US" sz="1100" b="0" i="1" smtClean="0">
+                                        <a:latin typeface="Cambria Math" panose="02040503050406030204" pitchFamily="18" charset="0"/>
+                                        <a:ea typeface="Cambria Math" panose="02040503050406030204" pitchFamily="18" charset="0"/>
+                                      </a:rPr>
+                                      <m:t>)+</m:t>
+                                    </m:r>
+                                    <m:r>
+                                      <a:rPr lang="en-US" sz="1100" b="0" i="1" smtClean="0">
+                                        <a:latin typeface="Cambria Math" panose="02040503050406030204" pitchFamily="18" charset="0"/>
+                                        <a:ea typeface="Cambria Math" panose="02040503050406030204" pitchFamily="18" charset="0"/>
+                                      </a:rPr>
+                                      <m:t>𝑠</m:t>
+                                    </m:r>
+                                    <m:d>
+                                      <m:dPr>
+                                        <m:ctrlPr>
+                                          <a:rPr lang="en-US" sz="1100" i="1">
+                                            <a:latin typeface="Cambria Math" panose="02040503050406030204" pitchFamily="18" charset="0"/>
+                                            <a:ea typeface="Cambria Math" panose="02040503050406030204" pitchFamily="18" charset="0"/>
+                                          </a:rPr>
+                                        </m:ctrlPr>
+                                      </m:dPr>
+                                      <m:e>
+                                        <m:r>
+                                          <a:rPr lang="en-US" sz="1100" b="0" i="1" smtClean="0">
+                                            <a:latin typeface="Cambria Math" panose="02040503050406030204" pitchFamily="18" charset="0"/>
+                                            <a:ea typeface="Cambria Math" panose="02040503050406030204" pitchFamily="18" charset="0"/>
+                                          </a:rPr>
+                                          <m:t>𝑡</m:t>
+                                        </m:r>
+                                      </m:e>
+                                    </m:d>
+                                  </m:e>
+                                </m:d>
+                              </m:oMath>
+                            </m:oMathPara>
+                          </a14:m>
+                          <a:endParaRPr lang="en-GB" sz="1100" b="1" dirty="0">
+                            <a:solidFill>
+                              <a:schemeClr val="tx1"/>
+                            </a:solidFill>
+                          </a:endParaRPr>
+                        </a:p>
+                      </a:txBody>
+                      <a:tcPr>
+                        <a:noFill/>
+                      </a:tcPr>
+                    </a:tc>
+                    <a:extLst>
+                      <a:ext uri="{0D108BD9-81ED-4DB2-BD59-A6C34878D82A}">
+                        <a16:rowId xmlns:a16="http://schemas.microsoft.com/office/drawing/2014/main" val="4250802862"/>
+                      </a:ext>
+                    </a:extLst>
+                  </a:tr>
+                  <a:tr h="370840">
+                    <a:tc vMerge="1">
+                      <a:txBody>
+                        <a:bodyPr/>
+                        <a:lstStyle/>
+                        <a:p>
+                          <a:endParaRPr lang="en-GB"/>
+                        </a:p>
+                      </a:txBody>
+                      <a:tcPr>
+                        <a:noFill/>
+                      </a:tcPr>
+                    </a:tc>
+                    <a:tc>
+                      <a:txBody>
+                        <a:bodyPr/>
+                        <a:lstStyle/>
+                        <a:p>
+                          <a:r>
+                            <a:rPr lang="en-US" b="1" dirty="0" smtClean="0">
+                              <a:solidFill>
+                                <a:schemeClr val="tx1"/>
+                              </a:solidFill>
+                            </a:rPr>
+                            <a:t>Independent</a:t>
+                          </a:r>
+                          <a:endParaRPr lang="en-GB" b="1" dirty="0">
+                            <a:solidFill>
+                              <a:schemeClr val="tx1"/>
+                            </a:solidFill>
+                          </a:endParaRPr>
+                        </a:p>
+                      </a:txBody>
+                      <a:tcPr>
+                        <a:noFill/>
+                      </a:tcPr>
+                    </a:tc>
+                    <a:tc>
+                      <a:txBody>
+                        <a:bodyPr/>
+                        <a:lstStyle/>
+                        <a:p>
+                          <a:pPr/>
+                          <a14:m>
+                            <m:oMathPara xmlns:m="http://schemas.openxmlformats.org/officeDocument/2006/math">
+                              <m:oMathParaPr>
+                                <m:jc m:val="centerGroup"/>
+                              </m:oMathParaPr>
+                              <m:oMath xmlns:m="http://schemas.openxmlformats.org/officeDocument/2006/math">
+                                <m:r>
+                                  <m:rPr>
+                                    <m:sty m:val="p"/>
+                                  </m:rPr>
+                                  <a:rPr lang="en-US" sz="1100" i="1" smtClean="0">
+                                    <a:latin typeface="Cambria Math" panose="02040503050406030204" pitchFamily="18" charset="0"/>
+                                    <a:ea typeface="Cambria Math" panose="02040503050406030204" pitchFamily="18" charset="0"/>
+                                  </a:rPr>
+                                  <m:t>gam</m:t>
+                                </m:r>
+                                <m:d>
+                                  <m:dPr>
+                                    <m:ctrlPr>
+                                      <a:rPr lang="en-US" sz="1100" i="1">
+                                        <a:latin typeface="Cambria Math" panose="02040503050406030204" pitchFamily="18" charset="0"/>
+                                        <a:ea typeface="Cambria Math" panose="02040503050406030204" pitchFamily="18" charset="0"/>
+                                      </a:rPr>
+                                    </m:ctrlPr>
+                                  </m:dPr>
+                                  <m:e>
+                                    <m:r>
+                                      <a:rPr lang="en-US" sz="1100" i="1">
+                                        <a:latin typeface="Cambria Math" panose="02040503050406030204" pitchFamily="18" charset="0"/>
+                                        <a:ea typeface="Cambria Math" panose="02040503050406030204" pitchFamily="18" charset="0"/>
+                                      </a:rPr>
+                                      <m:t>𝑐</m:t>
+                                    </m:r>
+                                    <m:r>
+                                      <a:rPr lang="en-US" sz="1100" i="1">
+                                        <a:latin typeface="Cambria Math" panose="02040503050406030204" pitchFamily="18" charset="0"/>
+                                        <a:ea typeface="Cambria Math" panose="02040503050406030204" pitchFamily="18" charset="0"/>
+                                      </a:rPr>
+                                      <m:t> ~1+</m:t>
+                                    </m:r>
+                                    <m:r>
+                                      <a:rPr lang="en-US" sz="1100" b="0" i="1" smtClean="0">
+                                        <a:latin typeface="Cambria Math" panose="02040503050406030204" pitchFamily="18" charset="0"/>
+                                        <a:ea typeface="Cambria Math" panose="02040503050406030204" pitchFamily="18" charset="0"/>
+                                      </a:rPr>
+                                      <m:t>𝑠</m:t>
+                                    </m:r>
+                                    <m:r>
+                                      <a:rPr lang="en-US" sz="1100" b="0" i="1" smtClean="0">
+                                        <a:latin typeface="Cambria Math" panose="02040503050406030204" pitchFamily="18" charset="0"/>
+                                        <a:ea typeface="Cambria Math" panose="02040503050406030204" pitchFamily="18" charset="0"/>
+                                      </a:rPr>
+                                      <m:t>(</m:t>
+                                    </m:r>
+                                    <m:r>
+                                      <a:rPr lang="en-US" sz="1100" b="0" i="1" smtClean="0">
+                                        <a:latin typeface="Cambria Math" panose="02040503050406030204" pitchFamily="18" charset="0"/>
+                                        <a:ea typeface="Cambria Math" panose="02040503050406030204" pitchFamily="18" charset="0"/>
+                                      </a:rPr>
+                                      <m:t>𝑥</m:t>
+                                    </m:r>
+                                    <m:r>
+                                      <a:rPr lang="en-US" sz="1100" b="0" i="1" smtClean="0">
+                                        <a:latin typeface="Cambria Math" panose="02040503050406030204" pitchFamily="18" charset="0"/>
+                                        <a:ea typeface="Cambria Math" panose="02040503050406030204" pitchFamily="18" charset="0"/>
+                                      </a:rPr>
+                                      <m:t>,</m:t>
+                                    </m:r>
+                                    <m:r>
+                                      <a:rPr lang="en-US" sz="1100" b="0" i="1" smtClean="0">
+                                        <a:latin typeface="Cambria Math" panose="02040503050406030204" pitchFamily="18" charset="0"/>
+                                        <a:ea typeface="Cambria Math" panose="02040503050406030204" pitchFamily="18" charset="0"/>
+                                      </a:rPr>
+                                      <m:t>𝑦</m:t>
+                                    </m:r>
+                                    <m:r>
+                                      <a:rPr lang="en-US" sz="1100" b="0" i="1" smtClean="0">
+                                        <a:latin typeface="Cambria Math" panose="02040503050406030204" pitchFamily="18" charset="0"/>
+                                        <a:ea typeface="Cambria Math" panose="02040503050406030204" pitchFamily="18" charset="0"/>
+                                      </a:rPr>
+                                      <m:t>)+</m:t>
+                                    </m:r>
+                                    <m:r>
+                                      <a:rPr lang="en-US" sz="1100" i="1">
+                                        <a:latin typeface="Cambria Math" panose="02040503050406030204" pitchFamily="18" charset="0"/>
+                                        <a:ea typeface="Cambria Math" panose="02040503050406030204" pitchFamily="18" charset="0"/>
+                                      </a:rPr>
+                                      <m:t>𝑠</m:t>
+                                    </m:r>
+                                    <m:d>
+                                      <m:dPr>
+                                        <m:ctrlPr>
+                                          <a:rPr lang="en-US" sz="1100" i="1">
+                                            <a:latin typeface="Cambria Math" panose="02040503050406030204" pitchFamily="18" charset="0"/>
+                                            <a:ea typeface="Cambria Math" panose="02040503050406030204" pitchFamily="18" charset="0"/>
+                                          </a:rPr>
+                                        </m:ctrlPr>
+                                      </m:dPr>
+                                      <m:e>
+                                        <m:r>
+                                          <a:rPr lang="en-US" sz="1100" i="1">
+                                            <a:latin typeface="Cambria Math" panose="02040503050406030204" pitchFamily="18" charset="0"/>
+                                            <a:ea typeface="Cambria Math" panose="02040503050406030204" pitchFamily="18" charset="0"/>
+                                          </a:rPr>
+                                          <m:t>𝑥</m:t>
+                                        </m:r>
+                                        <m:r>
+                                          <a:rPr lang="en-US" sz="1100" i="1">
+                                            <a:latin typeface="Cambria Math" panose="02040503050406030204" pitchFamily="18" charset="0"/>
+                                            <a:ea typeface="Cambria Math" panose="02040503050406030204" pitchFamily="18" charset="0"/>
+                                          </a:rPr>
+                                          <m:t>, </m:t>
+                                        </m:r>
+                                        <m:r>
+                                          <a:rPr lang="en-US" sz="1100" i="1">
+                                            <a:latin typeface="Cambria Math" panose="02040503050406030204" pitchFamily="18" charset="0"/>
+                                            <a:ea typeface="Cambria Math" panose="02040503050406030204" pitchFamily="18" charset="0"/>
+                                          </a:rPr>
+                                          <m:t>𝑦</m:t>
+                                        </m:r>
+                                        <m:r>
+                                          <a:rPr lang="en-US" sz="1100" i="1">
+                                            <a:latin typeface="Cambria Math" panose="02040503050406030204" pitchFamily="18" charset="0"/>
+                                            <a:ea typeface="Cambria Math" panose="02040503050406030204" pitchFamily="18" charset="0"/>
+                                          </a:rPr>
+                                          <m:t>,</m:t>
+                                        </m:r>
+                                        <m:r>
+                                          <a:rPr lang="en-US" sz="1100" b="0" i="1" smtClean="0">
+                                            <a:latin typeface="Cambria Math" panose="02040503050406030204" pitchFamily="18" charset="0"/>
+                                            <a:ea typeface="Cambria Math" panose="02040503050406030204" pitchFamily="18" charset="0"/>
+                                          </a:rPr>
+                                          <m:t>𝑏𝑦</m:t>
+                                        </m:r>
+                                        <m:r>
+                                          <a:rPr lang="en-US" sz="1100" b="0" i="1" smtClean="0">
+                                            <a:latin typeface="Cambria Math" panose="02040503050406030204" pitchFamily="18" charset="0"/>
+                                            <a:ea typeface="Cambria Math" panose="02040503050406030204" pitchFamily="18" charset="0"/>
+                                          </a:rPr>
+                                          <m:t>=</m:t>
+                                        </m:r>
+                                        <m:r>
+                                          <a:rPr lang="en-US" sz="1100" b="0" i="1" smtClean="0">
+                                            <a:latin typeface="Cambria Math" panose="02040503050406030204" pitchFamily="18" charset="0"/>
+                                            <a:ea typeface="Cambria Math" panose="02040503050406030204" pitchFamily="18" charset="0"/>
+                                          </a:rPr>
+                                          <m:t>𝑓𝑎𝑐𝑡𝑜𝑟</m:t>
+                                        </m:r>
+                                        <m:r>
+                                          <a:rPr lang="en-US" sz="1100" b="0" i="1" smtClean="0">
+                                            <a:latin typeface="Cambria Math" panose="02040503050406030204" pitchFamily="18" charset="0"/>
+                                            <a:ea typeface="Cambria Math" panose="02040503050406030204" pitchFamily="18" charset="0"/>
+                                          </a:rPr>
+                                          <m:t>(</m:t>
+                                        </m:r>
+                                        <m:r>
+                                          <a:rPr lang="en-US" sz="1100" i="1">
+                                            <a:latin typeface="Cambria Math" panose="02040503050406030204" pitchFamily="18" charset="0"/>
+                                            <a:ea typeface="Cambria Math" panose="02040503050406030204" pitchFamily="18" charset="0"/>
+                                          </a:rPr>
+                                          <m:t>𝑡</m:t>
+                                        </m:r>
+                                        <m:r>
+                                          <a:rPr lang="en-US" sz="1100" b="0" i="1" smtClean="0">
+                                            <a:latin typeface="Cambria Math" panose="02040503050406030204" pitchFamily="18" charset="0"/>
+                                            <a:ea typeface="Cambria Math" panose="02040503050406030204" pitchFamily="18" charset="0"/>
+                                          </a:rPr>
+                                          <m:t>)</m:t>
+                                        </m:r>
+                                      </m:e>
+                                    </m:d>
+                                  </m:e>
+                                </m:d>
+                              </m:oMath>
+                            </m:oMathPara>
+                          </a14:m>
+                          <a:endParaRPr lang="en-GB" sz="1100" b="1" dirty="0">
+                            <a:solidFill>
+                              <a:schemeClr val="tx1"/>
+                            </a:solidFill>
+                          </a:endParaRPr>
+                        </a:p>
+                      </a:txBody>
+                      <a:tcPr>
+                        <a:noFill/>
+                      </a:tcPr>
+                    </a:tc>
+                    <a:tc>
+                      <a:txBody>
+                        <a:bodyPr/>
+                        <a:lstStyle/>
+                        <a:p>
+                          <a:pPr/>
+                          <a14:m>
+                            <m:oMathPara xmlns:m="http://schemas.openxmlformats.org/officeDocument/2006/math">
+                              <m:oMathParaPr>
+                                <m:jc m:val="centerGroup"/>
+                              </m:oMathParaPr>
+                              <m:oMath xmlns:m="http://schemas.openxmlformats.org/officeDocument/2006/math">
+                                <m:r>
+                                  <m:rPr>
+                                    <m:sty m:val="p"/>
+                                  </m:rPr>
+                                  <a:rPr lang="en-US" sz="1100" i="1" smtClean="0">
+                                    <a:latin typeface="Cambria Math" panose="02040503050406030204" pitchFamily="18" charset="0"/>
+                                    <a:ea typeface="Cambria Math" panose="02040503050406030204" pitchFamily="18" charset="0"/>
+                                  </a:rPr>
+                                  <m:t>gam</m:t>
+                                </m:r>
+                                <m:d>
+                                  <m:dPr>
+                                    <m:ctrlPr>
+                                      <a:rPr lang="en-US" sz="1100" i="1">
+                                        <a:latin typeface="Cambria Math" panose="02040503050406030204" pitchFamily="18" charset="0"/>
+                                        <a:ea typeface="Cambria Math" panose="02040503050406030204" pitchFamily="18" charset="0"/>
+                                      </a:rPr>
+                                    </m:ctrlPr>
+                                  </m:dPr>
+                                  <m:e>
+                                    <m:r>
+                                      <a:rPr lang="en-US" sz="1100" i="1">
+                                        <a:latin typeface="Cambria Math" panose="02040503050406030204" pitchFamily="18" charset="0"/>
+                                        <a:ea typeface="Cambria Math" panose="02040503050406030204" pitchFamily="18" charset="0"/>
+                                      </a:rPr>
+                                      <m:t>𝑐</m:t>
+                                    </m:r>
+                                    <m:r>
+                                      <a:rPr lang="en-US" sz="1100" i="1">
+                                        <a:latin typeface="Cambria Math" panose="02040503050406030204" pitchFamily="18" charset="0"/>
+                                        <a:ea typeface="Cambria Math" panose="02040503050406030204" pitchFamily="18" charset="0"/>
+                                      </a:rPr>
+                                      <m:t> ~ 1+</m:t>
+                                    </m:r>
+                                    <m:r>
+                                      <a:rPr lang="en-US" sz="1100" b="0" i="1" smtClean="0">
+                                        <a:latin typeface="Cambria Math" panose="02040503050406030204" pitchFamily="18" charset="0"/>
+                                        <a:ea typeface="Cambria Math" panose="02040503050406030204" pitchFamily="18" charset="0"/>
+                                      </a:rPr>
+                                      <m:t>𝑓𝑎𝑐𝑡𝑜𝑟</m:t>
+                                    </m:r>
+                                    <m:d>
+                                      <m:dPr>
+                                        <m:ctrlPr>
+                                          <a:rPr lang="en-US" sz="1100" i="1">
+                                            <a:latin typeface="Cambria Math" panose="02040503050406030204" pitchFamily="18" charset="0"/>
+                                            <a:ea typeface="Cambria Math" panose="02040503050406030204" pitchFamily="18" charset="0"/>
+                                          </a:rPr>
+                                        </m:ctrlPr>
+                                      </m:dPr>
+                                      <m:e>
+                                        <m:r>
+                                          <a:rPr lang="en-US" sz="1100" b="0" i="1" smtClean="0">
+                                            <a:latin typeface="Cambria Math" panose="02040503050406030204" pitchFamily="18" charset="0"/>
+                                            <a:ea typeface="Cambria Math" panose="02040503050406030204" pitchFamily="18" charset="0"/>
+                                          </a:rPr>
+                                          <m:t>𝑡</m:t>
+                                        </m:r>
+                                      </m:e>
+                                    </m:d>
+                                    <m:r>
+                                      <a:rPr lang="en-US" sz="1100" i="1" smtClean="0">
+                                        <a:latin typeface="Cambria Math" panose="02040503050406030204" pitchFamily="18" charset="0"/>
+                                        <a:ea typeface="Cambria Math" panose="02040503050406030204" pitchFamily="18" charset="0"/>
+                                      </a:rPr>
+                                      <m:t>+</m:t>
+                                    </m:r>
+                                    <m:r>
+                                      <a:rPr lang="en-US" sz="1100" i="1" smtClean="0">
+                                        <a:latin typeface="Cambria Math" panose="02040503050406030204" pitchFamily="18" charset="0"/>
+                                        <a:ea typeface="Cambria Math" panose="02040503050406030204" pitchFamily="18" charset="0"/>
+                                      </a:rPr>
+                                      <m:t>𝑠</m:t>
+                                    </m:r>
+                                    <m:d>
+                                      <m:dPr>
+                                        <m:ctrlPr>
+                                          <a:rPr lang="en-US" sz="1100" i="1">
+                                            <a:latin typeface="Cambria Math" panose="02040503050406030204" pitchFamily="18" charset="0"/>
+                                            <a:ea typeface="Cambria Math" panose="02040503050406030204" pitchFamily="18" charset="0"/>
+                                          </a:rPr>
+                                        </m:ctrlPr>
+                                      </m:dPr>
+                                      <m:e>
+                                        <m:r>
+                                          <a:rPr lang="en-US" sz="1100" i="1">
+                                            <a:latin typeface="Cambria Math" panose="02040503050406030204" pitchFamily="18" charset="0"/>
+                                            <a:ea typeface="Cambria Math" panose="02040503050406030204" pitchFamily="18" charset="0"/>
+                                          </a:rPr>
+                                          <m:t>𝑥</m:t>
+                                        </m:r>
+                                        <m:r>
+                                          <a:rPr lang="en-US" sz="1100" i="1">
+                                            <a:latin typeface="Cambria Math" panose="02040503050406030204" pitchFamily="18" charset="0"/>
+                                            <a:ea typeface="Cambria Math" panose="02040503050406030204" pitchFamily="18" charset="0"/>
+                                          </a:rPr>
+                                          <m:t>, </m:t>
+                                        </m:r>
+                                        <m:r>
+                                          <a:rPr lang="en-US" sz="1100" i="1">
+                                            <a:latin typeface="Cambria Math" panose="02040503050406030204" pitchFamily="18" charset="0"/>
+                                            <a:ea typeface="Cambria Math" panose="02040503050406030204" pitchFamily="18" charset="0"/>
+                                          </a:rPr>
+                                          <m:t>𝑦</m:t>
+                                        </m:r>
+                                        <m:r>
+                                          <a:rPr lang="en-US" sz="1100" i="1">
+                                            <a:latin typeface="Cambria Math" panose="02040503050406030204" pitchFamily="18" charset="0"/>
+                                            <a:ea typeface="Cambria Math" panose="02040503050406030204" pitchFamily="18" charset="0"/>
+                                          </a:rPr>
+                                          <m:t>,</m:t>
+                                        </m:r>
+                                        <m:r>
+                                          <a:rPr lang="en-US" sz="1100" b="0" i="1" smtClean="0">
+                                            <a:latin typeface="Cambria Math" panose="02040503050406030204" pitchFamily="18" charset="0"/>
+                                            <a:ea typeface="Cambria Math" panose="02040503050406030204" pitchFamily="18" charset="0"/>
+                                          </a:rPr>
+                                          <m:t>𝑏𝑦</m:t>
+                                        </m:r>
+                                        <m:r>
+                                          <a:rPr lang="en-US" sz="1100" b="0" i="1" smtClean="0">
+                                            <a:latin typeface="Cambria Math" panose="02040503050406030204" pitchFamily="18" charset="0"/>
+                                            <a:ea typeface="Cambria Math" panose="02040503050406030204" pitchFamily="18" charset="0"/>
+                                          </a:rPr>
+                                          <m:t>=</m:t>
+                                        </m:r>
+                                        <m:r>
+                                          <a:rPr lang="en-US" sz="1100" b="0" i="1" smtClean="0">
+                                            <a:latin typeface="Cambria Math" panose="02040503050406030204" pitchFamily="18" charset="0"/>
+                                            <a:ea typeface="Cambria Math" panose="02040503050406030204" pitchFamily="18" charset="0"/>
+                                          </a:rPr>
+                                          <m:t>𝑓𝑎𝑐𝑡𝑜𝑟</m:t>
+                                        </m:r>
+                                        <m:r>
+                                          <a:rPr lang="en-US" sz="1100" b="0" i="1" smtClean="0">
+                                            <a:latin typeface="Cambria Math" panose="02040503050406030204" pitchFamily="18" charset="0"/>
+                                            <a:ea typeface="Cambria Math" panose="02040503050406030204" pitchFamily="18" charset="0"/>
+                                          </a:rPr>
+                                          <m:t>(</m:t>
+                                        </m:r>
+                                        <m:r>
+                                          <a:rPr lang="en-US" sz="1100" i="1">
+                                            <a:latin typeface="Cambria Math" panose="02040503050406030204" pitchFamily="18" charset="0"/>
+                                            <a:ea typeface="Cambria Math" panose="02040503050406030204" pitchFamily="18" charset="0"/>
+                                          </a:rPr>
+                                          <m:t>𝑡</m:t>
+                                        </m:r>
+                                        <m:r>
+                                          <a:rPr lang="en-US" sz="1100" b="0" i="1" smtClean="0">
+                                            <a:latin typeface="Cambria Math" panose="02040503050406030204" pitchFamily="18" charset="0"/>
+                                            <a:ea typeface="Cambria Math" panose="02040503050406030204" pitchFamily="18" charset="0"/>
+                                          </a:rPr>
+                                          <m:t>)</m:t>
+                                        </m:r>
+                                      </m:e>
+                                    </m:d>
+                                  </m:e>
+                                </m:d>
+                              </m:oMath>
+                            </m:oMathPara>
+                          </a14:m>
+                          <a:endParaRPr lang="en-GB" sz="1100" b="1" dirty="0">
+                            <a:solidFill>
+                              <a:schemeClr val="tx1"/>
+                            </a:solidFill>
+                          </a:endParaRPr>
+                        </a:p>
+                      </a:txBody>
+                      <a:tcPr>
+                        <a:noFill/>
+                      </a:tcPr>
+                    </a:tc>
+                    <a:tc>
+                      <a:txBody>
+                        <a:bodyPr/>
+                        <a:lstStyle/>
+                        <a:p>
+                          <a:pPr marL="0" marR="0" indent="0" algn="l" defTabSz="914400" rtl="0" eaLnBrk="1" fontAlgn="auto" latinLnBrk="0" hangingPunct="1">
+                            <a:lnSpc>
+                              <a:spcPct val="100000"/>
+                            </a:lnSpc>
+                            <a:spcBef>
+                              <a:spcPts val="0"/>
+                            </a:spcBef>
+                            <a:spcAft>
+                              <a:spcPts val="0"/>
+                            </a:spcAft>
+                            <a:buClrTx/>
+                            <a:buSzTx/>
+                            <a:buFontTx/>
+                            <a:buNone/>
+                            <a:tabLst/>
+                            <a:defRPr/>
+                          </a:pPr>
+                          <a14:m>
+                            <m:oMathPara xmlns:m="http://schemas.openxmlformats.org/officeDocument/2006/math">
+                              <m:oMathParaPr>
+                                <m:jc m:val="centerGroup"/>
+                              </m:oMathParaPr>
+                              <m:oMath xmlns:m="http://schemas.openxmlformats.org/officeDocument/2006/math">
+                                <m:r>
+                                  <m:rPr>
+                                    <m:sty m:val="p"/>
+                                  </m:rPr>
+                                  <a:rPr lang="en-US" sz="1100" i="1" smtClean="0">
+                                    <a:latin typeface="Cambria Math" panose="02040503050406030204" pitchFamily="18" charset="0"/>
+                                    <a:ea typeface="Cambria Math" panose="02040503050406030204" pitchFamily="18" charset="0"/>
+                                  </a:rPr>
+                                  <m:t>gam</m:t>
+                                </m:r>
+                                <m:d>
+                                  <m:dPr>
+                                    <m:ctrlPr>
+                                      <a:rPr lang="en-US" sz="1100" i="1">
+                                        <a:latin typeface="Cambria Math" panose="02040503050406030204" pitchFamily="18" charset="0"/>
+                                        <a:ea typeface="Cambria Math" panose="02040503050406030204" pitchFamily="18" charset="0"/>
+                                      </a:rPr>
+                                    </m:ctrlPr>
+                                  </m:dPr>
+                                  <m:e>
+                                    <m:r>
+                                      <a:rPr lang="en-US" sz="1100" i="1">
+                                        <a:latin typeface="Cambria Math" panose="02040503050406030204" pitchFamily="18" charset="0"/>
+                                        <a:ea typeface="Cambria Math" panose="02040503050406030204" pitchFamily="18" charset="0"/>
+                                      </a:rPr>
+                                      <m:t>𝑐</m:t>
+                                    </m:r>
+                                    <m:r>
+                                      <a:rPr lang="en-US" sz="1100" i="1">
+                                        <a:latin typeface="Cambria Math" panose="02040503050406030204" pitchFamily="18" charset="0"/>
+                                        <a:ea typeface="Cambria Math" panose="02040503050406030204" pitchFamily="18" charset="0"/>
+                                      </a:rPr>
+                                      <m:t> ~1+</m:t>
+                                    </m:r>
+                                    <m:r>
+                                      <a:rPr lang="en-US" sz="1100" b="0" i="1" smtClean="0">
+                                        <a:latin typeface="Cambria Math" panose="02040503050406030204" pitchFamily="18" charset="0"/>
+                                        <a:ea typeface="Cambria Math" panose="02040503050406030204" pitchFamily="18" charset="0"/>
+                                      </a:rPr>
+                                      <m:t>𝑠</m:t>
+                                    </m:r>
+                                    <m:r>
+                                      <a:rPr lang="en-US" sz="1100" b="0" i="1" smtClean="0">
+                                        <a:latin typeface="Cambria Math" panose="02040503050406030204" pitchFamily="18" charset="0"/>
+                                        <a:ea typeface="Cambria Math" panose="02040503050406030204" pitchFamily="18" charset="0"/>
+                                      </a:rPr>
+                                      <m:t>(</m:t>
+                                    </m:r>
+                                    <m:r>
+                                      <a:rPr lang="en-US" sz="1100" b="0" i="1" smtClean="0">
+                                        <a:latin typeface="Cambria Math" panose="02040503050406030204" pitchFamily="18" charset="0"/>
+                                        <a:ea typeface="Cambria Math" panose="02040503050406030204" pitchFamily="18" charset="0"/>
+                                      </a:rPr>
+                                      <m:t>𝑥</m:t>
+                                    </m:r>
+                                    <m:r>
+                                      <a:rPr lang="en-US" sz="1100" b="0" i="1" smtClean="0">
+                                        <a:latin typeface="Cambria Math" panose="02040503050406030204" pitchFamily="18" charset="0"/>
+                                        <a:ea typeface="Cambria Math" panose="02040503050406030204" pitchFamily="18" charset="0"/>
+                                      </a:rPr>
+                                      <m:t>,</m:t>
+                                    </m:r>
+                                    <m:r>
+                                      <a:rPr lang="en-US" sz="1100" b="0" i="1" smtClean="0">
+                                        <a:latin typeface="Cambria Math" panose="02040503050406030204" pitchFamily="18" charset="0"/>
+                                        <a:ea typeface="Cambria Math" panose="02040503050406030204" pitchFamily="18" charset="0"/>
+                                      </a:rPr>
+                                      <m:t>𝑦</m:t>
+                                    </m:r>
+                                    <m:r>
+                                      <a:rPr lang="en-US" sz="1100" b="0" i="1" smtClean="0">
+                                        <a:latin typeface="Cambria Math" panose="02040503050406030204" pitchFamily="18" charset="0"/>
+                                        <a:ea typeface="Cambria Math" panose="02040503050406030204" pitchFamily="18" charset="0"/>
+                                      </a:rPr>
+                                      <m:t>)+</m:t>
+                                    </m:r>
+                                    <m:r>
+                                      <a:rPr lang="en-US" sz="1100" b="0" i="1" smtClean="0">
+                                        <a:latin typeface="Cambria Math" panose="02040503050406030204" pitchFamily="18" charset="0"/>
+                                        <a:ea typeface="Cambria Math" panose="02040503050406030204" pitchFamily="18" charset="0"/>
+                                      </a:rPr>
+                                      <m:t>𝑠</m:t>
+                                    </m:r>
+                                    <m:d>
+                                      <m:dPr>
+                                        <m:ctrlPr>
+                                          <a:rPr lang="en-US" sz="1100" i="1">
+                                            <a:latin typeface="Cambria Math" panose="02040503050406030204" pitchFamily="18" charset="0"/>
+                                            <a:ea typeface="Cambria Math" panose="02040503050406030204" pitchFamily="18" charset="0"/>
+                                          </a:rPr>
+                                        </m:ctrlPr>
+                                      </m:dPr>
+                                      <m:e>
+                                        <m:r>
+                                          <a:rPr lang="en-US" sz="1100" b="0" i="1" smtClean="0">
+                                            <a:latin typeface="Cambria Math" panose="02040503050406030204" pitchFamily="18" charset="0"/>
+                                            <a:ea typeface="Cambria Math" panose="02040503050406030204" pitchFamily="18" charset="0"/>
+                                          </a:rPr>
+                                          <m:t>𝑡</m:t>
+                                        </m:r>
+                                      </m:e>
+                                    </m:d>
+                                    <m:r>
+                                      <a:rPr lang="en-US" sz="1100" i="1" smtClean="0">
+                                        <a:latin typeface="Cambria Math" panose="02040503050406030204" pitchFamily="18" charset="0"/>
+                                        <a:ea typeface="Cambria Math" panose="02040503050406030204" pitchFamily="18" charset="0"/>
+                                      </a:rPr>
+                                      <m:t>+</m:t>
+                                    </m:r>
+                                    <m:r>
+                                      <a:rPr lang="en-US" sz="1100" i="1" smtClean="0">
+                                        <a:latin typeface="Cambria Math" panose="02040503050406030204" pitchFamily="18" charset="0"/>
+                                        <a:ea typeface="Cambria Math" panose="02040503050406030204" pitchFamily="18" charset="0"/>
+                                      </a:rPr>
+                                      <m:t>𝑠</m:t>
+                                    </m:r>
+                                    <m:d>
+                                      <m:dPr>
+                                        <m:ctrlPr>
+                                          <a:rPr lang="en-US" sz="1100" i="1">
+                                            <a:latin typeface="Cambria Math" panose="02040503050406030204" pitchFamily="18" charset="0"/>
+                                            <a:ea typeface="Cambria Math" panose="02040503050406030204" pitchFamily="18" charset="0"/>
+                                          </a:rPr>
+                                        </m:ctrlPr>
+                                      </m:dPr>
+                                      <m:e>
+                                        <m:r>
+                                          <a:rPr lang="en-US" sz="1100" i="1">
+                                            <a:latin typeface="Cambria Math" panose="02040503050406030204" pitchFamily="18" charset="0"/>
+                                            <a:ea typeface="Cambria Math" panose="02040503050406030204" pitchFamily="18" charset="0"/>
+                                          </a:rPr>
+                                          <m:t>𝑥</m:t>
+                                        </m:r>
+                                        <m:r>
+                                          <a:rPr lang="en-US" sz="1100" i="1">
+                                            <a:latin typeface="Cambria Math" panose="02040503050406030204" pitchFamily="18" charset="0"/>
+                                            <a:ea typeface="Cambria Math" panose="02040503050406030204" pitchFamily="18" charset="0"/>
+                                          </a:rPr>
+                                          <m:t>, </m:t>
+                                        </m:r>
+                                        <m:r>
+                                          <a:rPr lang="en-US" sz="1100" i="1">
+                                            <a:latin typeface="Cambria Math" panose="02040503050406030204" pitchFamily="18" charset="0"/>
+                                            <a:ea typeface="Cambria Math" panose="02040503050406030204" pitchFamily="18" charset="0"/>
+                                          </a:rPr>
+                                          <m:t>𝑦</m:t>
+                                        </m:r>
+                                        <m:r>
+                                          <a:rPr lang="en-US" sz="1100" i="1">
+                                            <a:latin typeface="Cambria Math" panose="02040503050406030204" pitchFamily="18" charset="0"/>
+                                            <a:ea typeface="Cambria Math" panose="02040503050406030204" pitchFamily="18" charset="0"/>
+                                          </a:rPr>
+                                          <m:t>,</m:t>
+                                        </m:r>
+                                        <m:r>
+                                          <a:rPr lang="en-US" sz="1100" b="0" i="1" smtClean="0">
+                                            <a:latin typeface="Cambria Math" panose="02040503050406030204" pitchFamily="18" charset="0"/>
+                                            <a:ea typeface="Cambria Math" panose="02040503050406030204" pitchFamily="18" charset="0"/>
+                                          </a:rPr>
+                                          <m:t>𝑏𝑦</m:t>
+                                        </m:r>
+                                        <m:r>
+                                          <a:rPr lang="en-US" sz="1100" b="0" i="1" smtClean="0">
+                                            <a:latin typeface="Cambria Math" panose="02040503050406030204" pitchFamily="18" charset="0"/>
+                                            <a:ea typeface="Cambria Math" panose="02040503050406030204" pitchFamily="18" charset="0"/>
+                                          </a:rPr>
+                                          <m:t>=</m:t>
+                                        </m:r>
+                                        <m:r>
+                                          <a:rPr lang="en-US" sz="1100" b="0" i="1" smtClean="0">
+                                            <a:latin typeface="Cambria Math" panose="02040503050406030204" pitchFamily="18" charset="0"/>
+                                            <a:ea typeface="Cambria Math" panose="02040503050406030204" pitchFamily="18" charset="0"/>
+                                          </a:rPr>
+                                          <m:t>𝑓𝑎𝑐𝑡𝑜𝑟</m:t>
+                                        </m:r>
+                                        <m:r>
+                                          <a:rPr lang="en-US" sz="1100" b="0" i="1" smtClean="0">
+                                            <a:latin typeface="Cambria Math" panose="02040503050406030204" pitchFamily="18" charset="0"/>
+                                            <a:ea typeface="Cambria Math" panose="02040503050406030204" pitchFamily="18" charset="0"/>
+                                          </a:rPr>
+                                          <m:t>(</m:t>
+                                        </m:r>
+                                        <m:r>
+                                          <a:rPr lang="en-US" sz="1100" i="1">
+                                            <a:latin typeface="Cambria Math" panose="02040503050406030204" pitchFamily="18" charset="0"/>
+                                            <a:ea typeface="Cambria Math" panose="02040503050406030204" pitchFamily="18" charset="0"/>
+                                          </a:rPr>
+                                          <m:t>𝑡</m:t>
+                                        </m:r>
+                                        <m:r>
+                                          <a:rPr lang="en-US" sz="1100" b="0" i="1" smtClean="0">
+                                            <a:latin typeface="Cambria Math" panose="02040503050406030204" pitchFamily="18" charset="0"/>
+                                            <a:ea typeface="Cambria Math" panose="02040503050406030204" pitchFamily="18" charset="0"/>
+                                          </a:rPr>
+                                          <m:t>)</m:t>
+                                        </m:r>
+                                      </m:e>
+                                    </m:d>
+                                  </m:e>
+                                </m:d>
+                              </m:oMath>
+                            </m:oMathPara>
+                          </a14:m>
+                          <a:endParaRPr lang="en-GB" sz="1100" b="1" dirty="0">
+                            <a:solidFill>
+                              <a:schemeClr val="tx1"/>
+                            </a:solidFill>
+                          </a:endParaRPr>
+                        </a:p>
+                        <a:p>
+                          <a:endParaRPr lang="en-GB" sz="1100" b="1" dirty="0">
+                            <a:solidFill>
+                              <a:schemeClr val="tx1"/>
+                            </a:solidFill>
+                          </a:endParaRPr>
+                        </a:p>
+                      </a:txBody>
+                      <a:tcPr>
+                        <a:noFill/>
+                      </a:tcPr>
+                    </a:tc>
+                    <a:extLst>
+                      <a:ext uri="{0D108BD9-81ED-4DB2-BD59-A6C34878D82A}">
+                        <a16:rowId xmlns:a16="http://schemas.microsoft.com/office/drawing/2014/main" val="493528068"/>
+                      </a:ext>
+                    </a:extLst>
+                  </a:tr>
+                  <a:tr h="370840">
+                    <a:tc vMerge="1">
+                      <a:txBody>
+                        <a:bodyPr/>
+                        <a:lstStyle/>
+                        <a:p>
+                          <a:endParaRPr lang="en-GB" dirty="0"/>
+                        </a:p>
+                      </a:txBody>
+                      <a:tcPr>
+                        <a:noFill/>
+                      </a:tcPr>
+                    </a:tc>
+                    <a:tc>
+                      <a:txBody>
+                        <a:bodyPr/>
+                        <a:lstStyle/>
+                        <a:p>
+                          <a:r>
+                            <a:rPr lang="en-US" b="1" dirty="0" smtClean="0">
+                              <a:solidFill>
+                                <a:schemeClr val="tx1"/>
+                              </a:solidFill>
+                            </a:rPr>
+                            <a:t>Smoothed</a:t>
+                          </a:r>
+                          <a:endParaRPr lang="en-GB" b="1" dirty="0">
+                            <a:solidFill>
+                              <a:schemeClr val="tx1"/>
+                            </a:solidFill>
+                          </a:endParaRPr>
+                        </a:p>
+                      </a:txBody>
+                      <a:tcPr>
+                        <a:noFill/>
+                      </a:tcPr>
+                    </a:tc>
+                    <a:tc>
+                      <a:txBody>
+                        <a:bodyPr/>
+                        <a:lstStyle/>
+                        <a:p>
+                          <a:pPr marL="0" marR="0" indent="0" algn="l" defTabSz="914400" rtl="0" eaLnBrk="1" fontAlgn="auto" latinLnBrk="0" hangingPunct="1">
+                            <a:lnSpc>
+                              <a:spcPct val="100000"/>
+                            </a:lnSpc>
+                            <a:spcBef>
+                              <a:spcPts val="0"/>
+                            </a:spcBef>
+                            <a:spcAft>
+                              <a:spcPts val="0"/>
+                            </a:spcAft>
+                            <a:buClrTx/>
+                            <a:buSzTx/>
+                            <a:buFontTx/>
+                            <a:buNone/>
+                            <a:tabLst/>
+                            <a:defRPr/>
+                          </a:pPr>
+                          <a14:m>
+                            <m:oMathPara xmlns:m="http://schemas.openxmlformats.org/officeDocument/2006/math">
+                              <m:oMathParaPr>
+                                <m:jc m:val="centerGroup"/>
+                              </m:oMathParaPr>
+                              <m:oMath xmlns:m="http://schemas.openxmlformats.org/officeDocument/2006/math">
+                                <m:r>
+                                  <m:rPr>
+                                    <m:sty m:val="p"/>
+                                  </m:rPr>
+                                  <a:rPr lang="en-US" sz="1100" i="1" smtClean="0">
+                                    <a:latin typeface="Cambria Math" panose="02040503050406030204" pitchFamily="18" charset="0"/>
+                                    <a:ea typeface="Cambria Math" panose="02040503050406030204" pitchFamily="18" charset="0"/>
+                                  </a:rPr>
+                                  <m:t>gam</m:t>
+                                </m:r>
+                                <m:d>
+                                  <m:dPr>
+                                    <m:ctrlPr>
+                                      <a:rPr lang="en-US" sz="1100" i="1">
+                                        <a:latin typeface="Cambria Math" panose="02040503050406030204" pitchFamily="18" charset="0"/>
+                                        <a:ea typeface="Cambria Math" panose="02040503050406030204" pitchFamily="18" charset="0"/>
+                                      </a:rPr>
+                                    </m:ctrlPr>
+                                  </m:dPr>
+                                  <m:e>
+                                    <m:r>
+                                      <a:rPr lang="en-US" sz="1100" i="1">
+                                        <a:latin typeface="Cambria Math" panose="02040503050406030204" pitchFamily="18" charset="0"/>
+                                        <a:ea typeface="Cambria Math" panose="02040503050406030204" pitchFamily="18" charset="0"/>
+                                      </a:rPr>
+                                      <m:t>𝑐</m:t>
+                                    </m:r>
+                                    <m:r>
+                                      <a:rPr lang="en-US" sz="1100" i="1">
+                                        <a:latin typeface="Cambria Math" panose="02040503050406030204" pitchFamily="18" charset="0"/>
+                                        <a:ea typeface="Cambria Math" panose="02040503050406030204" pitchFamily="18" charset="0"/>
+                                      </a:rPr>
+                                      <m:t> ~ 1+</m:t>
+                                    </m:r>
+                                    <m:r>
+                                      <a:rPr lang="en-US" sz="1100" b="0" i="1" smtClean="0">
+                                        <a:latin typeface="Cambria Math" panose="02040503050406030204" pitchFamily="18" charset="0"/>
+                                        <a:ea typeface="Cambria Math" panose="02040503050406030204" pitchFamily="18" charset="0"/>
+                                      </a:rPr>
+                                      <m:t>𝑠</m:t>
+                                    </m:r>
+                                    <m:r>
+                                      <a:rPr lang="en-US" sz="1100" b="0" i="1" smtClean="0">
+                                        <a:latin typeface="Cambria Math" panose="02040503050406030204" pitchFamily="18" charset="0"/>
+                                        <a:ea typeface="Cambria Math" panose="02040503050406030204" pitchFamily="18" charset="0"/>
+                                      </a:rPr>
+                                      <m:t>(</m:t>
+                                    </m:r>
+                                    <m:r>
+                                      <a:rPr lang="en-US" sz="1100" b="0" i="1" smtClean="0">
+                                        <a:latin typeface="Cambria Math" panose="02040503050406030204" pitchFamily="18" charset="0"/>
+                                        <a:ea typeface="Cambria Math" panose="02040503050406030204" pitchFamily="18" charset="0"/>
+                                      </a:rPr>
+                                      <m:t>𝑥</m:t>
+                                    </m:r>
+                                    <m:r>
+                                      <a:rPr lang="en-US" sz="1100" b="0" i="1" smtClean="0">
+                                        <a:latin typeface="Cambria Math" panose="02040503050406030204" pitchFamily="18" charset="0"/>
+                                        <a:ea typeface="Cambria Math" panose="02040503050406030204" pitchFamily="18" charset="0"/>
+                                      </a:rPr>
+                                      <m:t>,</m:t>
+                                    </m:r>
+                                    <m:r>
+                                      <a:rPr lang="en-US" sz="1100" b="0" i="1" smtClean="0">
+                                        <a:latin typeface="Cambria Math" panose="02040503050406030204" pitchFamily="18" charset="0"/>
+                                        <a:ea typeface="Cambria Math" panose="02040503050406030204" pitchFamily="18" charset="0"/>
+                                      </a:rPr>
+                                      <m:t>𝑦</m:t>
+                                    </m:r>
+                                    <m:r>
+                                      <a:rPr lang="en-US" sz="1100" b="0" i="1" smtClean="0">
+                                        <a:latin typeface="Cambria Math" panose="02040503050406030204" pitchFamily="18" charset="0"/>
+                                        <a:ea typeface="Cambria Math" panose="02040503050406030204" pitchFamily="18" charset="0"/>
+                                      </a:rPr>
+                                      <m:t>)+</m:t>
+                                    </m:r>
+                                    <m:r>
+                                      <a:rPr lang="en-US" sz="1100" b="0" i="1" smtClean="0">
+                                        <a:latin typeface="Cambria Math" panose="02040503050406030204" pitchFamily="18" charset="0"/>
+                                        <a:ea typeface="Cambria Math" panose="02040503050406030204" pitchFamily="18" charset="0"/>
+                                      </a:rPr>
+                                      <m:t>𝑠</m:t>
+                                    </m:r>
+                                    <m:r>
+                                      <a:rPr lang="en-US" sz="1100" b="0" i="1" smtClean="0">
+                                        <a:latin typeface="Cambria Math" panose="02040503050406030204" pitchFamily="18" charset="0"/>
+                                        <a:ea typeface="Cambria Math" panose="02040503050406030204" pitchFamily="18" charset="0"/>
+                                      </a:rPr>
+                                      <m:t>(</m:t>
+                                    </m:r>
+                                    <m:r>
+                                      <a:rPr lang="en-US" sz="1100" b="0" i="1" smtClean="0">
+                                        <a:latin typeface="Cambria Math" panose="02040503050406030204" pitchFamily="18" charset="0"/>
+                                        <a:ea typeface="Cambria Math" panose="02040503050406030204" pitchFamily="18" charset="0"/>
+                                      </a:rPr>
+                                      <m:t>𝑥</m:t>
+                                    </m:r>
+                                    <m:r>
+                                      <a:rPr lang="en-US" sz="1100" b="0" i="1" smtClean="0">
+                                        <a:latin typeface="Cambria Math" panose="02040503050406030204" pitchFamily="18" charset="0"/>
+                                        <a:ea typeface="Cambria Math" panose="02040503050406030204" pitchFamily="18" charset="0"/>
+                                      </a:rPr>
+                                      <m:t>,</m:t>
+                                    </m:r>
+                                    <m:r>
+                                      <a:rPr lang="en-US" sz="1100" b="0" i="1" smtClean="0">
+                                        <a:latin typeface="Cambria Math" panose="02040503050406030204" pitchFamily="18" charset="0"/>
+                                        <a:ea typeface="Cambria Math" panose="02040503050406030204" pitchFamily="18" charset="0"/>
+                                      </a:rPr>
+                                      <m:t>𝑦</m:t>
+                                    </m:r>
+                                    <m:r>
+                                      <a:rPr lang="en-US" sz="1100" b="0" i="1" smtClean="0">
+                                        <a:latin typeface="Cambria Math" panose="02040503050406030204" pitchFamily="18" charset="0"/>
+                                        <a:ea typeface="Cambria Math" panose="02040503050406030204" pitchFamily="18" charset="0"/>
+                                      </a:rPr>
+                                      <m:t>,</m:t>
+                                    </m:r>
+                                    <m:r>
+                                      <a:rPr lang="en-US" sz="1100" b="0" i="1" smtClean="0">
+                                        <a:latin typeface="Cambria Math" panose="02040503050406030204" pitchFamily="18" charset="0"/>
+                                        <a:ea typeface="Cambria Math" panose="02040503050406030204" pitchFamily="18" charset="0"/>
+                                      </a:rPr>
+                                      <m:t>𝑡</m:t>
+                                    </m:r>
+                                    <m:r>
+                                      <a:rPr lang="en-US" sz="1100" b="0" i="1" smtClean="0">
+                                        <a:latin typeface="Cambria Math" panose="02040503050406030204" pitchFamily="18" charset="0"/>
+                                        <a:ea typeface="Cambria Math" panose="02040503050406030204" pitchFamily="18" charset="0"/>
+                                      </a:rPr>
+                                      <m:t>)</m:t>
+                                    </m:r>
+                                  </m:e>
+                                </m:d>
+                                <m:r>
+                                  <a:rPr lang="en-US" sz="1100" i="1">
+                                    <a:latin typeface="Cambria Math" panose="02040503050406030204" pitchFamily="18" charset="0"/>
+                                    <a:ea typeface="Cambria Math" panose="02040503050406030204" pitchFamily="18" charset="0"/>
+                                  </a:rPr>
+                                  <m:t> </m:t>
+                                </m:r>
+                              </m:oMath>
+                            </m:oMathPara>
+                          </a14:m>
+                          <a:endParaRPr lang="en-US" sz="1100" i="1" dirty="0">
+                            <a:latin typeface="Cambria Math" panose="02040503050406030204" pitchFamily="18" charset="0"/>
+                            <a:ea typeface="Cambria Math" panose="02040503050406030204" pitchFamily="18" charset="0"/>
+                          </a:endParaRPr>
+                        </a:p>
+                      </a:txBody>
+                      <a:tcPr>
+                        <a:noFill/>
+                      </a:tcPr>
+                    </a:tc>
+                    <a:tc>
+                      <a:txBody>
+                        <a:bodyPr/>
+                        <a:lstStyle/>
+                        <a:p>
+                          <a:pPr marL="0" marR="0" indent="0" algn="l" defTabSz="914400" rtl="0" eaLnBrk="1" fontAlgn="auto" latinLnBrk="0" hangingPunct="1">
+                            <a:lnSpc>
+                              <a:spcPct val="100000"/>
+                            </a:lnSpc>
+                            <a:spcBef>
+                              <a:spcPts val="0"/>
+                            </a:spcBef>
+                            <a:spcAft>
+                              <a:spcPts val="0"/>
+                            </a:spcAft>
+                            <a:buClrTx/>
+                            <a:buSzTx/>
+                            <a:buFontTx/>
+                            <a:buNone/>
+                            <a:tabLst/>
+                            <a:defRPr/>
+                          </a:pPr>
+                          <a14:m>
+                            <m:oMathPara xmlns:m="http://schemas.openxmlformats.org/officeDocument/2006/math">
+                              <m:oMathParaPr>
+                                <m:jc m:val="centerGroup"/>
+                              </m:oMathParaPr>
+                              <m:oMath xmlns:m="http://schemas.openxmlformats.org/officeDocument/2006/math">
+                                <m:r>
+                                  <m:rPr>
+                                    <m:sty m:val="p"/>
+                                  </m:rPr>
+                                  <a:rPr lang="en-US" sz="1100" i="1" smtClean="0">
+                                    <a:latin typeface="Cambria Math" panose="02040503050406030204" pitchFamily="18" charset="0"/>
+                                    <a:ea typeface="Cambria Math" panose="02040503050406030204" pitchFamily="18" charset="0"/>
+                                  </a:rPr>
+                                  <m:t>gam</m:t>
+                                </m:r>
+                                <m:d>
+                                  <m:dPr>
+                                    <m:ctrlPr>
+                                      <a:rPr lang="en-US" sz="1100" i="1">
+                                        <a:latin typeface="Cambria Math" panose="02040503050406030204" pitchFamily="18" charset="0"/>
+                                        <a:ea typeface="Cambria Math" panose="02040503050406030204" pitchFamily="18" charset="0"/>
+                                      </a:rPr>
+                                    </m:ctrlPr>
+                                  </m:dPr>
+                                  <m:e>
+                                    <m:r>
+                                      <a:rPr lang="en-US" sz="1100" i="1">
+                                        <a:latin typeface="Cambria Math" panose="02040503050406030204" pitchFamily="18" charset="0"/>
+                                        <a:ea typeface="Cambria Math" panose="02040503050406030204" pitchFamily="18" charset="0"/>
+                                      </a:rPr>
+                                      <m:t>𝑐</m:t>
+                                    </m:r>
+                                    <m:r>
+                                      <a:rPr lang="en-US" sz="1100" i="1">
+                                        <a:latin typeface="Cambria Math" panose="02040503050406030204" pitchFamily="18" charset="0"/>
+                                        <a:ea typeface="Cambria Math" panose="02040503050406030204" pitchFamily="18" charset="0"/>
+                                      </a:rPr>
+                                      <m:t> ~ 1+</m:t>
+                                    </m:r>
+                                    <m:r>
+                                      <a:rPr lang="en-US" sz="1100" b="0" i="1" smtClean="0">
+                                        <a:latin typeface="Cambria Math" panose="02040503050406030204" pitchFamily="18" charset="0"/>
+                                        <a:ea typeface="Cambria Math" panose="02040503050406030204" pitchFamily="18" charset="0"/>
+                                      </a:rPr>
+                                      <m:t>𝑠</m:t>
+                                    </m:r>
+                                    <m:r>
+                                      <a:rPr lang="en-US" sz="1100" b="0" i="1" smtClean="0">
+                                        <a:latin typeface="Cambria Math" panose="02040503050406030204" pitchFamily="18" charset="0"/>
+                                        <a:ea typeface="Cambria Math" panose="02040503050406030204" pitchFamily="18" charset="0"/>
+                                      </a:rPr>
+                                      <m:t>(</m:t>
+                                    </m:r>
+                                    <m:r>
+                                      <a:rPr lang="en-US" sz="1100" b="0" i="1" smtClean="0">
+                                        <a:latin typeface="Cambria Math" panose="02040503050406030204" pitchFamily="18" charset="0"/>
+                                        <a:ea typeface="Cambria Math" panose="02040503050406030204" pitchFamily="18" charset="0"/>
+                                      </a:rPr>
+                                      <m:t>𝑥</m:t>
+                                    </m:r>
+                                    <m:r>
+                                      <a:rPr lang="en-US" sz="1100" b="0" i="1" smtClean="0">
+                                        <a:latin typeface="Cambria Math" panose="02040503050406030204" pitchFamily="18" charset="0"/>
+                                        <a:ea typeface="Cambria Math" panose="02040503050406030204" pitchFamily="18" charset="0"/>
+                                      </a:rPr>
+                                      <m:t>,</m:t>
+                                    </m:r>
+                                    <m:r>
+                                      <a:rPr lang="en-US" sz="1100" b="0" i="1" smtClean="0">
+                                        <a:latin typeface="Cambria Math" panose="02040503050406030204" pitchFamily="18" charset="0"/>
+                                        <a:ea typeface="Cambria Math" panose="02040503050406030204" pitchFamily="18" charset="0"/>
+                                      </a:rPr>
+                                      <m:t>𝑦</m:t>
+                                    </m:r>
+                                    <m:r>
+                                      <a:rPr lang="en-US" sz="1100" b="0" i="1" smtClean="0">
+                                        <a:latin typeface="Cambria Math" panose="02040503050406030204" pitchFamily="18" charset="0"/>
+                                        <a:ea typeface="Cambria Math" panose="02040503050406030204" pitchFamily="18" charset="0"/>
+                                      </a:rPr>
+                                      <m:t>)+</m:t>
+                                    </m:r>
+                                    <m:r>
+                                      <a:rPr lang="en-US" sz="1100" b="0" i="1" smtClean="0">
+                                        <a:latin typeface="Cambria Math" panose="02040503050406030204" pitchFamily="18" charset="0"/>
+                                        <a:ea typeface="Cambria Math" panose="02040503050406030204" pitchFamily="18" charset="0"/>
+                                      </a:rPr>
+                                      <m:t>𝑓𝑎𝑐𝑡𝑜𝑟</m:t>
+                                    </m:r>
+                                    <m:d>
+                                      <m:dPr>
+                                        <m:ctrlPr>
+                                          <a:rPr lang="en-US" sz="1100" i="1">
+                                            <a:latin typeface="Cambria Math" panose="02040503050406030204" pitchFamily="18" charset="0"/>
+                                            <a:ea typeface="Cambria Math" panose="02040503050406030204" pitchFamily="18" charset="0"/>
+                                          </a:rPr>
+                                        </m:ctrlPr>
+                                      </m:dPr>
+                                      <m:e>
+                                        <m:r>
+                                          <a:rPr lang="en-US" sz="1100" b="0" i="1" smtClean="0">
+                                            <a:latin typeface="Cambria Math" panose="02040503050406030204" pitchFamily="18" charset="0"/>
+                                            <a:ea typeface="Cambria Math" panose="02040503050406030204" pitchFamily="18" charset="0"/>
+                                          </a:rPr>
+                                          <m:t>𝑡</m:t>
+                                        </m:r>
+                                      </m:e>
+                                    </m:d>
+                                    <m:r>
+                                      <a:rPr lang="en-US" sz="1100" b="0" i="1" smtClean="0">
+                                        <a:latin typeface="Cambria Math" panose="02040503050406030204" pitchFamily="18" charset="0"/>
+                                        <a:ea typeface="Cambria Math" panose="02040503050406030204" pitchFamily="18" charset="0"/>
+                                      </a:rPr>
+                                      <m:t>+</m:t>
+                                    </m:r>
+                                    <m:r>
+                                      <a:rPr lang="en-US" sz="1100" b="0" i="1" smtClean="0">
+                                        <a:latin typeface="Cambria Math" panose="02040503050406030204" pitchFamily="18" charset="0"/>
+                                        <a:ea typeface="Cambria Math" panose="02040503050406030204" pitchFamily="18" charset="0"/>
+                                      </a:rPr>
+                                      <m:t>𝑠</m:t>
+                                    </m:r>
+                                    <m:r>
+                                      <a:rPr lang="en-US" sz="1100" b="0" i="1" smtClean="0">
+                                        <a:latin typeface="Cambria Math" panose="02040503050406030204" pitchFamily="18" charset="0"/>
+                                        <a:ea typeface="Cambria Math" panose="02040503050406030204" pitchFamily="18" charset="0"/>
+                                      </a:rPr>
+                                      <m:t>(</m:t>
+                                    </m:r>
+                                    <m:r>
+                                      <a:rPr lang="en-US" sz="1100" b="0" i="1" smtClean="0">
+                                        <a:latin typeface="Cambria Math" panose="02040503050406030204" pitchFamily="18" charset="0"/>
+                                        <a:ea typeface="Cambria Math" panose="02040503050406030204" pitchFamily="18" charset="0"/>
+                                      </a:rPr>
+                                      <m:t>𝑥</m:t>
+                                    </m:r>
+                                    <m:r>
+                                      <a:rPr lang="en-US" sz="1100" b="0" i="1" smtClean="0">
+                                        <a:latin typeface="Cambria Math" panose="02040503050406030204" pitchFamily="18" charset="0"/>
+                                        <a:ea typeface="Cambria Math" panose="02040503050406030204" pitchFamily="18" charset="0"/>
+                                      </a:rPr>
+                                      <m:t>,</m:t>
+                                    </m:r>
+                                    <m:r>
+                                      <a:rPr lang="en-US" sz="1100" b="0" i="1" smtClean="0">
+                                        <a:latin typeface="Cambria Math" panose="02040503050406030204" pitchFamily="18" charset="0"/>
+                                        <a:ea typeface="Cambria Math" panose="02040503050406030204" pitchFamily="18" charset="0"/>
+                                      </a:rPr>
+                                      <m:t>𝑦</m:t>
+                                    </m:r>
+                                    <m:r>
+                                      <a:rPr lang="en-US" sz="1100" b="0" i="1" smtClean="0">
+                                        <a:latin typeface="Cambria Math" panose="02040503050406030204" pitchFamily="18" charset="0"/>
+                                        <a:ea typeface="Cambria Math" panose="02040503050406030204" pitchFamily="18" charset="0"/>
+                                      </a:rPr>
+                                      <m:t>,</m:t>
+                                    </m:r>
+                                    <m:r>
+                                      <a:rPr lang="en-US" sz="1100" b="0" i="1" smtClean="0">
+                                        <a:latin typeface="Cambria Math" panose="02040503050406030204" pitchFamily="18" charset="0"/>
+                                        <a:ea typeface="Cambria Math" panose="02040503050406030204" pitchFamily="18" charset="0"/>
+                                      </a:rPr>
+                                      <m:t>𝑡</m:t>
+                                    </m:r>
+                                    <m:r>
+                                      <a:rPr lang="en-US" sz="1100" b="0" i="1" smtClean="0">
+                                        <a:latin typeface="Cambria Math" panose="02040503050406030204" pitchFamily="18" charset="0"/>
+                                        <a:ea typeface="Cambria Math" panose="02040503050406030204" pitchFamily="18" charset="0"/>
+                                      </a:rPr>
+                                      <m:t>)</m:t>
+                                    </m:r>
+                                  </m:e>
+                                </m:d>
+                                <m:r>
+                                  <a:rPr lang="en-US" sz="1100" b="0" i="1" smtClean="0">
+                                    <a:latin typeface="Cambria Math" panose="02040503050406030204" pitchFamily="18" charset="0"/>
+                                    <a:ea typeface="Cambria Math" panose="02040503050406030204" pitchFamily="18" charset="0"/>
+                                  </a:rPr>
+                                  <m:t> </m:t>
+                                </m:r>
+                              </m:oMath>
+                            </m:oMathPara>
+                          </a14:m>
+                          <a:endParaRPr lang="en-US" sz="1100" b="0" i="1" dirty="0" smtClean="0">
+                            <a:latin typeface="Cambria Math" panose="02040503050406030204" pitchFamily="18" charset="0"/>
+                            <a:ea typeface="Cambria Math" panose="02040503050406030204" pitchFamily="18" charset="0"/>
+                          </a:endParaRPr>
+                        </a:p>
+                      </a:txBody>
+                      <a:tcPr>
+                        <a:noFill/>
+                      </a:tcPr>
+                    </a:tc>
+                    <a:tc>
+                      <a:txBody>
+                        <a:bodyPr/>
+                        <a:lstStyle/>
+                        <a:p>
+                          <a:pPr/>
+                          <a14:m>
+                            <m:oMathPara xmlns:m="http://schemas.openxmlformats.org/officeDocument/2006/math">
+                              <m:oMathParaPr>
+                                <m:jc m:val="centerGroup"/>
+                              </m:oMathParaPr>
+                              <m:oMath xmlns:m="http://schemas.openxmlformats.org/officeDocument/2006/math">
+                                <m:r>
+                                  <m:rPr>
+                                    <m:sty m:val="p"/>
+                                  </m:rPr>
+                                  <a:rPr lang="en-US" sz="1100" i="1" smtClean="0">
+                                    <a:latin typeface="Cambria Math" panose="02040503050406030204" pitchFamily="18" charset="0"/>
+                                    <a:ea typeface="Cambria Math" panose="02040503050406030204" pitchFamily="18" charset="0"/>
+                                  </a:rPr>
+                                  <m:t>gam</m:t>
+                                </m:r>
+                                <m:d>
+                                  <m:dPr>
+                                    <m:ctrlPr>
+                                      <a:rPr lang="en-US" sz="1100" i="1">
+                                        <a:latin typeface="Cambria Math" panose="02040503050406030204" pitchFamily="18" charset="0"/>
+                                        <a:ea typeface="Cambria Math" panose="02040503050406030204" pitchFamily="18" charset="0"/>
+                                      </a:rPr>
+                                    </m:ctrlPr>
+                                  </m:dPr>
+                                  <m:e>
+                                    <m:r>
+                                      <a:rPr lang="en-US" sz="1100" i="1">
+                                        <a:latin typeface="Cambria Math" panose="02040503050406030204" pitchFamily="18" charset="0"/>
+                                        <a:ea typeface="Cambria Math" panose="02040503050406030204" pitchFamily="18" charset="0"/>
+                                      </a:rPr>
+                                      <m:t>𝑐</m:t>
+                                    </m:r>
+                                    <m:r>
+                                      <a:rPr lang="en-US" sz="1100" i="1">
+                                        <a:latin typeface="Cambria Math" panose="02040503050406030204" pitchFamily="18" charset="0"/>
+                                        <a:ea typeface="Cambria Math" panose="02040503050406030204" pitchFamily="18" charset="0"/>
+                                      </a:rPr>
+                                      <m:t> ~1+</m:t>
+                                    </m:r>
+                                    <m:r>
+                                      <a:rPr lang="en-US" sz="1100" b="0" i="1" smtClean="0">
+                                        <a:latin typeface="Cambria Math" panose="02040503050406030204" pitchFamily="18" charset="0"/>
+                                        <a:ea typeface="Cambria Math" panose="02040503050406030204" pitchFamily="18" charset="0"/>
+                                      </a:rPr>
+                                      <m:t>𝑠</m:t>
+                                    </m:r>
+                                    <m:r>
+                                      <a:rPr lang="en-US" sz="1100" b="0" i="1" smtClean="0">
+                                        <a:latin typeface="Cambria Math" panose="02040503050406030204" pitchFamily="18" charset="0"/>
+                                        <a:ea typeface="Cambria Math" panose="02040503050406030204" pitchFamily="18" charset="0"/>
+                                      </a:rPr>
+                                      <m:t>(</m:t>
+                                    </m:r>
+                                    <m:r>
+                                      <a:rPr lang="en-US" sz="1100" b="0" i="1" smtClean="0">
+                                        <a:latin typeface="Cambria Math" panose="02040503050406030204" pitchFamily="18" charset="0"/>
+                                        <a:ea typeface="Cambria Math" panose="02040503050406030204" pitchFamily="18" charset="0"/>
+                                      </a:rPr>
+                                      <m:t>𝑥</m:t>
+                                    </m:r>
+                                    <m:r>
+                                      <a:rPr lang="en-US" sz="1100" b="0" i="1" smtClean="0">
+                                        <a:latin typeface="Cambria Math" panose="02040503050406030204" pitchFamily="18" charset="0"/>
+                                        <a:ea typeface="Cambria Math" panose="02040503050406030204" pitchFamily="18" charset="0"/>
+                                      </a:rPr>
+                                      <m:t>,</m:t>
+                                    </m:r>
+                                    <m:r>
+                                      <a:rPr lang="en-US" sz="1100" b="0" i="1" smtClean="0">
+                                        <a:latin typeface="Cambria Math" panose="02040503050406030204" pitchFamily="18" charset="0"/>
+                                        <a:ea typeface="Cambria Math" panose="02040503050406030204" pitchFamily="18" charset="0"/>
+                                      </a:rPr>
+                                      <m:t>𝑦</m:t>
+                                    </m:r>
+                                    <m:r>
+                                      <a:rPr lang="en-US" sz="1100" b="0" i="1" smtClean="0">
+                                        <a:latin typeface="Cambria Math" panose="02040503050406030204" pitchFamily="18" charset="0"/>
+                                        <a:ea typeface="Cambria Math" panose="02040503050406030204" pitchFamily="18" charset="0"/>
+                                      </a:rPr>
+                                      <m:t>)+</m:t>
+                                    </m:r>
+                                    <m:r>
+                                      <a:rPr lang="en-US" sz="1100" b="0" i="1" smtClean="0">
+                                        <a:latin typeface="Cambria Math" panose="02040503050406030204" pitchFamily="18" charset="0"/>
+                                        <a:ea typeface="Cambria Math" panose="02040503050406030204" pitchFamily="18" charset="0"/>
+                                      </a:rPr>
+                                      <m:t>𝑠</m:t>
+                                    </m:r>
+                                    <m:d>
+                                      <m:dPr>
+                                        <m:ctrlPr>
+                                          <a:rPr lang="en-US" sz="1100" i="1">
+                                            <a:latin typeface="Cambria Math" panose="02040503050406030204" pitchFamily="18" charset="0"/>
+                                            <a:ea typeface="Cambria Math" panose="02040503050406030204" pitchFamily="18" charset="0"/>
+                                          </a:rPr>
+                                        </m:ctrlPr>
+                                      </m:dPr>
+                                      <m:e>
+                                        <m:r>
+                                          <a:rPr lang="en-US" sz="1100" b="0" i="1" smtClean="0">
+                                            <a:latin typeface="Cambria Math" panose="02040503050406030204" pitchFamily="18" charset="0"/>
+                                            <a:ea typeface="Cambria Math" panose="02040503050406030204" pitchFamily="18" charset="0"/>
+                                          </a:rPr>
+                                          <m:t>𝑡</m:t>
+                                        </m:r>
+                                      </m:e>
+                                    </m:d>
+                                    <m:r>
+                                      <a:rPr lang="en-US" sz="1100" b="0" i="1" smtClean="0">
+                                        <a:latin typeface="Cambria Math" panose="02040503050406030204" pitchFamily="18" charset="0"/>
+                                        <a:ea typeface="Cambria Math" panose="02040503050406030204" pitchFamily="18" charset="0"/>
+                                      </a:rPr>
+                                      <m:t>+</m:t>
+                                    </m:r>
+                                    <m:r>
+                                      <a:rPr lang="en-US" sz="1100" b="0" i="1" smtClean="0">
+                                        <a:latin typeface="Cambria Math" panose="02040503050406030204" pitchFamily="18" charset="0"/>
+                                        <a:ea typeface="Cambria Math" panose="02040503050406030204" pitchFamily="18" charset="0"/>
+                                      </a:rPr>
+                                      <m:t>𝑠</m:t>
+                                    </m:r>
+                                    <m:r>
+                                      <a:rPr lang="en-US" sz="1100" b="0" i="1" smtClean="0">
+                                        <a:latin typeface="Cambria Math" panose="02040503050406030204" pitchFamily="18" charset="0"/>
+                                        <a:ea typeface="Cambria Math" panose="02040503050406030204" pitchFamily="18" charset="0"/>
+                                      </a:rPr>
+                                      <m:t>(</m:t>
+                                    </m:r>
+                                    <m:r>
+                                      <a:rPr lang="en-US" sz="1100" b="0" i="1" smtClean="0">
+                                        <a:latin typeface="Cambria Math" panose="02040503050406030204" pitchFamily="18" charset="0"/>
+                                        <a:ea typeface="Cambria Math" panose="02040503050406030204" pitchFamily="18" charset="0"/>
+                                      </a:rPr>
+                                      <m:t>𝑥</m:t>
+                                    </m:r>
+                                    <m:r>
+                                      <a:rPr lang="en-US" sz="1100" b="0" i="1" smtClean="0">
+                                        <a:latin typeface="Cambria Math" panose="02040503050406030204" pitchFamily="18" charset="0"/>
+                                        <a:ea typeface="Cambria Math" panose="02040503050406030204" pitchFamily="18" charset="0"/>
+                                      </a:rPr>
+                                      <m:t>,</m:t>
+                                    </m:r>
+                                    <m:r>
+                                      <a:rPr lang="en-US" sz="1100" b="0" i="1" smtClean="0">
+                                        <a:latin typeface="Cambria Math" panose="02040503050406030204" pitchFamily="18" charset="0"/>
+                                        <a:ea typeface="Cambria Math" panose="02040503050406030204" pitchFamily="18" charset="0"/>
+                                      </a:rPr>
+                                      <m:t>𝑦</m:t>
+                                    </m:r>
+                                    <m:r>
+                                      <a:rPr lang="en-US" sz="1100" b="0" i="1" smtClean="0">
+                                        <a:latin typeface="Cambria Math" panose="02040503050406030204" pitchFamily="18" charset="0"/>
+                                        <a:ea typeface="Cambria Math" panose="02040503050406030204" pitchFamily="18" charset="0"/>
+                                      </a:rPr>
+                                      <m:t>,</m:t>
+                                    </m:r>
+                                    <m:r>
+                                      <a:rPr lang="en-US" sz="1100" b="0" i="1" smtClean="0">
+                                        <a:latin typeface="Cambria Math" panose="02040503050406030204" pitchFamily="18" charset="0"/>
+                                        <a:ea typeface="Cambria Math" panose="02040503050406030204" pitchFamily="18" charset="0"/>
+                                      </a:rPr>
+                                      <m:t>𝑡</m:t>
+                                    </m:r>
+                                    <m:r>
+                                      <a:rPr lang="en-US" sz="1100" b="0" i="1" smtClean="0">
+                                        <a:latin typeface="Cambria Math" panose="02040503050406030204" pitchFamily="18" charset="0"/>
+                                        <a:ea typeface="Cambria Math" panose="02040503050406030204" pitchFamily="18" charset="0"/>
+                                      </a:rPr>
+                                      <m:t>)</m:t>
+                                    </m:r>
+                                  </m:e>
+                                </m:d>
+                              </m:oMath>
+                            </m:oMathPara>
+                          </a14:m>
+                          <a:endParaRPr lang="en-GB" sz="1100" b="1" dirty="0">
+                            <a:solidFill>
+                              <a:schemeClr val="tx1"/>
+                            </a:solidFill>
+                          </a:endParaRPr>
+                        </a:p>
+                      </a:txBody>
+                      <a:tcPr>
+                        <a:noFill/>
+                      </a:tcPr>
+                    </a:tc>
+                    <a:extLst>
+                      <a:ext uri="{0D108BD9-81ED-4DB2-BD59-A6C34878D82A}">
+                        <a16:rowId xmlns:a16="http://schemas.microsoft.com/office/drawing/2014/main" val="760499547"/>
+                      </a:ext>
+                    </a:extLst>
+                  </a:tr>
+                </a:tbl>
+              </a:graphicData>
+            </a:graphic>
+          </p:graphicFrame>
+        </mc:Choice>
+        <mc:Fallback xmlns="">
+          <p:graphicFrame>
+            <p:nvGraphicFramePr>
+              <p:cNvPr id="6" name="Table 5"/>
+              <p:cNvGraphicFramePr>
+                <a:graphicFrameLocks noGrp="1"/>
+              </p:cNvGraphicFramePr>
+              <p:nvPr>
+                <p:extLst>
+                  <p:ext uri="{D42A27DB-BD31-4B8C-83A1-F6EECF244321}">
+                    <p14:modId xmlns:p14="http://schemas.microsoft.com/office/powerpoint/2010/main" val="2920149492"/>
+                  </p:ext>
+                </p:extLst>
+              </p:nvPr>
+            </p:nvGraphicFramePr>
+            <p:xfrm>
+              <a:off x="321870" y="4329176"/>
+              <a:ext cx="8500260" cy="2271967"/>
+            </p:xfrm>
+            <a:graphic>
+              <a:graphicData uri="http://schemas.openxmlformats.org/drawingml/2006/table">
+                <a:tbl>
+                  <a:tblPr firstRow="1" bandRow="1">
+                    <a:tableStyleId>{5C22544A-7EE6-4342-B048-85BDC9FD1C3A}</a:tableStyleId>
+                  </a:tblPr>
+                  <a:tblGrid>
+                    <a:gridCol w="782725">
+                      <a:extLst>
+                        <a:ext uri="{9D8B030D-6E8A-4147-A177-3AD203B41FA5}">
+                          <a16:colId xmlns:a16="http://schemas.microsoft.com/office/drawing/2014/main" val="1044793742"/>
+                        </a:ext>
+                      </a:extLst>
+                    </a:gridCol>
+                    <a:gridCol w="1455725">
+                      <a:extLst>
+                        <a:ext uri="{9D8B030D-6E8A-4147-A177-3AD203B41FA5}">
+                          <a16:colId xmlns:a16="http://schemas.microsoft.com/office/drawing/2014/main" val="1247232197"/>
+                        </a:ext>
+                      </a:extLst>
+                    </a:gridCol>
+                    <a:gridCol w="2033626">
+                      <a:extLst>
+                        <a:ext uri="{9D8B030D-6E8A-4147-A177-3AD203B41FA5}">
+                          <a16:colId xmlns:a16="http://schemas.microsoft.com/office/drawing/2014/main" val="2025888858"/>
+                        </a:ext>
+                      </a:extLst>
+                    </a:gridCol>
+                    <a:gridCol w="2099462">
+                      <a:extLst>
+                        <a:ext uri="{9D8B030D-6E8A-4147-A177-3AD203B41FA5}">
+                          <a16:colId xmlns:a16="http://schemas.microsoft.com/office/drawing/2014/main" val="2119540534"/>
+                        </a:ext>
+                      </a:extLst>
+                    </a:gridCol>
+                    <a:gridCol w="2128722">
+                      <a:extLst>
+                        <a:ext uri="{9D8B030D-6E8A-4147-A177-3AD203B41FA5}">
+                          <a16:colId xmlns:a16="http://schemas.microsoft.com/office/drawing/2014/main" val="2262901501"/>
+                        </a:ext>
+                      </a:extLst>
+                    </a:gridCol>
+                  </a:tblGrid>
+                  <a:tr h="370840">
+                    <a:tc>
+                      <a:txBody>
+                        <a:bodyPr/>
+                        <a:lstStyle/>
+                        <a:p>
+                          <a:endParaRPr lang="en-GB" b="1" dirty="0">
+                            <a:solidFill>
+                              <a:schemeClr val="tx1"/>
+                            </a:solidFill>
+                          </a:endParaRPr>
+                        </a:p>
+                      </a:txBody>
+                      <a:tcPr>
+                        <a:noFill/>
+                      </a:tcPr>
+                    </a:tc>
+                    <a:tc gridSpan="4">
+                      <a:txBody>
+                        <a:bodyPr/>
+                        <a:lstStyle/>
+                        <a:p>
+                          <a:pPr algn="ctr"/>
+                          <a:r>
+                            <a:rPr lang="en-US" b="1" dirty="0" smtClean="0">
+                              <a:solidFill>
+                                <a:schemeClr val="tx1"/>
+                              </a:solidFill>
+                            </a:rPr>
+                            <a:t>Temporal effect</a:t>
+                          </a:r>
+                          <a:endParaRPr lang="en-GB" b="1" dirty="0">
+                            <a:solidFill>
+                              <a:schemeClr val="tx1"/>
+                            </a:solidFill>
+                          </a:endParaRPr>
+                        </a:p>
+                      </a:txBody>
+                      <a:tcPr>
+                        <a:noFill/>
+                      </a:tcPr>
+                    </a:tc>
+                    <a:tc hMerge="1">
+                      <a:txBody>
+                        <a:bodyPr/>
+                        <a:lstStyle/>
+                        <a:p>
+                          <a:endParaRPr lang="en-GB"/>
+                        </a:p>
+                      </a:txBody>
+                      <a:tcPr>
+                        <a:noFill/>
+                      </a:tcPr>
+                    </a:tc>
+                    <a:tc hMerge="1">
+                      <a:txBody>
+                        <a:bodyPr/>
+                        <a:lstStyle/>
+                        <a:p>
+                          <a:endParaRPr lang="en-GB"/>
+                        </a:p>
+                      </a:txBody>
+                      <a:tcPr>
+                        <a:noFill/>
+                      </a:tcPr>
+                    </a:tc>
+                    <a:tc hMerge="1">
+                      <a:txBody>
+                        <a:bodyPr/>
+                        <a:lstStyle/>
+                        <a:p>
+                          <a:endParaRPr lang="en-GB"/>
+                        </a:p>
+                      </a:txBody>
+                      <a:tcPr>
+                        <a:noFill/>
+                      </a:tcPr>
+                    </a:tc>
+                    <a:extLst>
+                      <a:ext uri="{0D108BD9-81ED-4DB2-BD59-A6C34878D82A}">
+                        <a16:rowId xmlns:a16="http://schemas.microsoft.com/office/drawing/2014/main" val="4149236068"/>
+                      </a:ext>
+                    </a:extLst>
+                  </a:tr>
+                  <a:tr h="370840">
+                    <a:tc rowSpan="4">
+                      <a:txBody>
+                        <a:bodyPr/>
+                        <a:lstStyle/>
+                        <a:p>
+                          <a:pPr algn="ctr"/>
+                          <a:r>
+                            <a:rPr lang="en-US" b="1" dirty="0" err="1" smtClean="0">
+                              <a:solidFill>
+                                <a:schemeClr val="tx1"/>
+                              </a:solidFill>
+                            </a:rPr>
+                            <a:t>Spatio</a:t>
+                          </a:r>
+                          <a:r>
+                            <a:rPr lang="en-US" b="1" dirty="0" smtClean="0">
+                              <a:solidFill>
+                                <a:schemeClr val="tx1"/>
+                              </a:solidFill>
+                            </a:rPr>
+                            <a:t>-temporal</a:t>
+                          </a:r>
+                          <a:r>
+                            <a:rPr lang="en-US" b="1" baseline="0" dirty="0" smtClean="0">
+                              <a:solidFill>
+                                <a:schemeClr val="tx1"/>
+                              </a:solidFill>
+                            </a:rPr>
+                            <a:t> effect</a:t>
+                          </a:r>
+                          <a:endParaRPr lang="en-GB" b="1" dirty="0">
+                            <a:solidFill>
+                              <a:schemeClr val="tx1"/>
+                            </a:solidFill>
+                          </a:endParaRPr>
+                        </a:p>
+                      </a:txBody>
+                      <a:tcPr vert="vert270">
+                        <a:noFill/>
+                      </a:tcPr>
+                    </a:tc>
+                    <a:tc>
+                      <a:txBody>
+                        <a:bodyPr/>
+                        <a:lstStyle/>
+                        <a:p>
+                          <a:endParaRPr lang="en-GB" b="1" dirty="0">
+                            <a:solidFill>
+                              <a:schemeClr val="tx1"/>
+                            </a:solidFill>
+                          </a:endParaRPr>
+                        </a:p>
+                      </a:txBody>
+                      <a:tcPr>
+                        <a:noFill/>
+                      </a:tcPr>
+                    </a:tc>
+                    <a:tc>
+                      <a:txBody>
+                        <a:bodyPr/>
+                        <a:lstStyle/>
+                        <a:p>
+                          <a:r>
+                            <a:rPr lang="en-US" b="1" dirty="0" smtClean="0">
+                              <a:solidFill>
+                                <a:schemeClr val="tx1"/>
+                              </a:solidFill>
+                            </a:rPr>
+                            <a:t>None</a:t>
+                          </a:r>
+                          <a:endParaRPr lang="en-GB" b="1" dirty="0">
+                            <a:solidFill>
+                              <a:schemeClr val="tx1"/>
+                            </a:solidFill>
+                          </a:endParaRPr>
+                        </a:p>
+                      </a:txBody>
+                      <a:tcPr>
+                        <a:noFill/>
+                      </a:tcPr>
+                    </a:tc>
+                    <a:tc>
+                      <a:txBody>
+                        <a:bodyPr/>
+                        <a:lstStyle/>
+                        <a:p>
+                          <a:r>
+                            <a:rPr lang="en-US" b="1" dirty="0" smtClean="0">
+                              <a:solidFill>
+                                <a:schemeClr val="tx1"/>
+                              </a:solidFill>
+                            </a:rPr>
+                            <a:t>Independent</a:t>
+                          </a:r>
+                          <a:endParaRPr lang="en-GB" b="1" dirty="0">
+                            <a:solidFill>
+                              <a:schemeClr val="tx1"/>
+                            </a:solidFill>
+                          </a:endParaRPr>
+                        </a:p>
+                      </a:txBody>
+                      <a:tcPr>
+                        <a:noFill/>
+                      </a:tcPr>
+                    </a:tc>
+                    <a:tc>
+                      <a:txBody>
+                        <a:bodyPr/>
+                        <a:lstStyle/>
+                        <a:p>
+                          <a:r>
+                            <a:rPr lang="en-US" b="1" dirty="0" smtClean="0">
+                              <a:solidFill>
+                                <a:schemeClr val="tx1"/>
+                              </a:solidFill>
+                            </a:rPr>
+                            <a:t>Smoothed</a:t>
+                          </a:r>
+                          <a:endParaRPr lang="en-GB" b="1" dirty="0">
+                            <a:solidFill>
+                              <a:schemeClr val="tx1"/>
+                            </a:solidFill>
+                          </a:endParaRPr>
+                        </a:p>
+                      </a:txBody>
+                      <a:tcPr>
+                        <a:noFill/>
+                      </a:tcPr>
+                    </a:tc>
+                    <a:extLst>
+                      <a:ext uri="{0D108BD9-81ED-4DB2-BD59-A6C34878D82A}">
+                        <a16:rowId xmlns:a16="http://schemas.microsoft.com/office/drawing/2014/main" val="3786578407"/>
+                      </a:ext>
+                    </a:extLst>
+                  </a:tr>
+                  <a:tr h="469900">
+                    <a:tc vMerge="1">
+                      <a:txBody>
+                        <a:bodyPr/>
+                        <a:lstStyle/>
+                        <a:p>
+                          <a:endParaRPr lang="en-GB"/>
+                        </a:p>
+                      </a:txBody>
+                      <a:tcPr>
+                        <a:noFill/>
+                      </a:tcPr>
+                    </a:tc>
+                    <a:tc>
+                      <a:txBody>
+                        <a:bodyPr/>
+                        <a:lstStyle/>
+                        <a:p>
+                          <a:r>
+                            <a:rPr lang="en-US" b="1" dirty="0" smtClean="0">
+                              <a:solidFill>
+                                <a:schemeClr val="tx1"/>
+                              </a:solidFill>
+                            </a:rPr>
+                            <a:t>None</a:t>
+                          </a:r>
+                          <a:endParaRPr lang="en-GB" b="1" dirty="0">
+                            <a:solidFill>
+                              <a:schemeClr val="tx1"/>
+                            </a:solidFill>
+                          </a:endParaRPr>
+                        </a:p>
+                      </a:txBody>
+                      <a:tcPr>
+                        <a:noFill/>
+                      </a:tcPr>
+                    </a:tc>
+                    <a:tc>
+                      <a:txBody>
+                        <a:bodyPr/>
+                        <a:lstStyle/>
+                        <a:p>
+                          <a:endParaRPr lang="en-US"/>
+                        </a:p>
+                      </a:txBody>
+                      <a:tcPr>
+                        <a:blipFill>
+                          <a:blip r:embed="rId3"/>
+                          <a:stretch>
+                            <a:fillRect l="-110479" t="-164935" r="-208982" b="-310390"/>
+                          </a:stretch>
+                        </a:blipFill>
+                      </a:tcPr>
+                    </a:tc>
+                    <a:tc>
+                      <a:txBody>
+                        <a:bodyPr/>
+                        <a:lstStyle/>
+                        <a:p>
+                          <a:endParaRPr lang="en-US"/>
+                        </a:p>
+                      </a:txBody>
+                      <a:tcPr>
+                        <a:blipFill>
+                          <a:blip r:embed="rId3"/>
+                          <a:stretch>
+                            <a:fillRect l="-204360" t="-164935" r="-102907" b="-310390"/>
+                          </a:stretch>
+                        </a:blipFill>
+                      </a:tcPr>
+                    </a:tc>
+                    <a:tc>
+                      <a:txBody>
+                        <a:bodyPr/>
+                        <a:lstStyle/>
+                        <a:p>
+                          <a:endParaRPr lang="en-US"/>
+                        </a:p>
+                      </a:txBody>
+                      <a:tcPr>
+                        <a:blipFill>
+                          <a:blip r:embed="rId3"/>
+                          <a:stretch>
+                            <a:fillRect l="-299143" t="-164935" r="-1143" b="-310390"/>
+                          </a:stretch>
+                        </a:blipFill>
+                      </a:tcPr>
+                    </a:tc>
+                    <a:extLst>
+                      <a:ext uri="{0D108BD9-81ED-4DB2-BD59-A6C34878D82A}">
+                        <a16:rowId xmlns:a16="http://schemas.microsoft.com/office/drawing/2014/main" val="4250802862"/>
+                      </a:ext>
+                    </a:extLst>
+                  </a:tr>
+                  <a:tr h="637540">
+                    <a:tc vMerge="1">
+                      <a:txBody>
+                        <a:bodyPr/>
+                        <a:lstStyle/>
+                        <a:p>
+                          <a:endParaRPr lang="en-GB"/>
+                        </a:p>
+                      </a:txBody>
+                      <a:tcPr>
+                        <a:noFill/>
+                      </a:tcPr>
+                    </a:tc>
+                    <a:tc>
+                      <a:txBody>
+                        <a:bodyPr/>
+                        <a:lstStyle/>
+                        <a:p>
+                          <a:r>
+                            <a:rPr lang="en-US" b="1" dirty="0" smtClean="0">
+                              <a:solidFill>
+                                <a:schemeClr val="tx1"/>
+                              </a:solidFill>
+                            </a:rPr>
+                            <a:t>Independent</a:t>
+                          </a:r>
+                          <a:endParaRPr lang="en-GB" b="1" dirty="0">
+                            <a:solidFill>
+                              <a:schemeClr val="tx1"/>
+                            </a:solidFill>
+                          </a:endParaRPr>
+                        </a:p>
+                      </a:txBody>
+                      <a:tcPr>
+                        <a:noFill/>
+                      </a:tcPr>
+                    </a:tc>
+                    <a:tc>
+                      <a:txBody>
+                        <a:bodyPr/>
+                        <a:lstStyle/>
+                        <a:p>
+                          <a:endParaRPr lang="en-US"/>
+                        </a:p>
+                      </a:txBody>
+                      <a:tcPr>
+                        <a:blipFill>
+                          <a:blip r:embed="rId3"/>
+                          <a:stretch>
+                            <a:fillRect l="-110479" t="-194286" r="-208982" b="-127619"/>
+                          </a:stretch>
+                        </a:blipFill>
+                      </a:tcPr>
+                    </a:tc>
+                    <a:tc>
+                      <a:txBody>
+                        <a:bodyPr/>
+                        <a:lstStyle/>
+                        <a:p>
+                          <a:endParaRPr lang="en-US"/>
+                        </a:p>
+                      </a:txBody>
+                      <a:tcPr>
+                        <a:blipFill>
+                          <a:blip r:embed="rId3"/>
+                          <a:stretch>
+                            <a:fillRect l="-204360" t="-194286" r="-102907" b="-127619"/>
+                          </a:stretch>
+                        </a:blipFill>
+                      </a:tcPr>
+                    </a:tc>
+                    <a:tc>
+                      <a:txBody>
+                        <a:bodyPr/>
+                        <a:lstStyle/>
+                        <a:p>
+                          <a:endParaRPr lang="en-US"/>
+                        </a:p>
+                      </a:txBody>
+                      <a:tcPr>
+                        <a:blipFill>
+                          <a:blip r:embed="rId3"/>
+                          <a:stretch>
+                            <a:fillRect l="-299143" t="-194286" r="-1143" b="-127619"/>
+                          </a:stretch>
+                        </a:blipFill>
+                      </a:tcPr>
+                    </a:tc>
+                    <a:extLst>
+                      <a:ext uri="{0D108BD9-81ED-4DB2-BD59-A6C34878D82A}">
+                        <a16:rowId xmlns:a16="http://schemas.microsoft.com/office/drawing/2014/main" val="493528068"/>
+                      </a:ext>
+                    </a:extLst>
+                  </a:tr>
+                  <a:tr h="422847">
+                    <a:tc vMerge="1">
+                      <a:txBody>
+                        <a:bodyPr/>
+                        <a:lstStyle/>
+                        <a:p>
+                          <a:endParaRPr lang="en-GB" dirty="0"/>
+                        </a:p>
+                      </a:txBody>
+                      <a:tcPr>
+                        <a:noFill/>
+                      </a:tcPr>
+                    </a:tc>
+                    <a:tc>
+                      <a:txBody>
+                        <a:bodyPr/>
+                        <a:lstStyle/>
+                        <a:p>
+                          <a:r>
+                            <a:rPr lang="en-US" b="1" dirty="0" smtClean="0">
+                              <a:solidFill>
+                                <a:schemeClr val="tx1"/>
+                              </a:solidFill>
+                            </a:rPr>
+                            <a:t>Smoothed</a:t>
+                          </a:r>
+                          <a:endParaRPr lang="en-GB" b="1" dirty="0">
+                            <a:solidFill>
+                              <a:schemeClr val="tx1"/>
+                            </a:solidFill>
+                          </a:endParaRPr>
+                        </a:p>
+                      </a:txBody>
+                      <a:tcPr>
+                        <a:noFill/>
+                      </a:tcPr>
+                    </a:tc>
+                    <a:tc>
+                      <a:txBody>
+                        <a:bodyPr/>
+                        <a:lstStyle/>
+                        <a:p>
+                          <a:endParaRPr lang="en-US"/>
+                        </a:p>
+                      </a:txBody>
+                      <a:tcPr>
+                        <a:blipFill>
+                          <a:blip r:embed="rId3"/>
+                          <a:stretch>
+                            <a:fillRect l="-110479" t="-447826" r="-208982" b="-94203"/>
+                          </a:stretch>
+                        </a:blipFill>
+                      </a:tcPr>
+                    </a:tc>
+                    <a:tc>
+                      <a:txBody>
+                        <a:bodyPr/>
+                        <a:lstStyle/>
+                        <a:p>
+                          <a:endParaRPr lang="en-US"/>
+                        </a:p>
+                      </a:txBody>
+                      <a:tcPr>
+                        <a:blipFill>
+                          <a:blip r:embed="rId3"/>
+                          <a:stretch>
+                            <a:fillRect l="-204360" t="-447826" r="-102907" b="-94203"/>
+                          </a:stretch>
+                        </a:blipFill>
+                      </a:tcPr>
+                    </a:tc>
+                    <a:tc>
+                      <a:txBody>
+                        <a:bodyPr/>
+                        <a:lstStyle/>
+                        <a:p>
+                          <a:endParaRPr lang="en-US"/>
+                        </a:p>
+                      </a:txBody>
+                      <a:tcPr>
+                        <a:blipFill>
+                          <a:blip r:embed="rId3"/>
+                          <a:stretch>
+                            <a:fillRect l="-299143" t="-447826" r="-1143" b="-94203"/>
+                          </a:stretch>
+                        </a:blipFill>
+                      </a:tcPr>
+                    </a:tc>
+                    <a:extLst>
+                      <a:ext uri="{0D108BD9-81ED-4DB2-BD59-A6C34878D82A}">
+                        <a16:rowId xmlns:a16="http://schemas.microsoft.com/office/drawing/2014/main" val="760499547"/>
+                      </a:ext>
+                    </a:extLst>
+                  </a:tr>
+                </a:tbl>
+              </a:graphicData>
+            </a:graphic>
+          </p:graphicFrame>
+        </mc:Fallback>
+      </mc:AlternateContent>
+    </p:spTree>
+    <p:extLst>
+      <p:ext uri="{BB962C8B-B14F-4D97-AF65-F5344CB8AC3E}">
+        <p14:creationId xmlns:p14="http://schemas.microsoft.com/office/powerpoint/2010/main" val="1629160750"/>
+      </p:ext>
+    </p:extLst>
+  </p:cSld>
+  <p:clrMapOvr>
+    <a:masterClrMapping/>
+  </p:clrMapOvr>
+  <p:timing>
+    <p:tnLst>
+      <p:par>
+        <p:cTn id="1" dur="indefinite" restart="never" nodeType="tmRoot"/>
+      </p:par>
+    </p:tnLst>
+  </p:timing>
+</p:sld>
+</file>
+
+<file path=ppt/slides/slide12.xml><?xml version="1.0" encoding="utf-8"?>
+<p:sld xmlns:a="http://schemas.openxmlformats.org/drawingml/2006/main" xmlns:r="http://schemas.openxmlformats.org/officeDocument/2006/relationships" xmlns:p="http://schemas.openxmlformats.org/presentationml/2006/main">
+  <p:cSld>
+    <p:spTree>
+      <p:nvGrpSpPr>
+        <p:cNvPr id="1" name=""/>
+        <p:cNvGrpSpPr/>
+        <p:nvPr/>
+      </p:nvGrpSpPr>
+      <p:grpSpPr>
+        <a:xfrm>
+          <a:off x="0" y="0"/>
+          <a:ext cx="0" cy="0"/>
+          <a:chOff x="0" y="0"/>
+          <a:chExt cx="0" cy="0"/>
+        </a:xfrm>
+      </p:grpSpPr>
+      <p:sp>
+        <p:nvSpPr>
+          <p:cNvPr id="2" name="Title 1"/>
+          <p:cNvSpPr>
+            <a:spLocks noGrp="1"/>
+          </p:cNvSpPr>
+          <p:nvPr>
+            <p:ph type="title"/>
+          </p:nvPr>
+        </p:nvSpPr>
+        <p:spPr/>
+        <p:txBody>
+          <a:bodyPr/>
+          <a:lstStyle/>
+          <a:p>
+            <a:endParaRPr lang="en-GB"/>
+          </a:p>
+        </p:txBody>
+      </p:sp>
+      <p:sp>
+        <p:nvSpPr>
+          <p:cNvPr id="3" name="Content Placeholder 2"/>
+          <p:cNvSpPr>
+            <a:spLocks noGrp="1"/>
+          </p:cNvSpPr>
+          <p:nvPr>
+            <p:ph idx="1"/>
+          </p:nvPr>
+        </p:nvSpPr>
+        <p:spPr/>
+        <p:txBody>
+          <a:bodyPr>
+            <a:normAutofit fontScale="92500" lnSpcReduction="10000"/>
+          </a:bodyPr>
+          <a:lstStyle/>
+          <a:p>
+            <a:pPr marL="0" indent="0">
+              <a:buNone/>
+            </a:pPr>
+            <a:r>
+              <a:rPr lang="en-US" dirty="0" smtClean="0"/>
+              <a:t>What to do if you have 1000s of unique locations?</a:t>
+            </a:r>
+          </a:p>
+          <a:p>
+            <a:pPr marL="514350" indent="-514350">
+              <a:buFont typeface="+mj-lt"/>
+              <a:buAutoNum type="arabicPeriod"/>
+            </a:pPr>
+            <a:r>
+              <a:rPr lang="en-US" dirty="0" smtClean="0"/>
+              <a:t>Get a bigger computer</a:t>
+            </a:r>
+          </a:p>
+          <a:p>
+            <a:pPr lvl="1"/>
+            <a:r>
+              <a:rPr lang="en-US" dirty="0" smtClean="0"/>
+              <a:t>TMB allows parallelization</a:t>
+            </a:r>
+          </a:p>
+          <a:p>
+            <a:pPr marL="514350" indent="-514350">
+              <a:buFont typeface="+mj-lt"/>
+              <a:buAutoNum type="arabicPeriod"/>
+            </a:pPr>
+            <a:r>
+              <a:rPr lang="en-US" dirty="0" smtClean="0"/>
+              <a:t>Decrease spatial resolution</a:t>
+            </a:r>
+          </a:p>
+          <a:p>
+            <a:pPr lvl="1"/>
+            <a:r>
+              <a:rPr lang="en-US" dirty="0" smtClean="0"/>
+              <a:t>Define number of “knots”</a:t>
+            </a:r>
+          </a:p>
+          <a:p>
+            <a:pPr lvl="1"/>
+            <a:r>
+              <a:rPr lang="en-US" dirty="0" smtClean="0"/>
+              <a:t>Run k-means algorithm to identify placement of knots</a:t>
+            </a:r>
+          </a:p>
+          <a:p>
+            <a:pPr lvl="2"/>
+            <a:r>
+              <a:rPr lang="en-US" dirty="0" smtClean="0"/>
+              <a:t>Minimize distance between locations and nearest knot</a:t>
+            </a:r>
+          </a:p>
+          <a:p>
+            <a:pPr lvl="1"/>
+            <a:r>
+              <a:rPr lang="en-US" dirty="0" smtClean="0"/>
+              <a:t>Associate each sample with the nearest knot</a:t>
+            </a:r>
+          </a:p>
+          <a:p>
+            <a:pPr lvl="1"/>
+            <a:r>
+              <a:rPr lang="en-US" dirty="0" smtClean="0"/>
+              <a:t>Assumes that density is constant at finer scales than the distance between knots</a:t>
+            </a:r>
+          </a:p>
+          <a:p>
+            <a:pPr marL="514350" indent="-514350">
+              <a:buFont typeface="+mj-lt"/>
+              <a:buAutoNum type="arabicPeriod"/>
+            </a:pPr>
+            <a:r>
+              <a:rPr lang="en-US" dirty="0" smtClean="0"/>
+              <a:t>Run in batches</a:t>
+            </a:r>
+          </a:p>
+          <a:p>
+            <a:pPr lvl="1"/>
+            <a:r>
+              <a:rPr lang="en-US" dirty="0" smtClean="0"/>
+              <a:t>Run model on smaller scales</a:t>
+            </a:r>
+          </a:p>
+          <a:p>
+            <a:pPr lvl="1"/>
+            <a:r>
+              <a:rPr lang="en-US" dirty="0" smtClean="0"/>
+              <a:t>Run “meta-analysis” model on results from each small-scale model</a:t>
+            </a:r>
+            <a:endParaRPr lang="en-GB" dirty="0"/>
+          </a:p>
+        </p:txBody>
+      </p:sp>
+    </p:spTree>
+    <p:extLst>
+      <p:ext uri="{BB962C8B-B14F-4D97-AF65-F5344CB8AC3E}">
+        <p14:creationId xmlns:p14="http://schemas.microsoft.com/office/powerpoint/2010/main" val="4037737376"/>
+      </p:ext>
+    </p:extLst>
+  </p:cSld>
+  <p:clrMapOvr>
+    <a:masterClrMapping/>
+  </p:clrMapOvr>
+  <p:timing>
+    <p:tnLst>
+      <p:par>
+        <p:cTn id="1" dur="indefinite" restart="never" nodeType="tmRoot">
+          <p:childTnLst>
+            <p:seq concurrent="1" nextAc="seek">
+              <p:cTn id="2" dur="indefinite" nodeType="mainSeq">
+                <p:childTnLst>
+                  <p:par>
+                    <p:cTn id="3" fill="hold">
+                      <p:stCondLst>
+                        <p:cond delay="indefinite"/>
+                      </p:stCondLst>
+                      <p:childTnLst>
+                        <p:par>
+                          <p:cTn id="4" fill="hold">
+                            <p:stCondLst>
+                              <p:cond delay="0"/>
+                            </p:stCondLst>
+                            <p:childTnLst>
+                              <p:par>
+                                <p:cTn id="5" presetID="1" presetClass="entr" presetSubtype="0" fill="hold" nodeType="clickEffect">
+                                  <p:stCondLst>
+                                    <p:cond delay="0"/>
+                                  </p:stCondLst>
+                                  <p:childTnLst>
+                                    <p:set>
+                                      <p:cBhvr>
+                                        <p:cTn id="6" dur="1" fill="hold">
+                                          <p:stCondLst>
+                                            <p:cond delay="0"/>
+                                          </p:stCondLst>
+                                        </p:cTn>
+                                        <p:tgtEl>
+                                          <p:spTgt spid="3">
+                                            <p:txEl>
+                                              <p:pRg st="1" end="1"/>
+                                            </p:txEl>
+                                          </p:spTgt>
+                                        </p:tgtEl>
+                                        <p:attrNameLst>
+                                          <p:attrName>style.visibility</p:attrName>
+                                        </p:attrNameLst>
+                                      </p:cBhvr>
+                                      <p:to>
+                                        <p:strVal val="visible"/>
+                                      </p:to>
+                                    </p:set>
+                                  </p:childTnLst>
+                                </p:cTn>
+                              </p:par>
+                              <p:par>
+                                <p:cTn id="7" presetID="1" presetClass="entr" presetSubtype="0" fill="hold" nodeType="withEffect">
+                                  <p:stCondLst>
+                                    <p:cond delay="0"/>
+                                  </p:stCondLst>
+                                  <p:childTnLst>
+                                    <p:set>
+                                      <p:cBhvr>
+                                        <p:cTn id="8" dur="1" fill="hold">
+                                          <p:stCondLst>
+                                            <p:cond delay="0"/>
+                                          </p:stCondLst>
+                                        </p:cTn>
+                                        <p:tgtEl>
+                                          <p:spTgt spid="3">
+                                            <p:txEl>
+                                              <p:pRg st="2" end="2"/>
+                                            </p:txEl>
+                                          </p:spTgt>
+                                        </p:tgtEl>
+                                        <p:attrNameLst>
+                                          <p:attrName>style.visibility</p:attrName>
+                                        </p:attrNameLst>
+                                      </p:cBhvr>
+                                      <p:to>
+                                        <p:strVal val="visible"/>
+                                      </p:to>
+                                    </p:set>
+                                  </p:childTnLst>
+                                </p:cTn>
+                              </p:par>
+                              <p:par>
+                                <p:cTn id="9" presetID="1" presetClass="entr" presetSubtype="0" fill="hold" nodeType="withEffect">
+                                  <p:stCondLst>
+                                    <p:cond delay="0"/>
+                                  </p:stCondLst>
+                                  <p:childTnLst>
+                                    <p:set>
+                                      <p:cBhvr>
+                                        <p:cTn id="10" dur="1" fill="hold">
+                                          <p:stCondLst>
+                                            <p:cond delay="0"/>
+                                          </p:stCondLst>
+                                        </p:cTn>
+                                        <p:tgtEl>
+                                          <p:spTgt spid="3">
+                                            <p:txEl>
+                                              <p:pRg st="3" end="3"/>
+                                            </p:txEl>
+                                          </p:spTgt>
+                                        </p:tgtEl>
+                                        <p:attrNameLst>
+                                          <p:attrName>style.visibility</p:attrName>
+                                        </p:attrNameLst>
+                                      </p:cBhvr>
+                                      <p:to>
+                                        <p:strVal val="visible"/>
+                                      </p:to>
+                                    </p:set>
+                                  </p:childTnLst>
+                                </p:cTn>
+                              </p:par>
+                              <p:par>
+                                <p:cTn id="11" presetID="1" presetClass="entr" presetSubtype="0" fill="hold" nodeType="withEffect">
+                                  <p:stCondLst>
+                                    <p:cond delay="0"/>
+                                  </p:stCondLst>
+                                  <p:childTnLst>
+                                    <p:set>
+                                      <p:cBhvr>
+                                        <p:cTn id="12" dur="1" fill="hold">
+                                          <p:stCondLst>
+                                            <p:cond delay="0"/>
+                                          </p:stCondLst>
+                                        </p:cTn>
+                                        <p:tgtEl>
+                                          <p:spTgt spid="3">
+                                            <p:txEl>
+                                              <p:pRg st="4" end="4"/>
+                                            </p:txEl>
+                                          </p:spTgt>
+                                        </p:tgtEl>
+                                        <p:attrNameLst>
+                                          <p:attrName>style.visibility</p:attrName>
+                                        </p:attrNameLst>
+                                      </p:cBhvr>
+                                      <p:to>
+                                        <p:strVal val="visible"/>
+                                      </p:to>
+                                    </p:set>
+                                  </p:childTnLst>
+                                </p:cTn>
+                              </p:par>
+                              <p:par>
+                                <p:cTn id="13" presetID="1" presetClass="entr" presetSubtype="0" fill="hold" nodeType="withEffect">
+                                  <p:stCondLst>
+                                    <p:cond delay="0"/>
+                                  </p:stCondLst>
+                                  <p:childTnLst>
+                                    <p:set>
+                                      <p:cBhvr>
+                                        <p:cTn id="14" dur="1" fill="hold">
+                                          <p:stCondLst>
+                                            <p:cond delay="0"/>
+                                          </p:stCondLst>
+                                        </p:cTn>
+                                        <p:tgtEl>
+                                          <p:spTgt spid="3">
+                                            <p:txEl>
+                                              <p:pRg st="5" end="5"/>
+                                            </p:txEl>
+                                          </p:spTgt>
+                                        </p:tgtEl>
+                                        <p:attrNameLst>
+                                          <p:attrName>style.visibility</p:attrName>
+                                        </p:attrNameLst>
+                                      </p:cBhvr>
+                                      <p:to>
+                                        <p:strVal val="visible"/>
+                                      </p:to>
+                                    </p:set>
+                                  </p:childTnLst>
+                                </p:cTn>
+                              </p:par>
+                              <p:par>
+                                <p:cTn id="15" presetID="1" presetClass="entr" presetSubtype="0" fill="hold" nodeType="withEffect">
+                                  <p:stCondLst>
+                                    <p:cond delay="0"/>
+                                  </p:stCondLst>
+                                  <p:childTnLst>
+                                    <p:set>
+                                      <p:cBhvr>
+                                        <p:cTn id="16" dur="1" fill="hold">
+                                          <p:stCondLst>
+                                            <p:cond delay="0"/>
+                                          </p:stCondLst>
+                                        </p:cTn>
+                                        <p:tgtEl>
+                                          <p:spTgt spid="3">
+                                            <p:txEl>
+                                              <p:pRg st="6" end="6"/>
+                                            </p:txEl>
+                                          </p:spTgt>
+                                        </p:tgtEl>
+                                        <p:attrNameLst>
+                                          <p:attrName>style.visibility</p:attrName>
+                                        </p:attrNameLst>
+                                      </p:cBhvr>
+                                      <p:to>
+                                        <p:strVal val="visible"/>
+                                      </p:to>
+                                    </p:set>
+                                  </p:childTnLst>
+                                </p:cTn>
+                              </p:par>
+                              <p:par>
+                                <p:cTn id="17" presetID="1" presetClass="entr" presetSubtype="0" fill="hold" nodeType="withEffect">
+                                  <p:stCondLst>
+                                    <p:cond delay="0"/>
+                                  </p:stCondLst>
+                                  <p:childTnLst>
+                                    <p:set>
+                                      <p:cBhvr>
+                                        <p:cTn id="18" dur="1" fill="hold">
+                                          <p:stCondLst>
+                                            <p:cond delay="0"/>
+                                          </p:stCondLst>
+                                        </p:cTn>
+                                        <p:tgtEl>
+                                          <p:spTgt spid="3">
+                                            <p:txEl>
+                                              <p:pRg st="7" end="7"/>
+                                            </p:txEl>
+                                          </p:spTgt>
+                                        </p:tgtEl>
+                                        <p:attrNameLst>
+                                          <p:attrName>style.visibility</p:attrName>
+                                        </p:attrNameLst>
+                                      </p:cBhvr>
+                                      <p:to>
+                                        <p:strVal val="visible"/>
+                                      </p:to>
+                                    </p:set>
+                                  </p:childTnLst>
+                                </p:cTn>
+                              </p:par>
+                              <p:par>
+                                <p:cTn id="19" presetID="1" presetClass="entr" presetSubtype="0" fill="hold" nodeType="withEffect">
+                                  <p:stCondLst>
+                                    <p:cond delay="0"/>
+                                  </p:stCondLst>
+                                  <p:childTnLst>
+                                    <p:set>
+                                      <p:cBhvr>
+                                        <p:cTn id="20" dur="1" fill="hold">
+                                          <p:stCondLst>
+                                            <p:cond delay="0"/>
+                                          </p:stCondLst>
+                                        </p:cTn>
+                                        <p:tgtEl>
+                                          <p:spTgt spid="3">
+                                            <p:txEl>
+                                              <p:pRg st="8" end="8"/>
+                                            </p:txEl>
+                                          </p:spTgt>
+                                        </p:tgtEl>
+                                        <p:attrNameLst>
+                                          <p:attrName>style.visibility</p:attrName>
+                                        </p:attrNameLst>
+                                      </p:cBhvr>
+                                      <p:to>
+                                        <p:strVal val="visible"/>
+                                      </p:to>
+                                    </p:set>
+                                  </p:childTnLst>
+                                </p:cTn>
+                              </p:par>
+                              <p:par>
+                                <p:cTn id="21" presetID="1" presetClass="entr" presetSubtype="0" fill="hold" nodeType="withEffect">
+                                  <p:stCondLst>
+                                    <p:cond delay="0"/>
+                                  </p:stCondLst>
+                                  <p:childTnLst>
+                                    <p:set>
+                                      <p:cBhvr>
+                                        <p:cTn id="22" dur="1" fill="hold">
+                                          <p:stCondLst>
+                                            <p:cond delay="0"/>
+                                          </p:stCondLst>
+                                        </p:cTn>
+                                        <p:tgtEl>
+                                          <p:spTgt spid="3">
+                                            <p:txEl>
+                                              <p:pRg st="9" end="9"/>
+                                            </p:txEl>
+                                          </p:spTgt>
+                                        </p:tgtEl>
+                                        <p:attrNameLst>
+                                          <p:attrName>style.visibility</p:attrName>
+                                        </p:attrNameLst>
+                                      </p:cBhvr>
+                                      <p:to>
+                                        <p:strVal val="visible"/>
+                                      </p:to>
+                                    </p:set>
+                                  </p:childTnLst>
+                                </p:cTn>
+                              </p:par>
+                              <p:par>
+                                <p:cTn id="23" presetID="1" presetClass="entr" presetSubtype="0" fill="hold" nodeType="withEffect">
+                                  <p:stCondLst>
+                                    <p:cond delay="0"/>
+                                  </p:stCondLst>
+                                  <p:childTnLst>
+                                    <p:set>
+                                      <p:cBhvr>
+                                        <p:cTn id="24" dur="1" fill="hold">
+                                          <p:stCondLst>
+                                            <p:cond delay="0"/>
+                                          </p:stCondLst>
+                                        </p:cTn>
+                                        <p:tgtEl>
+                                          <p:spTgt spid="3">
+                                            <p:txEl>
+                                              <p:pRg st="10" end="10"/>
+                                            </p:txEl>
+                                          </p:spTgt>
+                                        </p:tgtEl>
+                                        <p:attrNameLst>
+                                          <p:attrName>style.visibility</p:attrName>
+                                        </p:attrNameLst>
+                                      </p:cBhvr>
+                                      <p:to>
+                                        <p:strVal val="visible"/>
+                                      </p:to>
+                                    </p:set>
+                                  </p:childTnLst>
+                                </p:cTn>
+                              </p:par>
+                              <p:par>
+                                <p:cTn id="25" presetID="1" presetClass="entr" presetSubtype="0" fill="hold" nodeType="withEffect">
+                                  <p:stCondLst>
+                                    <p:cond delay="0"/>
+                                  </p:stCondLst>
+                                  <p:childTnLst>
+                                    <p:set>
+                                      <p:cBhvr>
+                                        <p:cTn id="26" dur="1" fill="hold">
+                                          <p:stCondLst>
+                                            <p:cond delay="0"/>
+                                          </p:stCondLst>
+                                        </p:cTn>
+                                        <p:tgtEl>
+                                          <p:spTgt spid="3">
+                                            <p:txEl>
+                                              <p:pRg st="11" end="11"/>
+                                            </p:txEl>
+                                          </p:spTgt>
+                                        </p:tgtEl>
+                                        <p:attrNameLst>
+                                          <p:attrName>style.visibility</p:attrName>
+                                        </p:attrNameLst>
+                                      </p:cBhvr>
+                                      <p:to>
+                                        <p:strVal val="visible"/>
+                                      </p:to>
+                                    </p:set>
+                                  </p:childTnLst>
+                                </p:cTn>
+                              </p:par>
+                            </p:childTnLst>
+                          </p:cTn>
+                        </p:par>
+                      </p:childTnLst>
+                    </p:cTn>
+                  </p:par>
+                </p:childTnLst>
+              </p:cTn>
+              <p:prevCondLst>
+                <p:cond evt="onPrev" delay="0">
+                  <p:tgtEl>
+                    <p:sldTgt/>
+                  </p:tgtEl>
+                </p:cond>
+              </p:prevCondLst>
+              <p:nextCondLst>
+                <p:cond evt="onNext" delay="0">
+                  <p:tgtEl>
+                    <p:sldTgt/>
+                  </p:tgtEl>
+                </p:cond>
+              </p:nextCondLst>
+            </p:seq>
+          </p:childTnLst>
+        </p:cTn>
+      </p:par>
+    </p:tnLst>
+  </p:timing>
+</p:sld>
+</file>
+
+<file path=ppt/slides/slide13.xml><?xml version="1.0" encoding="utf-8"?>
+<p:sld xmlns:a="http://schemas.openxmlformats.org/drawingml/2006/main" xmlns:r="http://schemas.openxmlformats.org/officeDocument/2006/relationships" xmlns:p="http://schemas.openxmlformats.org/presentationml/2006/main">
+  <p:cSld>
+    <p:spTree>
+      <p:nvGrpSpPr>
+        <p:cNvPr id="1" name=""/>
+        <p:cNvGrpSpPr/>
+        <p:nvPr/>
+      </p:nvGrpSpPr>
+      <p:grpSpPr>
+        <a:xfrm>
+          <a:off x="0" y="0"/>
+          <a:ext cx="0" cy="0"/>
+          <a:chOff x="0" y="0"/>
+          <a:chExt cx="0" cy="0"/>
+        </a:xfrm>
+      </p:grpSpPr>
+      <p:sp>
+        <p:nvSpPr>
+          <p:cNvPr id="2" name="Title 1"/>
+          <p:cNvSpPr>
+            <a:spLocks noGrp="1"/>
+          </p:cNvSpPr>
+          <p:nvPr>
+            <p:ph type="title"/>
+          </p:nvPr>
+        </p:nvSpPr>
+        <p:spPr/>
+        <p:txBody>
+          <a:bodyPr/>
+          <a:lstStyle/>
+          <a:p>
+            <a:endParaRPr lang="en-GB"/>
+          </a:p>
+        </p:txBody>
+      </p:sp>
       <mc:AlternateContent xmlns:mc="http://schemas.openxmlformats.org/markup-compatibility/2006" xmlns:a14="http://schemas.microsoft.com/office/drawing/2010/main">
         <mc:Choice Requires="a14">
           <p:sp>
@@ -4261,13 +10621,6 @@
                 </a:r>
               </a:p>
               <a:p>
-                <a:pPr lvl="1"/>
-                <a:r>
-                  <a:rPr lang="en-US" dirty="0" smtClean="0"/>
-                  <a:t>Dynamics</a:t>
-                </a:r>
-              </a:p>
-              <a:p>
                 <a:pPr marL="0" indent="0">
                   <a:buNone/>
                 </a:pPr>
@@ -4534,14 +10887,6 @@
                 <a:endParaRPr lang="en-US" b="1" dirty="0"/>
               </a:p>
               <a:p>
-                <a:pPr lvl="1"/>
-                <a:r>
-                  <a:rPr lang="en-US" dirty="0" smtClean="0"/>
-                  <a:t>Process error</a:t>
-                </a:r>
-                <a:endParaRPr lang="en-US" dirty="0"/>
-              </a:p>
-              <a:p>
                 <a:pPr marL="0" indent="0">
                   <a:buNone/>
                 </a:pPr>
@@ -4648,14 +10993,6 @@
                   </m:oMathPara>
                 </a14:m>
                 <a:endParaRPr lang="en-US" b="1" dirty="0"/>
-              </a:p>
-              <a:p>
-                <a:pPr lvl="1"/>
-                <a:r>
-                  <a:rPr lang="en-US" dirty="0" smtClean="0"/>
-                  <a:t>Measurement </a:t>
-                </a:r>
-                <a:endParaRPr lang="en-GB" dirty="0" smtClean="0"/>
               </a:p>
               <a:p>
                 <a:pPr marL="0" indent="0">
@@ -4855,6 +11192,36 @@
           </p:sp>
         </mc:Fallback>
       </mc:AlternateContent>
+      <p:pic>
+        <p:nvPicPr>
+          <p:cNvPr id="4" name="Picture 3"/>
+          <p:cNvPicPr>
+            <a:picLocks noChangeAspect="1"/>
+          </p:cNvPicPr>
+          <p:nvPr/>
+        </p:nvPicPr>
+        <p:blipFill>
+          <a:blip r:embed="rId3">
+            <a:extLst>
+              <a:ext uri="{28A0092B-C50C-407E-A947-70E740481C1C}">
+                <a14:useLocalDpi xmlns:a14="http://schemas.microsoft.com/office/drawing/2010/main" val="0"/>
+              </a:ext>
+            </a:extLst>
+          </a:blip>
+          <a:stretch>
+            <a:fillRect/>
+          </a:stretch>
+        </p:blipFill>
+        <p:spPr>
+          <a:xfrm>
+            <a:off x="914392" y="3200393"/>
+            <a:ext cx="7315215" cy="3657607"/>
+          </a:xfrm>
+          <a:prstGeom prst="rect">
+            <a:avLst/>
+          </a:prstGeom>
+        </p:spPr>
+      </p:pic>
     </p:spTree>
     <p:extLst>
       <p:ext uri="{BB962C8B-B14F-4D97-AF65-F5344CB8AC3E}">
@@ -6870,7 +13237,7 @@
           <a:graphicData uri="http://schemas.openxmlformats.org/presentationml/2006/ole">
             <mc:AlternateContent xmlns:mc="http://schemas.openxmlformats.org/markup-compatibility/2006">
               <mc:Choice xmlns:v="urn:schemas-microsoft-com:vml" Requires="v">
-                <p:oleObj spid="_x0000_s1033" name="Equation" r:id="rId4" imgW="2616120" imgH="1168200" progId="Equation.DSMT4">
+                <p:oleObj spid="_x0000_s1036" name="Equation" r:id="rId4" imgW="2616120" imgH="1168200" progId="Equation.DSMT4">
                   <p:embed/>
                 </p:oleObj>
               </mc:Choice>
@@ -6975,6 +13342,682 @@
             </p:nvSpPr>
             <p:spPr/>
             <p:txBody>
+              <a:bodyPr/>
+              <a:lstStyle/>
+              <a:p>
+                <a:pPr marL="0" indent="0">
+                  <a:buNone/>
+                </a:pPr>
+                <a:r>
+                  <a:rPr lang="en-US" dirty="0" smtClean="0"/>
+                  <a:t>REVIEW: Four </a:t>
+                </a:r>
+                <a:r>
+                  <a:rPr lang="en-US" dirty="0" smtClean="0"/>
+                  <a:t>ways to code </a:t>
+                </a:r>
+              </a:p>
+              <a:p>
+                <a:pPr marL="400050" lvl="1" indent="0">
+                  <a:buNone/>
+                </a:pPr>
+                <a:r>
+                  <a:rPr lang="en-US" dirty="0" smtClean="0"/>
+                  <a:t>1. 	Stochastic process</a:t>
+                </a:r>
+              </a:p>
+              <a:p>
+                <a:pPr marL="400050" lvl="2" indent="0">
+                  <a:buNone/>
+                </a:pPr>
+                <a14:m>
+                  <m:oMathPara xmlns:m="http://schemas.openxmlformats.org/officeDocument/2006/math">
+                    <m:oMathParaPr>
+                      <m:jc m:val="centerGroup"/>
+                    </m:oMathParaPr>
+                    <m:oMath xmlns:m="http://schemas.openxmlformats.org/officeDocument/2006/math">
+                      <m:sSub>
+                        <m:sSubPr>
+                          <m:ctrlPr>
+                            <a:rPr lang="en-US" sz="2400" i="1">
+                              <a:latin typeface="Cambria Math" panose="02040503050406030204" pitchFamily="18" charset="0"/>
+                              <a:ea typeface="Cambria Math" panose="02040503050406030204" pitchFamily="18" charset="0"/>
+                            </a:rPr>
+                          </m:ctrlPr>
+                        </m:sSubPr>
+                        <m:e>
+                          <m:r>
+                            <a:rPr lang="en-US" sz="2400" i="1">
+                              <a:latin typeface="Cambria Math" panose="02040503050406030204" pitchFamily="18" charset="0"/>
+                              <a:ea typeface="Cambria Math" panose="02040503050406030204" pitchFamily="18" charset="0"/>
+                            </a:rPr>
+                            <m:t>𝜀</m:t>
+                          </m:r>
+                        </m:e>
+                        <m:sub>
+                          <m:r>
+                            <a:rPr lang="en-US" sz="2400" i="1">
+                              <a:latin typeface="Cambria Math" panose="02040503050406030204" pitchFamily="18" charset="0"/>
+                              <a:ea typeface="Cambria Math" panose="02040503050406030204" pitchFamily="18" charset="0"/>
+                            </a:rPr>
+                            <m:t>𝑠</m:t>
+                          </m:r>
+                          <m:r>
+                            <a:rPr lang="en-US" sz="2400" i="1">
+                              <a:latin typeface="Cambria Math" panose="02040503050406030204" pitchFamily="18" charset="0"/>
+                              <a:ea typeface="Cambria Math" panose="02040503050406030204" pitchFamily="18" charset="0"/>
+                            </a:rPr>
+                            <m:t>+1</m:t>
+                          </m:r>
+                        </m:sub>
+                      </m:sSub>
+                      <m:r>
+                        <a:rPr lang="en-US" sz="2400" i="1">
+                          <a:latin typeface="Cambria Math" panose="02040503050406030204" pitchFamily="18" charset="0"/>
+                          <a:ea typeface="Cambria Math" panose="02040503050406030204" pitchFamily="18" charset="0"/>
+                        </a:rPr>
+                        <m:t>~</m:t>
+                      </m:r>
+                      <m:r>
+                        <a:rPr lang="en-US" sz="2400" i="1">
+                          <a:latin typeface="Cambria Math" panose="02040503050406030204" pitchFamily="18" charset="0"/>
+                          <a:ea typeface="Cambria Math" panose="02040503050406030204" pitchFamily="18" charset="0"/>
+                        </a:rPr>
+                        <m:t>𝑁𝑜𝑟𝑚𝑎𝑙</m:t>
+                      </m:r>
+                      <m:r>
+                        <a:rPr lang="en-US" sz="2400" i="1">
+                          <a:latin typeface="Cambria Math" panose="02040503050406030204" pitchFamily="18" charset="0"/>
+                          <a:ea typeface="Cambria Math" panose="02040503050406030204" pitchFamily="18" charset="0"/>
+                        </a:rPr>
+                        <m:t>(</m:t>
+                      </m:r>
+                      <m:r>
+                        <a:rPr lang="en-US" sz="2400" i="1">
+                          <a:latin typeface="Cambria Math" panose="02040503050406030204" pitchFamily="18" charset="0"/>
+                          <a:ea typeface="Cambria Math" panose="02040503050406030204" pitchFamily="18" charset="0"/>
+                        </a:rPr>
+                        <m:t>𝜌</m:t>
+                      </m:r>
+                      <m:sSub>
+                        <m:sSubPr>
+                          <m:ctrlPr>
+                            <a:rPr lang="en-US" sz="2400" i="1">
+                              <a:latin typeface="Cambria Math" panose="02040503050406030204" pitchFamily="18" charset="0"/>
+                              <a:ea typeface="Cambria Math" panose="02040503050406030204" pitchFamily="18" charset="0"/>
+                            </a:rPr>
+                          </m:ctrlPr>
+                        </m:sSubPr>
+                        <m:e>
+                          <m:r>
+                            <a:rPr lang="en-US" sz="2400" i="1">
+                              <a:latin typeface="Cambria Math" panose="02040503050406030204" pitchFamily="18" charset="0"/>
+                              <a:ea typeface="Cambria Math" panose="02040503050406030204" pitchFamily="18" charset="0"/>
+                            </a:rPr>
+                            <m:t>𝜀</m:t>
+                          </m:r>
+                        </m:e>
+                        <m:sub>
+                          <m:r>
+                            <a:rPr lang="en-US" sz="2400" i="1">
+                              <a:latin typeface="Cambria Math" panose="02040503050406030204" pitchFamily="18" charset="0"/>
+                              <a:ea typeface="Cambria Math" panose="02040503050406030204" pitchFamily="18" charset="0"/>
+                            </a:rPr>
+                            <m:t>𝑠</m:t>
+                          </m:r>
+                        </m:sub>
+                      </m:sSub>
+                      <m:r>
+                        <a:rPr lang="en-US" sz="2400" i="1">
+                          <a:latin typeface="Cambria Math" panose="02040503050406030204" pitchFamily="18" charset="0"/>
+                          <a:ea typeface="Cambria Math" panose="02040503050406030204" pitchFamily="18" charset="0"/>
+                        </a:rPr>
+                        <m:t>,</m:t>
+                      </m:r>
+                      <m:sSubSup>
+                        <m:sSubSupPr>
+                          <m:ctrlPr>
+                            <a:rPr lang="en-US" sz="2400" i="1">
+                              <a:latin typeface="Cambria Math" panose="02040503050406030204" pitchFamily="18" charset="0"/>
+                              <a:ea typeface="Cambria Math" panose="02040503050406030204" pitchFamily="18" charset="0"/>
+                            </a:rPr>
+                          </m:ctrlPr>
+                        </m:sSubSupPr>
+                        <m:e>
+                          <m:r>
+                            <a:rPr lang="en-US" sz="2400" i="1">
+                              <a:latin typeface="Cambria Math" panose="02040503050406030204" pitchFamily="18" charset="0"/>
+                              <a:ea typeface="Cambria Math" panose="02040503050406030204" pitchFamily="18" charset="0"/>
+                            </a:rPr>
+                            <m:t>𝜎</m:t>
+                          </m:r>
+                        </m:e>
+                        <m:sub>
+                          <m:r>
+                            <a:rPr lang="en-US" sz="2400" i="1">
+                              <a:latin typeface="Cambria Math" panose="02040503050406030204" pitchFamily="18" charset="0"/>
+                              <a:ea typeface="Cambria Math" panose="02040503050406030204" pitchFamily="18" charset="0"/>
+                            </a:rPr>
+                            <m:t>𝜀</m:t>
+                          </m:r>
+                        </m:sub>
+                        <m:sup>
+                          <m:r>
+                            <a:rPr lang="en-US" sz="2400" i="1">
+                              <a:latin typeface="Cambria Math" panose="02040503050406030204" pitchFamily="18" charset="0"/>
+                              <a:ea typeface="Cambria Math" panose="02040503050406030204" pitchFamily="18" charset="0"/>
+                            </a:rPr>
+                            <m:t>2</m:t>
+                          </m:r>
+                        </m:sup>
+                      </m:sSubSup>
+                      <m:r>
+                        <a:rPr lang="en-US" sz="2400" i="1">
+                          <a:latin typeface="Cambria Math" panose="02040503050406030204" pitchFamily="18" charset="0"/>
+                          <a:ea typeface="Cambria Math" panose="02040503050406030204" pitchFamily="18" charset="0"/>
+                        </a:rPr>
+                        <m:t>)</m:t>
+                      </m:r>
+                    </m:oMath>
+                  </m:oMathPara>
+                </a14:m>
+                <a:endParaRPr lang="en-US" sz="2400" i="1" dirty="0"/>
+              </a:p>
+              <a:p>
+                <a:pPr marL="400050" lvl="1" indent="0">
+                  <a:buNone/>
+                </a:pPr>
+                <a:r>
+                  <a:rPr lang="en-US" dirty="0" smtClean="0"/>
+                  <a:t>2. 	Via precision matrix Q</a:t>
+                </a:r>
+              </a:p>
+              <a:p>
+                <a:pPr marL="400050" lvl="1" indent="0">
+                  <a:buNone/>
+                </a:pPr>
+                <a14:m>
+                  <m:oMathPara xmlns:m="http://schemas.openxmlformats.org/officeDocument/2006/math">
+                    <m:oMathParaPr>
+                      <m:jc m:val="centerGroup"/>
+                    </m:oMathParaPr>
+                    <m:oMath xmlns:m="http://schemas.openxmlformats.org/officeDocument/2006/math">
+                      <m:func>
+                        <m:funcPr>
+                          <m:ctrlPr>
+                            <a:rPr lang="en-US" i="1">
+                              <a:latin typeface="Cambria Math" panose="02040503050406030204" pitchFamily="18" charset="0"/>
+                            </a:rPr>
+                          </m:ctrlPr>
+                        </m:funcPr>
+                        <m:fName>
+                          <m:r>
+                            <m:rPr>
+                              <m:sty m:val="p"/>
+                            </m:rPr>
+                            <a:rPr lang="en-US">
+                              <a:latin typeface="Cambria Math" panose="02040503050406030204" pitchFamily="18" charset="0"/>
+                            </a:rPr>
+                            <m:t>Pr</m:t>
+                          </m:r>
+                        </m:fName>
+                        <m:e>
+                          <m:d>
+                            <m:dPr>
+                              <m:ctrlPr>
+                                <a:rPr lang="en-US" i="1">
+                                  <a:latin typeface="Cambria Math" panose="02040503050406030204" pitchFamily="18" charset="0"/>
+                                </a:rPr>
+                              </m:ctrlPr>
+                            </m:dPr>
+                            <m:e>
+                              <m:r>
+                                <a:rPr lang="en-US" b="1">
+                                  <a:latin typeface="Cambria Math" panose="02040503050406030204" pitchFamily="18" charset="0"/>
+                                  <a:ea typeface="Cambria Math" panose="02040503050406030204" pitchFamily="18" charset="0"/>
+                                </a:rPr>
+                                <m:t>𝛆</m:t>
+                              </m:r>
+                            </m:e>
+                            <m:e>
+                              <m:r>
+                                <a:rPr lang="el-GR" b="1">
+                                  <a:latin typeface="Cambria Math" panose="02040503050406030204" pitchFamily="18" charset="0"/>
+                                  <a:ea typeface="Cambria Math" panose="02040503050406030204" pitchFamily="18" charset="0"/>
+                                </a:rPr>
+                                <m:t>𝚺</m:t>
+                              </m:r>
+                            </m:e>
+                          </m:d>
+                        </m:e>
+                      </m:func>
+                      <m:r>
+                        <a:rPr lang="en-US" i="1">
+                          <a:latin typeface="Cambria Math" panose="02040503050406030204" pitchFamily="18" charset="0"/>
+                        </a:rPr>
+                        <m:t>∝</m:t>
+                      </m:r>
+                      <m:rad>
+                        <m:radPr>
+                          <m:degHide m:val="on"/>
+                          <m:ctrlPr>
+                            <a:rPr lang="en-US" i="1">
+                              <a:latin typeface="Cambria Math" panose="02040503050406030204" pitchFamily="18" charset="0"/>
+                            </a:rPr>
+                          </m:ctrlPr>
+                        </m:radPr>
+                        <m:deg/>
+                        <m:e>
+                          <m:r>
+                            <m:rPr>
+                              <m:sty m:val="p"/>
+                            </m:rPr>
+                            <a:rPr lang="en-US">
+                              <a:latin typeface="Cambria Math" panose="02040503050406030204" pitchFamily="18" charset="0"/>
+                            </a:rPr>
+                            <m:t>det</m:t>
+                          </m:r>
+                          <m:r>
+                            <a:rPr lang="en-US" b="1">
+                              <a:latin typeface="Cambria Math" panose="02040503050406030204" pitchFamily="18" charset="0"/>
+                            </a:rPr>
+                            <m:t>(</m:t>
+                          </m:r>
+                          <m:r>
+                            <a:rPr lang="en-US" b="1" i="0" smtClean="0">
+                              <a:latin typeface="Cambria Math" panose="02040503050406030204" pitchFamily="18" charset="0"/>
+                              <a:ea typeface="Cambria Math" panose="02040503050406030204" pitchFamily="18" charset="0"/>
+                            </a:rPr>
+                            <m:t>𝐐</m:t>
+                          </m:r>
+                          <m:r>
+                            <a:rPr lang="en-US" b="1">
+                              <a:latin typeface="Cambria Math" panose="02040503050406030204" pitchFamily="18" charset="0"/>
+                              <a:ea typeface="Cambria Math" panose="02040503050406030204" pitchFamily="18" charset="0"/>
+                            </a:rPr>
+                            <m:t>)</m:t>
+                          </m:r>
+                        </m:e>
+                      </m:rad>
+                      <m:func>
+                        <m:funcPr>
+                          <m:ctrlPr>
+                            <a:rPr lang="en-US" i="1">
+                              <a:latin typeface="Cambria Math" panose="02040503050406030204" pitchFamily="18" charset="0"/>
+                            </a:rPr>
+                          </m:ctrlPr>
+                        </m:funcPr>
+                        <m:fName>
+                          <m:r>
+                            <m:rPr>
+                              <m:sty m:val="p"/>
+                            </m:rPr>
+                            <a:rPr lang="en-US">
+                              <a:latin typeface="Cambria Math" panose="02040503050406030204" pitchFamily="18" charset="0"/>
+                            </a:rPr>
+                            <m:t>exp</m:t>
+                          </m:r>
+                        </m:fName>
+                        <m:e>
+                          <m:d>
+                            <m:dPr>
+                              <m:ctrlPr>
+                                <a:rPr lang="en-US" i="1">
+                                  <a:latin typeface="Cambria Math" panose="02040503050406030204" pitchFamily="18" charset="0"/>
+                                </a:rPr>
+                              </m:ctrlPr>
+                            </m:dPr>
+                            <m:e>
+                              <m:r>
+                                <a:rPr lang="en-US" i="1">
+                                  <a:latin typeface="Cambria Math" panose="02040503050406030204" pitchFamily="18" charset="0"/>
+                                </a:rPr>
+                                <m:t>−0.5</m:t>
+                              </m:r>
+                              <m:sSup>
+                                <m:sSupPr>
+                                  <m:ctrlPr>
+                                    <a:rPr lang="en-US" b="1" i="1">
+                                      <a:latin typeface="Cambria Math" panose="02040503050406030204" pitchFamily="18" charset="0"/>
+                                      <a:ea typeface="Cambria Math" panose="02040503050406030204" pitchFamily="18" charset="0"/>
+                                    </a:rPr>
+                                  </m:ctrlPr>
+                                </m:sSupPr>
+                                <m:e>
+                                  <m:r>
+                                    <a:rPr lang="en-US" b="1">
+                                      <a:latin typeface="Cambria Math" panose="02040503050406030204" pitchFamily="18" charset="0"/>
+                                      <a:ea typeface="Cambria Math" panose="02040503050406030204" pitchFamily="18" charset="0"/>
+                                    </a:rPr>
+                                    <m:t>𝛆</m:t>
+                                  </m:r>
+                                </m:e>
+                                <m:sup>
+                                  <m:r>
+                                    <m:rPr>
+                                      <m:sty m:val="p"/>
+                                    </m:rPr>
+                                    <a:rPr lang="en-US">
+                                      <a:latin typeface="Cambria Math" panose="02040503050406030204" pitchFamily="18" charset="0"/>
+                                      <a:ea typeface="Cambria Math" panose="02040503050406030204" pitchFamily="18" charset="0"/>
+                                    </a:rPr>
+                                    <m:t>T</m:t>
+                                  </m:r>
+                                </m:sup>
+                              </m:sSup>
+                              <m:r>
+                                <a:rPr lang="en-US" b="1">
+                                  <a:latin typeface="Cambria Math" panose="02040503050406030204" pitchFamily="18" charset="0"/>
+                                  <a:ea typeface="Cambria Math" panose="02040503050406030204" pitchFamily="18" charset="0"/>
+                                </a:rPr>
+                                <m:t>𝐐</m:t>
+                              </m:r>
+                              <m:r>
+                                <a:rPr lang="en-US" b="1">
+                                  <a:latin typeface="Cambria Math" panose="02040503050406030204" pitchFamily="18" charset="0"/>
+                                  <a:ea typeface="Cambria Math" panose="02040503050406030204" pitchFamily="18" charset="0"/>
+                                </a:rPr>
+                                <m:t>𝛆</m:t>
+                              </m:r>
+                            </m:e>
+                          </m:d>
+                        </m:e>
+                      </m:func>
+                    </m:oMath>
+                  </m:oMathPara>
+                </a14:m>
+                <a:endParaRPr lang="en-US" dirty="0"/>
+              </a:p>
+              <a:p>
+                <a:pPr marL="400050" lvl="1" indent="0">
+                  <a:buNone/>
+                </a:pPr>
+                <a:r>
+                  <a:rPr lang="en-US" dirty="0" smtClean="0"/>
+                  <a:t>3.  	Via multivariate normal density function in TMB</a:t>
+                </a:r>
+              </a:p>
+              <a:p>
+                <a:pPr marL="400050" lvl="1" indent="0">
+                  <a:buNone/>
+                </a:pPr>
+                <a14:m>
+                  <m:oMathPara xmlns:m="http://schemas.openxmlformats.org/officeDocument/2006/math">
+                    <m:oMathParaPr>
+                      <m:jc m:val="centerGroup"/>
+                    </m:oMathParaPr>
+                    <m:oMath xmlns:m="http://schemas.openxmlformats.org/officeDocument/2006/math">
+                      <m:r>
+                        <a:rPr lang="en-US" b="1">
+                          <a:latin typeface="Cambria Math" panose="02040503050406030204" pitchFamily="18" charset="0"/>
+                          <a:ea typeface="Cambria Math" panose="02040503050406030204" pitchFamily="18" charset="0"/>
+                        </a:rPr>
+                        <m:t>𝛆</m:t>
+                      </m:r>
+                      <m:r>
+                        <a:rPr lang="en-US" i="1">
+                          <a:latin typeface="Cambria Math" panose="02040503050406030204" pitchFamily="18" charset="0"/>
+                          <a:ea typeface="Cambria Math" panose="02040503050406030204" pitchFamily="18" charset="0"/>
+                        </a:rPr>
+                        <m:t>~</m:t>
+                      </m:r>
+                      <m:r>
+                        <a:rPr lang="en-US" i="1">
+                          <a:latin typeface="Cambria Math" panose="02040503050406030204" pitchFamily="18" charset="0"/>
+                          <a:ea typeface="Cambria Math" panose="02040503050406030204" pitchFamily="18" charset="0"/>
+                        </a:rPr>
+                        <m:t>𝑀𝑉𝑁</m:t>
+                      </m:r>
+                      <m:r>
+                        <a:rPr lang="en-US" i="1">
+                          <a:latin typeface="Cambria Math" panose="02040503050406030204" pitchFamily="18" charset="0"/>
+                          <a:ea typeface="Cambria Math" panose="02040503050406030204" pitchFamily="18" charset="0"/>
+                        </a:rPr>
+                        <m:t>(0,</m:t>
+                      </m:r>
+                      <m:r>
+                        <a:rPr lang="el-GR" b="1">
+                          <a:latin typeface="Cambria Math" panose="02040503050406030204" pitchFamily="18" charset="0"/>
+                          <a:ea typeface="Cambria Math" panose="02040503050406030204" pitchFamily="18" charset="0"/>
+                        </a:rPr>
+                        <m:t>𝚺</m:t>
+                      </m:r>
+                      <m:r>
+                        <a:rPr lang="en-US" i="1">
+                          <a:latin typeface="Cambria Math" panose="02040503050406030204" pitchFamily="18" charset="0"/>
+                          <a:ea typeface="Cambria Math" panose="02040503050406030204" pitchFamily="18" charset="0"/>
+                        </a:rPr>
+                        <m:t>)</m:t>
+                      </m:r>
+                    </m:oMath>
+                  </m:oMathPara>
+                </a14:m>
+                <a:endParaRPr lang="en-US" dirty="0"/>
+              </a:p>
+              <a:p>
+                <a:pPr marL="400050" lvl="1" indent="0">
+                  <a:buNone/>
+                </a:pPr>
+                <a:r>
+                  <a:rPr lang="en-US" dirty="0" smtClean="0"/>
+                  <a:t>4. 	Via autoregressive function in TMB</a:t>
+                </a:r>
+                <a:endParaRPr lang="en-US" dirty="0"/>
+              </a:p>
+              <a:p>
+                <a:pPr marL="400050" lvl="1" indent="0">
+                  <a:buNone/>
+                </a:pPr>
+                <a14:m>
+                  <m:oMathPara xmlns:m="http://schemas.openxmlformats.org/officeDocument/2006/math">
+                    <m:oMathParaPr>
+                      <m:jc m:val="centerGroup"/>
+                    </m:oMathParaPr>
+                    <m:oMath xmlns:m="http://schemas.openxmlformats.org/officeDocument/2006/math">
+                      <m:r>
+                        <a:rPr lang="en-US" b="1">
+                          <a:latin typeface="Cambria Math" panose="02040503050406030204" pitchFamily="18" charset="0"/>
+                          <a:ea typeface="Cambria Math" panose="02040503050406030204" pitchFamily="18" charset="0"/>
+                        </a:rPr>
+                        <m:t>𝛆</m:t>
+                      </m:r>
+                      <m:r>
+                        <a:rPr lang="en-US" i="1">
+                          <a:latin typeface="Cambria Math" panose="02040503050406030204" pitchFamily="18" charset="0"/>
+                          <a:ea typeface="Cambria Math" panose="02040503050406030204" pitchFamily="18" charset="0"/>
+                        </a:rPr>
+                        <m:t>~</m:t>
+                      </m:r>
+                      <m:r>
+                        <a:rPr lang="en-US" b="0" i="1" smtClean="0">
+                          <a:latin typeface="Cambria Math" panose="02040503050406030204" pitchFamily="18" charset="0"/>
+                          <a:ea typeface="Cambria Math" panose="02040503050406030204" pitchFamily="18" charset="0"/>
+                        </a:rPr>
+                        <m:t>𝑓</m:t>
+                      </m:r>
+                      <m:r>
+                        <a:rPr lang="en-US" i="1">
+                          <a:latin typeface="Cambria Math" panose="02040503050406030204" pitchFamily="18" charset="0"/>
+                          <a:ea typeface="Cambria Math" panose="02040503050406030204" pitchFamily="18" charset="0"/>
+                        </a:rPr>
+                        <m:t>(</m:t>
+                      </m:r>
+                      <m:r>
+                        <a:rPr lang="en-US" i="1">
+                          <a:latin typeface="Cambria Math" panose="02040503050406030204" pitchFamily="18" charset="0"/>
+                          <a:ea typeface="Cambria Math" panose="02040503050406030204" pitchFamily="18" charset="0"/>
+                        </a:rPr>
+                        <m:t>𝜌</m:t>
+                      </m:r>
+                      <m:r>
+                        <a:rPr lang="en-US" b="0" i="1" smtClean="0">
+                          <a:latin typeface="Cambria Math" panose="02040503050406030204" pitchFamily="18" charset="0"/>
+                          <a:ea typeface="Cambria Math" panose="02040503050406030204" pitchFamily="18" charset="0"/>
+                        </a:rPr>
+                        <m:t>,</m:t>
+                      </m:r>
+                      <m:sSubSup>
+                        <m:sSubSupPr>
+                          <m:ctrlPr>
+                            <a:rPr lang="en-US" i="1">
+                              <a:latin typeface="Cambria Math" panose="02040503050406030204" pitchFamily="18" charset="0"/>
+                              <a:ea typeface="Cambria Math" panose="02040503050406030204" pitchFamily="18" charset="0"/>
+                            </a:rPr>
+                          </m:ctrlPr>
+                        </m:sSubSupPr>
+                        <m:e>
+                          <m:r>
+                            <a:rPr lang="en-US" i="1">
+                              <a:latin typeface="Cambria Math" panose="02040503050406030204" pitchFamily="18" charset="0"/>
+                              <a:ea typeface="Cambria Math" panose="02040503050406030204" pitchFamily="18" charset="0"/>
+                            </a:rPr>
+                            <m:t>𝜎</m:t>
+                          </m:r>
+                        </m:e>
+                        <m:sub>
+                          <m:r>
+                            <a:rPr lang="en-US" i="1">
+                              <a:latin typeface="Cambria Math" panose="02040503050406030204" pitchFamily="18" charset="0"/>
+                              <a:ea typeface="Cambria Math" panose="02040503050406030204" pitchFamily="18" charset="0"/>
+                            </a:rPr>
+                            <m:t>𝜀</m:t>
+                          </m:r>
+                        </m:sub>
+                        <m:sup>
+                          <m:r>
+                            <a:rPr lang="en-US" i="1">
+                              <a:latin typeface="Cambria Math" panose="02040503050406030204" pitchFamily="18" charset="0"/>
+                              <a:ea typeface="Cambria Math" panose="02040503050406030204" pitchFamily="18" charset="0"/>
+                            </a:rPr>
+                            <m:t>2</m:t>
+                          </m:r>
+                        </m:sup>
+                      </m:sSubSup>
+                      <m:r>
+                        <a:rPr lang="en-US" i="1">
+                          <a:latin typeface="Cambria Math" panose="02040503050406030204" pitchFamily="18" charset="0"/>
+                          <a:ea typeface="Cambria Math" panose="02040503050406030204" pitchFamily="18" charset="0"/>
+                        </a:rPr>
+                        <m:t>)</m:t>
+                      </m:r>
+                    </m:oMath>
+                  </m:oMathPara>
+                </a14:m>
+                <a:endParaRPr lang="en-US" dirty="0"/>
+              </a:p>
+              <a:p>
+                <a:pPr marL="400050" lvl="1" indent="0">
+                  <a:buNone/>
+                </a:pPr>
+                <a:endParaRPr lang="en-GB" dirty="0"/>
+              </a:p>
+            </p:txBody>
+          </p:sp>
+        </mc:Choice>
+        <mc:Fallback>
+          <p:sp>
+            <p:nvSpPr>
+              <p:cNvPr id="3" name="Content Placeholder 2"/>
+              <p:cNvSpPr>
+                <a:spLocks noGrp="1" noRot="1" noChangeAspect="1" noMove="1" noResize="1" noEditPoints="1" noAdjustHandles="1" noChangeArrowheads="1" noChangeShapeType="1" noTextEdit="1"/>
+              </p:cNvSpPr>
+              <p:nvPr>
+                <p:ph idx="1"/>
+              </p:nvPr>
+            </p:nvSpPr>
+            <p:spPr>
+              <a:blipFill>
+                <a:blip r:embed="rId2"/>
+                <a:stretch>
+                  <a:fillRect l="-1424" t="-1026"/>
+                </a:stretch>
+              </a:blipFill>
+            </p:spPr>
+            <p:txBody>
+              <a:bodyPr/>
+              <a:lstStyle/>
+              <a:p>
+                <a:r>
+                  <a:rPr lang="en-GB">
+                    <a:noFill/>
+                  </a:rPr>
+                  <a:t> </a:t>
+                </a:r>
+              </a:p>
+            </p:txBody>
+          </p:sp>
+        </mc:Fallback>
+      </mc:AlternateContent>
+    </p:spTree>
+    <p:extLst>
+      <p:ext uri="{BB962C8B-B14F-4D97-AF65-F5344CB8AC3E}">
+        <p14:creationId xmlns:p14="http://schemas.microsoft.com/office/powerpoint/2010/main" val="4172442055"/>
+      </p:ext>
+    </p:extLst>
+  </p:cSld>
+  <p:clrMapOvr>
+    <a:masterClrMapping/>
+  </p:clrMapOvr>
+  <p:timing>
+    <p:tnLst>
+      <p:par>
+        <p:cTn id="1" dur="indefinite" restart="never" nodeType="tmRoot"/>
+      </p:par>
+    </p:tnLst>
+  </p:timing>
+</p:sld>
+</file>
+
+<file path=ppt/slides/slide7.xml><?xml version="1.0" encoding="utf-8"?>
+<p:sld xmlns:a="http://schemas.openxmlformats.org/drawingml/2006/main" xmlns:r="http://schemas.openxmlformats.org/officeDocument/2006/relationships" xmlns:p="http://schemas.openxmlformats.org/presentationml/2006/main">
+  <p:cSld>
+    <p:spTree>
+      <p:nvGrpSpPr>
+        <p:cNvPr id="1" name=""/>
+        <p:cNvGrpSpPr/>
+        <p:nvPr/>
+      </p:nvGrpSpPr>
+      <p:grpSpPr>
+        <a:xfrm>
+          <a:off x="0" y="0"/>
+          <a:ext cx="0" cy="0"/>
+          <a:chOff x="0" y="0"/>
+          <a:chExt cx="0" cy="0"/>
+        </a:xfrm>
+      </p:grpSpPr>
+      <p:sp>
+        <p:nvSpPr>
+          <p:cNvPr id="2" name="Title 1"/>
+          <p:cNvSpPr>
+            <a:spLocks noGrp="1"/>
+          </p:cNvSpPr>
+          <p:nvPr>
+            <p:ph type="title"/>
+          </p:nvPr>
+        </p:nvSpPr>
+        <p:spPr/>
+        <p:txBody>
+          <a:bodyPr/>
+          <a:lstStyle/>
+          <a:p>
+            <a:endParaRPr lang="en-GB"/>
+          </a:p>
+        </p:txBody>
+      </p:sp>
+      <mc:AlternateContent xmlns:mc="http://schemas.openxmlformats.org/markup-compatibility/2006" xmlns:a14="http://schemas.microsoft.com/office/drawing/2010/main">
+        <mc:Choice Requires="a14">
+          <p:sp>
+            <p:nvSpPr>
+              <p:cNvPr id="3" name="Content Placeholder 2"/>
+              <p:cNvSpPr>
+                <a:spLocks noGrp="1"/>
+              </p:cNvSpPr>
+              <p:nvPr>
+                <p:ph idx="1"/>
+              </p:nvPr>
+            </p:nvSpPr>
+            <p:spPr/>
+            <p:txBody>
               <a:bodyPr>
                 <a:normAutofit fontScale="70000" lnSpcReduction="20000"/>
               </a:bodyPr>
@@ -8244,7 +15287,7 @@
             </p:txBody>
           </p:sp>
         </mc:Choice>
-        <mc:Fallback>
+        <mc:Fallback xmlns="">
           <p:sp>
             <p:nvSpPr>
               <p:cNvPr id="3" name="Content Placeholder 2"/>
@@ -8298,7 +15341,7 @@
 </p:sld>
 </file>
 
-<file path=ppt/slides/slide7.xml><?xml version="1.0" encoding="utf-8"?>
+<file path=ppt/slides/slide8.xml><?xml version="1.0" encoding="utf-8"?>
 <p:sld xmlns:a="http://schemas.openxmlformats.org/drawingml/2006/main" xmlns:r="http://schemas.openxmlformats.org/officeDocument/2006/relationships" xmlns:p="http://schemas.openxmlformats.org/presentationml/2006/main">
   <p:cSld>
     <p:spTree>
@@ -8334,8 +15377,8 @@
           </a:p>
         </p:txBody>
       </p:sp>
-      <mc:AlternateContent xmlns:mc="http://schemas.openxmlformats.org/markup-compatibility/2006">
-        <mc:Choice xmlns:a14="http://schemas.microsoft.com/office/drawing/2010/main" Requires="a14">
+      <mc:AlternateContent xmlns:mc="http://schemas.openxmlformats.org/markup-compatibility/2006" xmlns:a14="http://schemas.microsoft.com/office/drawing/2010/main">
+        <mc:Choice Requires="a14">
           <p:sp>
             <p:nvSpPr>
               <p:cNvPr id="3" name="Content Placeholder 2"/>
@@ -8369,13 +15412,8 @@
                 <a:pPr lvl="1"/>
                 <a:r>
                   <a:rPr lang="en-US" sz="1800" dirty="0" smtClean="0"/>
-                  <a:t>Can </a:t>
+                  <a:t>Can use same trick as “Gompertz model version #3”</a:t>
                 </a:r>
-                <a:r>
-                  <a:rPr lang="en-US" sz="1800" dirty="0" smtClean="0"/>
-                  <a:t>use same trick as “Gompertz model version #3”</a:t>
-                </a:r>
-                <a:endParaRPr lang="en-US" sz="1800" dirty="0" smtClean="0"/>
               </a:p>
               <a:p>
                 <a:pPr marL="0" indent="0">
@@ -8999,7 +16037,7 @@
             </p:txBody>
           </p:sp>
         </mc:Choice>
-        <mc:Fallback>
+        <mc:Fallback xmlns="">
           <p:sp>
             <p:nvSpPr>
               <p:cNvPr id="3" name="Content Placeholder 2"/>
@@ -9560,7 +16598,7 @@
 </p:sld>
 </file>
 
-<file path=ppt/slides/slide8.xml><?xml version="1.0" encoding="utf-8"?>
+<file path=ppt/slides/slide9.xml><?xml version="1.0" encoding="utf-8"?>
 <p:sld xmlns:a="http://schemas.openxmlformats.org/drawingml/2006/main" xmlns:r="http://schemas.openxmlformats.org/officeDocument/2006/relationships" xmlns:p="http://schemas.openxmlformats.org/presentationml/2006/main">
   <p:cSld>
     <p:spTree>
@@ -9596,8 +16634,8 @@
           </a:p>
         </p:txBody>
       </p:sp>
-      <mc:AlternateContent xmlns:mc="http://schemas.openxmlformats.org/markup-compatibility/2006">
-        <mc:Choice xmlns:a14="http://schemas.microsoft.com/office/drawing/2010/main" Requires="a14">
+      <mc:AlternateContent xmlns:mc="http://schemas.openxmlformats.org/markup-compatibility/2006" xmlns:a14="http://schemas.microsoft.com/office/drawing/2010/main">
+        <mc:Choice Requires="a14">
           <p:sp>
             <p:nvSpPr>
               <p:cNvPr id="3" name="Content Placeholder 2"/>
@@ -9635,7 +16673,6 @@
                   <a:rPr lang="en-US" dirty="0" smtClean="0"/>
                   <a:t>Innovations parameterization</a:t>
                 </a:r>
-                <a:endParaRPr lang="en-US" dirty="0" smtClean="0"/>
               </a:p>
               <a:p>
                 <a:pPr marL="0" indent="0">
@@ -10224,11 +17261,7 @@
                 </a:pPr>
                 <a:r>
                   <a:rPr lang="en-US" dirty="0" smtClean="0"/>
-                  <a:t>State-space </a:t>
-                </a:r>
-                <a:r>
-                  <a:rPr lang="en-US" dirty="0" smtClean="0"/>
-                  <a:t>parameterization</a:t>
+                  <a:t>State-space parameterization</a:t>
                 </a:r>
               </a:p>
               <a:p>
@@ -11121,7 +18154,6 @@
                   <a:rPr lang="en-US" dirty="0" smtClean="0"/>
                   <a:t>… where both use the same measurement model</a:t>
                 </a:r>
-                <a:endParaRPr lang="en-US" dirty="0" smtClean="0"/>
               </a:p>
               <a:p>
                 <a:pPr marL="57150" indent="0">
@@ -11283,7 +18315,7 @@
             </p:txBody>
           </p:sp>
         </mc:Choice>
-        <mc:Fallback>
+        <mc:Fallback xmlns="">
           <p:sp>
             <p:nvSpPr>
               <p:cNvPr id="3" name="Content Placeholder 2"/>
@@ -11331,558 +18363,6 @@
     <p:tnLst>
       <p:par>
         <p:cTn id="1" dur="indefinite" restart="never" nodeType="tmRoot"/>
-      </p:par>
-    </p:tnLst>
-  </p:timing>
-</p:sld>
-</file>
-
-<file path=ppt/slides/slide9.xml><?xml version="1.0" encoding="utf-8"?>
-<p:sld xmlns:a="http://schemas.openxmlformats.org/drawingml/2006/main" xmlns:r="http://schemas.openxmlformats.org/officeDocument/2006/relationships" xmlns:p="http://schemas.openxmlformats.org/presentationml/2006/main">
-  <p:cSld>
-    <p:spTree>
-      <p:nvGrpSpPr>
-        <p:cNvPr id="1" name=""/>
-        <p:cNvGrpSpPr/>
-        <p:nvPr/>
-      </p:nvGrpSpPr>
-      <p:grpSpPr>
-        <a:xfrm>
-          <a:off x="0" y="0"/>
-          <a:ext cx="0" cy="0"/>
-          <a:chOff x="0" y="0"/>
-          <a:chExt cx="0" cy="0"/>
-        </a:xfrm>
-      </p:grpSpPr>
-      <p:sp>
-        <p:nvSpPr>
-          <p:cNvPr id="2" name="Title 1"/>
-          <p:cNvSpPr>
-            <a:spLocks noGrp="1"/>
-          </p:cNvSpPr>
-          <p:nvPr>
-            <p:ph type="title"/>
-          </p:nvPr>
-        </p:nvSpPr>
-        <p:spPr/>
-        <p:txBody>
-          <a:bodyPr/>
-          <a:lstStyle/>
-          <a:p>
-            <a:endParaRPr lang="en-GB"/>
-          </a:p>
-        </p:txBody>
-      </p:sp>
-      <p:sp>
-        <p:nvSpPr>
-          <p:cNvPr id="3" name="Content Placeholder 2"/>
-          <p:cNvSpPr>
-            <a:spLocks noGrp="1"/>
-          </p:cNvSpPr>
-          <p:nvPr>
-            <p:ph idx="1"/>
-          </p:nvPr>
-        </p:nvSpPr>
-        <p:spPr/>
-        <p:txBody>
-          <a:bodyPr>
-            <a:normAutofit fontScale="92500" lnSpcReduction="10000"/>
-          </a:bodyPr>
-          <a:lstStyle/>
-          <a:p>
-            <a:pPr marL="0" indent="0">
-              <a:buNone/>
-            </a:pPr>
-            <a:r>
-              <a:rPr lang="en-US" dirty="0" smtClean="0"/>
-              <a:t>What to do if you have 1000s of unique locations?</a:t>
-            </a:r>
-          </a:p>
-          <a:p>
-            <a:pPr marL="514350" indent="-514350">
-              <a:buFont typeface="+mj-lt"/>
-              <a:buAutoNum type="arabicPeriod"/>
-            </a:pPr>
-            <a:r>
-              <a:rPr lang="en-US" dirty="0" smtClean="0"/>
-              <a:t>Get a bigger computer</a:t>
-            </a:r>
-          </a:p>
-          <a:p>
-            <a:pPr lvl="1"/>
-            <a:r>
-              <a:rPr lang="en-US" dirty="0" smtClean="0"/>
-              <a:t>TMB allows parallelization</a:t>
-            </a:r>
-          </a:p>
-          <a:p>
-            <a:pPr marL="514350" indent="-514350">
-              <a:buFont typeface="+mj-lt"/>
-              <a:buAutoNum type="arabicPeriod"/>
-            </a:pPr>
-            <a:r>
-              <a:rPr lang="en-US" dirty="0" smtClean="0"/>
-              <a:t>Decrease spatial resolution</a:t>
-            </a:r>
-          </a:p>
-          <a:p>
-            <a:pPr lvl="1"/>
-            <a:r>
-              <a:rPr lang="en-US" dirty="0" smtClean="0"/>
-              <a:t>Define number of “knots”</a:t>
-            </a:r>
-          </a:p>
-          <a:p>
-            <a:pPr lvl="1"/>
-            <a:r>
-              <a:rPr lang="en-US" dirty="0" smtClean="0"/>
-              <a:t>Run k-means algorithm to identify placement of knots</a:t>
-            </a:r>
-          </a:p>
-          <a:p>
-            <a:pPr lvl="2"/>
-            <a:r>
-              <a:rPr lang="en-US" dirty="0" smtClean="0"/>
-              <a:t>Minimize distance between locations and nearest knot</a:t>
-            </a:r>
-          </a:p>
-          <a:p>
-            <a:pPr lvl="1"/>
-            <a:r>
-              <a:rPr lang="en-US" dirty="0" smtClean="0"/>
-              <a:t>Associate each sample with the nearest knot</a:t>
-            </a:r>
-          </a:p>
-          <a:p>
-            <a:pPr lvl="1"/>
-            <a:r>
-              <a:rPr lang="en-US" dirty="0" smtClean="0"/>
-              <a:t>Assumes that density is constant at finer scales than the distance between knots</a:t>
-            </a:r>
-          </a:p>
-          <a:p>
-            <a:pPr marL="514350" indent="-514350">
-              <a:buFont typeface="+mj-lt"/>
-              <a:buAutoNum type="arabicPeriod"/>
-            </a:pPr>
-            <a:r>
-              <a:rPr lang="en-US" dirty="0" smtClean="0"/>
-              <a:t>Run in batches</a:t>
-            </a:r>
-          </a:p>
-          <a:p>
-            <a:pPr lvl="1"/>
-            <a:r>
-              <a:rPr lang="en-US" dirty="0" smtClean="0"/>
-              <a:t>Run model on smaller scales</a:t>
-            </a:r>
-          </a:p>
-          <a:p>
-            <a:pPr lvl="1"/>
-            <a:r>
-              <a:rPr lang="en-US" dirty="0" smtClean="0"/>
-              <a:t>Run “meta-analysis” model on results from each small-scale model</a:t>
-            </a:r>
-            <a:endParaRPr lang="en-GB" dirty="0"/>
-          </a:p>
-        </p:txBody>
-      </p:sp>
-    </p:spTree>
-    <p:extLst>
-      <p:ext uri="{BB962C8B-B14F-4D97-AF65-F5344CB8AC3E}">
-        <p14:creationId xmlns:p14="http://schemas.microsoft.com/office/powerpoint/2010/main" val="4037737376"/>
-      </p:ext>
-    </p:extLst>
-  </p:cSld>
-  <p:clrMapOvr>
-    <a:masterClrMapping/>
-  </p:clrMapOvr>
-  <p:timing>
-    <p:tnLst>
-      <p:par>
-        <p:cTn id="1" dur="indefinite" restart="never" nodeType="tmRoot">
-          <p:childTnLst>
-            <p:seq concurrent="1" nextAc="seek">
-              <p:cTn id="2" dur="indefinite" nodeType="mainSeq">
-                <p:childTnLst>
-                  <p:par>
-                    <p:cTn id="3" fill="hold">
-                      <p:stCondLst>
-                        <p:cond delay="indefinite"/>
-                      </p:stCondLst>
-                      <p:childTnLst>
-                        <p:par>
-                          <p:cTn id="4" fill="hold">
-                            <p:stCondLst>
-                              <p:cond delay="0"/>
-                            </p:stCondLst>
-                            <p:childTnLst>
-                              <p:par>
-                                <p:cTn id="5" presetID="1" presetClass="entr" presetSubtype="0" fill="hold" nodeType="clickEffect">
-                                  <p:stCondLst>
-                                    <p:cond delay="0"/>
-                                  </p:stCondLst>
-                                  <p:childTnLst>
-                                    <p:set>
-                                      <p:cBhvr>
-                                        <p:cTn id="6" dur="1" fill="hold">
-                                          <p:stCondLst>
-                                            <p:cond delay="0"/>
-                                          </p:stCondLst>
-                                        </p:cTn>
-                                        <p:tgtEl>
-                                          <p:spTgt spid="3">
-                                            <p:txEl>
-                                              <p:pRg st="1" end="1"/>
-                                            </p:txEl>
-                                          </p:spTgt>
-                                        </p:tgtEl>
-                                        <p:attrNameLst>
-                                          <p:attrName>style.visibility</p:attrName>
-                                        </p:attrNameLst>
-                                      </p:cBhvr>
-                                      <p:to>
-                                        <p:strVal val="visible"/>
-                                      </p:to>
-                                    </p:set>
-                                  </p:childTnLst>
-                                </p:cTn>
-                              </p:par>
-                              <p:par>
-                                <p:cTn id="7" presetID="1" presetClass="entr" presetSubtype="0" fill="hold" nodeType="withEffect">
-                                  <p:stCondLst>
-                                    <p:cond delay="0"/>
-                                  </p:stCondLst>
-                                  <p:childTnLst>
-                                    <p:set>
-                                      <p:cBhvr>
-                                        <p:cTn id="8" dur="1" fill="hold">
-                                          <p:stCondLst>
-                                            <p:cond delay="0"/>
-                                          </p:stCondLst>
-                                        </p:cTn>
-                                        <p:tgtEl>
-                                          <p:spTgt spid="3">
-                                            <p:txEl>
-                                              <p:pRg st="2" end="2"/>
-                                            </p:txEl>
-                                          </p:spTgt>
-                                        </p:tgtEl>
-                                        <p:attrNameLst>
-                                          <p:attrName>style.visibility</p:attrName>
-                                        </p:attrNameLst>
-                                      </p:cBhvr>
-                                      <p:to>
-                                        <p:strVal val="visible"/>
-                                      </p:to>
-                                    </p:set>
-                                  </p:childTnLst>
-                                </p:cTn>
-                              </p:par>
-                              <p:par>
-                                <p:cTn id="9" presetID="1" presetClass="entr" presetSubtype="0" fill="hold" nodeType="withEffect">
-                                  <p:stCondLst>
-                                    <p:cond delay="0"/>
-                                  </p:stCondLst>
-                                  <p:childTnLst>
-                                    <p:set>
-                                      <p:cBhvr>
-                                        <p:cTn id="10" dur="1" fill="hold">
-                                          <p:stCondLst>
-                                            <p:cond delay="0"/>
-                                          </p:stCondLst>
-                                        </p:cTn>
-                                        <p:tgtEl>
-                                          <p:spTgt spid="3">
-                                            <p:txEl>
-                                              <p:pRg st="3" end="3"/>
-                                            </p:txEl>
-                                          </p:spTgt>
-                                        </p:tgtEl>
-                                        <p:attrNameLst>
-                                          <p:attrName>style.visibility</p:attrName>
-                                        </p:attrNameLst>
-                                      </p:cBhvr>
-                                      <p:to>
-                                        <p:strVal val="visible"/>
-                                      </p:to>
-                                    </p:set>
-                                  </p:childTnLst>
-                                </p:cTn>
-                              </p:par>
-                              <p:par>
-                                <p:cTn id="11" presetID="1" presetClass="entr" presetSubtype="0" fill="hold" nodeType="withEffect">
-                                  <p:stCondLst>
-                                    <p:cond delay="0"/>
-                                  </p:stCondLst>
-                                  <p:childTnLst>
-                                    <p:set>
-                                      <p:cBhvr>
-                                        <p:cTn id="12" dur="1" fill="hold">
-                                          <p:stCondLst>
-                                            <p:cond delay="0"/>
-                                          </p:stCondLst>
-                                        </p:cTn>
-                                        <p:tgtEl>
-                                          <p:spTgt spid="3">
-                                            <p:txEl>
-                                              <p:pRg st="4" end="4"/>
-                                            </p:txEl>
-                                          </p:spTgt>
-                                        </p:tgtEl>
-                                        <p:attrNameLst>
-                                          <p:attrName>style.visibility</p:attrName>
-                                        </p:attrNameLst>
-                                      </p:cBhvr>
-                                      <p:to>
-                                        <p:strVal val="visible"/>
-                                      </p:to>
-                                    </p:set>
-                                  </p:childTnLst>
-                                </p:cTn>
-                              </p:par>
-                              <p:par>
-                                <p:cTn id="13" presetID="1" presetClass="entr" presetSubtype="0" fill="hold" nodeType="withEffect">
-                                  <p:stCondLst>
-                                    <p:cond delay="0"/>
-                                  </p:stCondLst>
-                                  <p:childTnLst>
-                                    <p:set>
-                                      <p:cBhvr>
-                                        <p:cTn id="14" dur="1" fill="hold">
-                                          <p:stCondLst>
-                                            <p:cond delay="0"/>
-                                          </p:stCondLst>
-                                        </p:cTn>
-                                        <p:tgtEl>
-                                          <p:spTgt spid="3">
-                                            <p:txEl>
-                                              <p:pRg st="5" end="5"/>
-                                            </p:txEl>
-                                          </p:spTgt>
-                                        </p:tgtEl>
-                                        <p:attrNameLst>
-                                          <p:attrName>style.visibility</p:attrName>
-                                        </p:attrNameLst>
-                                      </p:cBhvr>
-                                      <p:to>
-                                        <p:strVal val="visible"/>
-                                      </p:to>
-                                    </p:set>
-                                  </p:childTnLst>
-                                </p:cTn>
-                              </p:par>
-                              <p:par>
-                                <p:cTn id="15" presetID="1" presetClass="entr" presetSubtype="0" fill="hold" nodeType="withEffect">
-                                  <p:stCondLst>
-                                    <p:cond delay="0"/>
-                                  </p:stCondLst>
-                                  <p:childTnLst>
-                                    <p:set>
-                                      <p:cBhvr>
-                                        <p:cTn id="16" dur="1" fill="hold">
-                                          <p:stCondLst>
-                                            <p:cond delay="0"/>
-                                          </p:stCondLst>
-                                        </p:cTn>
-                                        <p:tgtEl>
-                                          <p:spTgt spid="3">
-                                            <p:txEl>
-                                              <p:pRg st="6" end="6"/>
-                                            </p:txEl>
-                                          </p:spTgt>
-                                        </p:tgtEl>
-                                        <p:attrNameLst>
-                                          <p:attrName>style.visibility</p:attrName>
-                                        </p:attrNameLst>
-                                      </p:cBhvr>
-                                      <p:to>
-                                        <p:strVal val="visible"/>
-                                      </p:to>
-                                    </p:set>
-                                  </p:childTnLst>
-                                </p:cTn>
-                              </p:par>
-                              <p:par>
-                                <p:cTn id="17" presetID="1" presetClass="entr" presetSubtype="0" fill="hold" nodeType="withEffect">
-                                  <p:stCondLst>
-                                    <p:cond delay="0"/>
-                                  </p:stCondLst>
-                                  <p:childTnLst>
-                                    <p:set>
-                                      <p:cBhvr>
-                                        <p:cTn id="18" dur="1" fill="hold">
-                                          <p:stCondLst>
-                                            <p:cond delay="0"/>
-                                          </p:stCondLst>
-                                        </p:cTn>
-                                        <p:tgtEl>
-                                          <p:spTgt spid="3">
-                                            <p:txEl>
-                                              <p:pRg st="7" end="7"/>
-                                            </p:txEl>
-                                          </p:spTgt>
-                                        </p:tgtEl>
-                                        <p:attrNameLst>
-                                          <p:attrName>style.visibility</p:attrName>
-                                        </p:attrNameLst>
-                                      </p:cBhvr>
-                                      <p:to>
-                                        <p:strVal val="visible"/>
-                                      </p:to>
-                                    </p:set>
-                                  </p:childTnLst>
-                                </p:cTn>
-                              </p:par>
-                              <p:par>
-                                <p:cTn id="19" presetID="1" presetClass="entr" presetSubtype="0" fill="hold" nodeType="withEffect">
-                                  <p:stCondLst>
-                                    <p:cond delay="0"/>
-                                  </p:stCondLst>
-                                  <p:childTnLst>
-                                    <p:set>
-                                      <p:cBhvr>
-                                        <p:cTn id="20" dur="1" fill="hold">
-                                          <p:stCondLst>
-                                            <p:cond delay="0"/>
-                                          </p:stCondLst>
-                                        </p:cTn>
-                                        <p:tgtEl>
-                                          <p:spTgt spid="3">
-                                            <p:txEl>
-                                              <p:pRg st="8" end="8"/>
-                                            </p:txEl>
-                                          </p:spTgt>
-                                        </p:tgtEl>
-                                        <p:attrNameLst>
-                                          <p:attrName>style.visibility</p:attrName>
-                                        </p:attrNameLst>
-                                      </p:cBhvr>
-                                      <p:to>
-                                        <p:strVal val="visible"/>
-                                      </p:to>
-                                    </p:set>
-                                  </p:childTnLst>
-                                </p:cTn>
-                              </p:par>
-                              <p:par>
-                                <p:cTn id="21" presetID="1" presetClass="entr" presetSubtype="0" fill="hold" nodeType="withEffect">
-                                  <p:stCondLst>
-                                    <p:cond delay="0"/>
-                                  </p:stCondLst>
-                                  <p:childTnLst>
-                                    <p:set>
-                                      <p:cBhvr>
-                                        <p:cTn id="22" dur="1" fill="hold">
-                                          <p:stCondLst>
-                                            <p:cond delay="0"/>
-                                          </p:stCondLst>
-                                        </p:cTn>
-                                        <p:tgtEl>
-                                          <p:spTgt spid="3">
-                                            <p:txEl>
-                                              <p:pRg st="9" end="9"/>
-                                            </p:txEl>
-                                          </p:spTgt>
-                                        </p:tgtEl>
-                                        <p:attrNameLst>
-                                          <p:attrName>style.visibility</p:attrName>
-                                        </p:attrNameLst>
-                                      </p:cBhvr>
-                                      <p:to>
-                                        <p:strVal val="visible"/>
-                                      </p:to>
-                                    </p:set>
-                                  </p:childTnLst>
-                                </p:cTn>
-                              </p:par>
-                              <p:par>
-                                <p:cTn id="23" presetID="1" presetClass="entr" presetSubtype="0" fill="hold" nodeType="withEffect">
-                                  <p:stCondLst>
-                                    <p:cond delay="0"/>
-                                  </p:stCondLst>
-                                  <p:childTnLst>
-                                    <p:set>
-                                      <p:cBhvr>
-                                        <p:cTn id="24" dur="1" fill="hold">
-                                          <p:stCondLst>
-                                            <p:cond delay="0"/>
-                                          </p:stCondLst>
-                                        </p:cTn>
-                                        <p:tgtEl>
-                                          <p:spTgt spid="3">
-                                            <p:txEl>
-                                              <p:pRg st="10" end="10"/>
-                                            </p:txEl>
-                                          </p:spTgt>
-                                        </p:tgtEl>
-                                        <p:attrNameLst>
-                                          <p:attrName>style.visibility</p:attrName>
-                                        </p:attrNameLst>
-                                      </p:cBhvr>
-                                      <p:to>
-                                        <p:strVal val="visible"/>
-                                      </p:to>
-                                    </p:set>
-                                  </p:childTnLst>
-                                </p:cTn>
-                              </p:par>
-                              <p:par>
-                                <p:cTn id="25" presetID="1" presetClass="entr" presetSubtype="0" fill="hold" nodeType="withEffect">
-                                  <p:stCondLst>
-                                    <p:cond delay="0"/>
-                                  </p:stCondLst>
-                                  <p:childTnLst>
-                                    <p:set>
-                                      <p:cBhvr>
-                                        <p:cTn id="26" dur="1" fill="hold">
-                                          <p:stCondLst>
-                                            <p:cond delay="0"/>
-                                          </p:stCondLst>
-                                        </p:cTn>
-                                        <p:tgtEl>
-                                          <p:spTgt spid="3">
-                                            <p:txEl>
-                                              <p:pRg st="11" end="11"/>
-                                            </p:txEl>
-                                          </p:spTgt>
-                                        </p:tgtEl>
-                                        <p:attrNameLst>
-                                          <p:attrName>style.visibility</p:attrName>
-                                        </p:attrNameLst>
-                                      </p:cBhvr>
-                                      <p:to>
-                                        <p:strVal val="visible"/>
-                                      </p:to>
-                                    </p:set>
-                                  </p:childTnLst>
-                                </p:cTn>
-                              </p:par>
-                            </p:childTnLst>
-                          </p:cTn>
-                        </p:par>
-                      </p:childTnLst>
-                    </p:cTn>
-                  </p:par>
-                </p:childTnLst>
-              </p:cTn>
-              <p:prevCondLst>
-                <p:cond evt="onPrev" delay="0">
-                  <p:tgtEl>
-                    <p:sldTgt/>
-                  </p:tgtEl>
-                </p:cond>
-              </p:prevCondLst>
-              <p:nextCondLst>
-                <p:cond evt="onNext" delay="0">
-                  <p:tgtEl>
-                    <p:sldTgt/>
-                  </p:tgtEl>
-                </p:cond>
-              </p:nextCondLst>
-            </p:seq>
-          </p:childTnLst>
-        </p:cTn>
       </p:par>
     </p:tnLst>
   </p:timing>

--- a/Week 7 -- spatiotemporal models/Lab/Lab 7 -- spatial-Gompertz model.pptx
+++ b/Week 7 -- spatiotemporal models/Lab/Lab 7 -- spatial-Gompertz model.pptx
@@ -3592,11 +3592,7 @@
                 </a:pPr>
                 <a:r>
                   <a:rPr lang="en-US" dirty="0" smtClean="0"/>
-                  <a:t>REVIEW: Four </a:t>
-                </a:r>
-                <a:r>
-                  <a:rPr lang="en-US" dirty="0" smtClean="0"/>
-                  <a:t>ways to code </a:t>
+                  <a:t>REVIEW: Four ways to code </a:t>
                 </a:r>
               </a:p>
               <a:p>
@@ -4109,7 +4105,17 @@
                       </a:schemeClr>
                     </a:solidFill>
                   </a:rPr>
-                  <a:t>3.  	Via multivariate normal density function in TMB</a:t>
+                  <a:t>3.  </a:t>
+                </a:r>
+                <a:r>
+                  <a:rPr lang="en-US" dirty="0" smtClean="0">
+                    <a:solidFill>
+                      <a:schemeClr val="bg1">
+                        <a:lumMod val="85000"/>
+                      </a:schemeClr>
+                    </a:solidFill>
+                  </a:rPr>
+                  <a:t>	Via multivariate normal density function in TMB</a:t>
                 </a:r>
               </a:p>
               <a:p>
@@ -4124,6 +4130,11 @@
                     <m:oMath xmlns:m="http://schemas.openxmlformats.org/officeDocument/2006/math">
                       <m:r>
                         <a:rPr lang="en-US" b="1">
+                          <a:solidFill>
+                            <a:schemeClr val="bg1">
+                              <a:lumMod val="85000"/>
+                            </a:schemeClr>
+                          </a:solidFill>
                           <a:latin typeface="Cambria Math" panose="02040503050406030204" pitchFamily="18" charset="0"/>
                           <a:ea typeface="Cambria Math" panose="02040503050406030204" pitchFamily="18" charset="0"/>
                         </a:rPr>
@@ -4131,6 +4142,11 @@
                       </m:r>
                       <m:r>
                         <a:rPr lang="en-US" i="1">
+                          <a:solidFill>
+                            <a:schemeClr val="bg1">
+                              <a:lumMod val="85000"/>
+                            </a:schemeClr>
+                          </a:solidFill>
                           <a:latin typeface="Cambria Math" panose="02040503050406030204" pitchFamily="18" charset="0"/>
                           <a:ea typeface="Cambria Math" panose="02040503050406030204" pitchFamily="18" charset="0"/>
                         </a:rPr>
@@ -4138,6 +4154,11 @@
                       </m:r>
                       <m:r>
                         <a:rPr lang="en-US" i="1">
+                          <a:solidFill>
+                            <a:schemeClr val="bg1">
+                              <a:lumMod val="85000"/>
+                            </a:schemeClr>
+                          </a:solidFill>
                           <a:latin typeface="Cambria Math" panose="02040503050406030204" pitchFamily="18" charset="0"/>
                           <a:ea typeface="Cambria Math" panose="02040503050406030204" pitchFamily="18" charset="0"/>
                         </a:rPr>
@@ -4145,6 +4166,11 @@
                       </m:r>
                       <m:r>
                         <a:rPr lang="en-US" i="1">
+                          <a:solidFill>
+                            <a:schemeClr val="bg1">
+                              <a:lumMod val="85000"/>
+                            </a:schemeClr>
+                          </a:solidFill>
                           <a:latin typeface="Cambria Math" panose="02040503050406030204" pitchFamily="18" charset="0"/>
                           <a:ea typeface="Cambria Math" panose="02040503050406030204" pitchFamily="18" charset="0"/>
                         </a:rPr>
@@ -4152,6 +4178,11 @@
                       </m:r>
                       <m:r>
                         <a:rPr lang="el-GR" b="1">
+                          <a:solidFill>
+                            <a:schemeClr val="bg1">
+                              <a:lumMod val="85000"/>
+                            </a:schemeClr>
+                          </a:solidFill>
                           <a:latin typeface="Cambria Math" panose="02040503050406030204" pitchFamily="18" charset="0"/>
                           <a:ea typeface="Cambria Math" panose="02040503050406030204" pitchFamily="18" charset="0"/>
                         </a:rPr>
@@ -4159,6 +4190,11 @@
                       </m:r>
                       <m:r>
                         <a:rPr lang="en-US" i="1">
+                          <a:solidFill>
+                            <a:schemeClr val="bg1">
+                              <a:lumMod val="85000"/>
+                            </a:schemeClr>
+                          </a:solidFill>
                           <a:latin typeface="Cambria Math" panose="02040503050406030204" pitchFamily="18" charset="0"/>
                           <a:ea typeface="Cambria Math" panose="02040503050406030204" pitchFamily="18" charset="0"/>
                         </a:rPr>
@@ -4167,7 +4203,13 @@
                     </m:oMath>
                   </m:oMathPara>
                 </a14:m>
-                <a:endParaRPr lang="en-US" dirty="0"/>
+                <a:endParaRPr lang="en-US" dirty="0">
+                  <a:solidFill>
+                    <a:schemeClr val="bg1">
+                      <a:lumMod val="85000"/>
+                    </a:schemeClr>
+                  </a:solidFill>
+                </a:endParaRPr>
               </a:p>
               <a:p>
                 <a:pPr marL="400050" lvl="1" indent="0">
@@ -12850,8 +12892,8 @@
           </a:p>
         </p:txBody>
       </p:sp>
-      <mc:AlternateContent xmlns:mc="http://schemas.openxmlformats.org/markup-compatibility/2006" xmlns:a14="http://schemas.microsoft.com/office/drawing/2010/main">
-        <mc:Choice Requires="a14">
+      <mc:AlternateContent xmlns:mc="http://schemas.openxmlformats.org/markup-compatibility/2006">
+        <mc:Choice xmlns:a14="http://schemas.microsoft.com/office/drawing/2010/main" Requires="a14">
           <p:sp>
             <p:nvSpPr>
               <p:cNvPr id="3" name="Content Placeholder 2"/>
@@ -13162,17 +13204,20 @@
                 <a14:m>
                   <m:oMath xmlns:m="http://schemas.openxmlformats.org/officeDocument/2006/math">
                     <m:r>
-                      <a:rPr lang="en-US" b="1">
+                      <a:rPr lang="en-US" b="1" i="0" smtClean="0">
                         <a:latin typeface="Cambria Math" panose="02040503050406030204" pitchFamily="18" charset="0"/>
-                        <a:ea typeface="Cambria Math" panose="02040503050406030204" pitchFamily="18" charset="0"/>
                       </a:rPr>
-                      <m:t>𝐂</m:t>
+                      <m:t>𝐑</m:t>
                     </m:r>
                   </m:oMath>
                 </a14:m>
                 <a:r>
                   <a:rPr lang="en-GB" dirty="0" smtClean="0"/>
-                  <a:t> is the correlation matrix for an AR1 process</a:t>
+                  <a:t> </a:t>
+                </a:r>
+                <a:r>
+                  <a:rPr lang="en-GB" dirty="0" smtClean="0"/>
+                  <a:t>is the correlation matrix for an AR1 process</a:t>
                 </a:r>
               </a:p>
               <a:p>
@@ -13181,7 +13226,7 @@
             </p:txBody>
           </p:sp>
         </mc:Choice>
-        <mc:Fallback xmlns="">
+        <mc:Fallback>
           <p:sp>
             <p:nvSpPr>
               <p:cNvPr id="3" name="Content Placeholder 2"/>
@@ -13237,7 +13282,7 @@
           <a:graphicData uri="http://schemas.openxmlformats.org/presentationml/2006/ole">
             <mc:AlternateContent xmlns:mc="http://schemas.openxmlformats.org/markup-compatibility/2006">
               <mc:Choice xmlns:v="urn:schemas-microsoft-com:vml" Requires="v">
-                <p:oleObj spid="_x0000_s1036" name="Equation" r:id="rId4" imgW="2616120" imgH="1168200" progId="Equation.DSMT4">
+                <p:oleObj spid="_x0000_s1038" name="Equation" r:id="rId4" imgW="2616120" imgH="1168200" progId="Equation.DSMT4">
                   <p:embed/>
                 </p:oleObj>
               </mc:Choice>
@@ -13328,8 +13373,8 @@
           </a:p>
         </p:txBody>
       </p:sp>
-      <mc:AlternateContent xmlns:mc="http://schemas.openxmlformats.org/markup-compatibility/2006">
-        <mc:Choice xmlns:a14="http://schemas.microsoft.com/office/drawing/2010/main" Requires="a14">
+      <mc:AlternateContent xmlns:mc="http://schemas.openxmlformats.org/markup-compatibility/2006" xmlns:a14="http://schemas.microsoft.com/office/drawing/2010/main">
+        <mc:Choice Requires="a14">
           <p:sp>
             <p:nvSpPr>
               <p:cNvPr id="3" name="Content Placeholder 2"/>
@@ -13350,11 +13395,7 @@
                 </a:pPr>
                 <a:r>
                   <a:rPr lang="en-US" dirty="0" smtClean="0"/>
-                  <a:t>REVIEW: Four </a:t>
-                </a:r>
-                <a:r>
-                  <a:rPr lang="en-US" dirty="0" smtClean="0"/>
-                  <a:t>ways to code </a:t>
+                  <a:t>REVIEW: Four ways to code </a:t>
                 </a:r>
               </a:p>
               <a:p>
@@ -13914,7 +13955,7 @@
             </p:txBody>
           </p:sp>
         </mc:Choice>
-        <mc:Fallback>
+        <mc:Fallback xmlns="">
           <p:sp>
             <p:nvSpPr>
               <p:cNvPr id="3" name="Content Placeholder 2"/>
@@ -14004,8 +14045,8 @@
           </a:p>
         </p:txBody>
       </p:sp>
-      <mc:AlternateContent xmlns:mc="http://schemas.openxmlformats.org/markup-compatibility/2006" xmlns:a14="http://schemas.microsoft.com/office/drawing/2010/main">
-        <mc:Choice Requires="a14">
+      <mc:AlternateContent xmlns:mc="http://schemas.openxmlformats.org/markup-compatibility/2006">
+        <mc:Choice xmlns:a14="http://schemas.microsoft.com/office/drawing/2010/main" Requires="a14">
           <p:sp>
             <p:nvSpPr>
               <p:cNvPr id="3" name="Content Placeholder 2"/>
@@ -14481,6 +14522,13 @@
                             </a:rPr>
                             <m:t>𝑡</m:t>
                           </m:r>
+                          <m:r>
+                            <a:rPr lang="en-US" b="0" i="1" smtClean="0">
+                              <a:latin typeface="Cambria Math" panose="02040503050406030204" pitchFamily="18" charset="0"/>
+                              <a:ea typeface="Cambria Math" panose="02040503050406030204" pitchFamily="18" charset="0"/>
+                            </a:rPr>
+                            <m:t>+1</m:t>
+                          </m:r>
                         </m:sub>
                       </m:sSub>
                       <m:r>
@@ -14505,12 +14553,40 @@
                         <m:t>(</m:t>
                       </m:r>
                       <m:r>
-                        <a:rPr lang="en-US" b="1" i="1">
+                        <a:rPr lang="en-US" i="1" smtClean="0">
                           <a:latin typeface="Cambria Math" panose="02040503050406030204" pitchFamily="18" charset="0"/>
                           <a:ea typeface="Cambria Math" panose="02040503050406030204" pitchFamily="18" charset="0"/>
                         </a:rPr>
-                        <m:t>𝟎</m:t>
-                      </m:r>
+                        <m:t>𝜌</m:t>
+                      </m:r>
+                      <m:sSub>
+                        <m:sSubPr>
+                          <m:ctrlPr>
+                            <a:rPr lang="en-US" i="1">
+                              <a:latin typeface="Cambria Math" panose="02040503050406030204" pitchFamily="18" charset="0"/>
+                              <a:ea typeface="Cambria Math" panose="02040503050406030204" pitchFamily="18" charset="0"/>
+                            </a:rPr>
+                          </m:ctrlPr>
+                        </m:sSubPr>
+                        <m:e>
+                          <m:r>
+                            <a:rPr lang="en-US" b="1">
+                              <a:latin typeface="Cambria Math" panose="02040503050406030204" pitchFamily="18" charset="0"/>
+                              <a:ea typeface="Cambria Math" panose="02040503050406030204" pitchFamily="18" charset="0"/>
+                            </a:rPr>
+                            <m:t>𝛆</m:t>
+                          </m:r>
+                        </m:e>
+                        <m:sub>
+                          <m:r>
+                            <a:rPr lang="en-US" i="1">
+                              <a:latin typeface="Cambria Math" panose="02040503050406030204" pitchFamily="18" charset="0"/>
+                              <a:ea typeface="Cambria Math" panose="02040503050406030204" pitchFamily="18" charset="0"/>
+                            </a:rPr>
+                            <m:t>𝑡</m:t>
+                          </m:r>
+                        </m:sub>
+                      </m:sSub>
                       <m:r>
                         <a:rPr lang="en-US" i="1">
                           <a:latin typeface="Cambria Math" panose="02040503050406030204" pitchFamily="18" charset="0"/>
@@ -15287,7 +15363,7 @@
             </p:txBody>
           </p:sp>
         </mc:Choice>
-        <mc:Fallback xmlns="">
+        <mc:Fallback>
           <p:sp>
             <p:nvSpPr>
               <p:cNvPr id="3" name="Content Placeholder 2"/>
